--- a/drawings/drawings.pptx
+++ b/drawings/drawings.pptx
@@ -52,6 +52,8 @@
     <p:sldId id="299" r:id="rId46"/>
     <p:sldId id="296" r:id="rId47"/>
     <p:sldId id="297" r:id="rId48"/>
+    <p:sldId id="305" r:id="rId49"/>
+    <p:sldId id="306" r:id="rId50"/>
   </p:sldIdLst>
   <p:sldSz cx="9144000" cy="6858000" type="screen4x3"/>
   <p:notesSz cx="6858000" cy="9144000"/>
@@ -43630,6 +43632,3332 @@
     <p:extLst>
       <p:ext uri="{BB962C8B-B14F-4D97-AF65-F5344CB8AC3E}">
         <p14:creationId xmlns:p14="http://schemas.microsoft.com/office/powerpoint/2010/main" val="607931610"/>
+      </p:ext>
+    </p:extLst>
+  </p:cSld>
+  <p:clrMapOvr>
+    <a:masterClrMapping/>
+  </p:clrMapOvr>
+</p:sld>
+</file>
+
+<file path=ppt/slides/slide48.xml><?xml version="1.0" encoding="utf-8"?>
+<p:sld xmlns:a="http://schemas.openxmlformats.org/drawingml/2006/main" xmlns:r="http://schemas.openxmlformats.org/officeDocument/2006/relationships" xmlns:p="http://schemas.openxmlformats.org/presentationml/2006/main">
+  <p:cSld>
+    <p:spTree>
+      <p:nvGrpSpPr>
+        <p:cNvPr id="1" name=""/>
+        <p:cNvGrpSpPr/>
+        <p:nvPr/>
+      </p:nvGrpSpPr>
+      <p:grpSpPr>
+        <a:xfrm>
+          <a:off x="0" y="0"/>
+          <a:ext cx="0" cy="0"/>
+          <a:chOff x="0" y="0"/>
+          <a:chExt cx="0" cy="0"/>
+        </a:xfrm>
+      </p:grpSpPr>
+      <p:sp>
+        <p:nvSpPr>
+          <p:cNvPr id="32" name="Oval 31"/>
+          <p:cNvSpPr/>
+          <p:nvPr/>
+        </p:nvSpPr>
+        <p:spPr>
+          <a:xfrm>
+            <a:off x="415780" y="3534337"/>
+            <a:ext cx="2740276" cy="2740693"/>
+          </a:xfrm>
+          <a:prstGeom prst="ellipse">
+            <a:avLst/>
+          </a:prstGeom>
+          <a:ln>
+            <a:noFill/>
+          </a:ln>
+          <a:effectLst/>
+        </p:spPr>
+        <p:style>
+          <a:lnRef idx="1">
+            <a:schemeClr val="accent1"/>
+          </a:lnRef>
+          <a:fillRef idx="3">
+            <a:schemeClr val="accent1"/>
+          </a:fillRef>
+          <a:effectRef idx="2">
+            <a:schemeClr val="accent1"/>
+          </a:effectRef>
+          <a:fontRef idx="minor">
+            <a:schemeClr val="lt1"/>
+          </a:fontRef>
+        </p:style>
+        <p:txBody>
+          <a:bodyPr rtlCol="0" anchor="ctr"/>
+          <a:lstStyle/>
+          <a:p>
+            <a:pPr algn="ctr"/>
+            <a:endParaRPr lang="en-US"/>
+          </a:p>
+        </p:txBody>
+      </p:sp>
+      <p:grpSp>
+        <p:nvGrpSpPr>
+          <p:cNvPr id="12" name="Group 11"/>
+          <p:cNvGrpSpPr/>
+          <p:nvPr/>
+        </p:nvGrpSpPr>
+        <p:grpSpPr>
+          <a:xfrm>
+            <a:off x="945370" y="4117959"/>
+            <a:ext cx="1705923" cy="1717479"/>
+            <a:chOff x="2840601" y="3390996"/>
+            <a:chExt cx="1705923" cy="1717479"/>
+          </a:xfrm>
+        </p:grpSpPr>
+        <p:sp>
+          <p:nvSpPr>
+            <p:cNvPr id="5" name="Rectangle 4"/>
+            <p:cNvSpPr/>
+            <p:nvPr/>
+          </p:nvSpPr>
+          <p:spPr>
+            <a:xfrm rot="13178596">
+              <a:off x="3401279" y="3554895"/>
+              <a:ext cx="609012" cy="1250446"/>
+            </a:xfrm>
+            <a:prstGeom prst="rect">
+              <a:avLst/>
+            </a:prstGeom>
+            <a:solidFill>
+              <a:srgbClr val="FFEA79"/>
+            </a:solidFill>
+            <a:ln>
+              <a:noFill/>
+            </a:ln>
+            <a:effectLst/>
+          </p:spPr>
+          <p:style>
+            <a:lnRef idx="1">
+              <a:schemeClr val="accent1"/>
+            </a:lnRef>
+            <a:fillRef idx="3">
+              <a:schemeClr val="accent1"/>
+            </a:fillRef>
+            <a:effectRef idx="2">
+              <a:schemeClr val="accent1"/>
+            </a:effectRef>
+            <a:fontRef idx="minor">
+              <a:schemeClr val="lt1"/>
+            </a:fontRef>
+          </p:style>
+          <p:txBody>
+            <a:bodyPr rtlCol="0" anchor="ctr"/>
+            <a:lstStyle/>
+            <a:p>
+              <a:pPr algn="ctr"/>
+              <a:endParaRPr lang="en-US"/>
+            </a:p>
+          </p:txBody>
+        </p:sp>
+        <p:sp>
+          <p:nvSpPr>
+            <p:cNvPr id="6" name="Rectangle 5"/>
+            <p:cNvSpPr/>
+            <p:nvPr/>
+          </p:nvSpPr>
+          <p:spPr>
+            <a:xfrm rot="13178596">
+              <a:off x="3604829" y="3550950"/>
+              <a:ext cx="192447" cy="1250446"/>
+            </a:xfrm>
+            <a:prstGeom prst="rect">
+              <a:avLst/>
+            </a:prstGeom>
+            <a:solidFill>
+              <a:srgbClr val="EAD66F"/>
+            </a:solidFill>
+            <a:ln>
+              <a:noFill/>
+            </a:ln>
+            <a:effectLst/>
+          </p:spPr>
+          <p:style>
+            <a:lnRef idx="1">
+              <a:schemeClr val="accent1"/>
+            </a:lnRef>
+            <a:fillRef idx="3">
+              <a:schemeClr val="accent1"/>
+            </a:fillRef>
+            <a:effectRef idx="2">
+              <a:schemeClr val="accent1"/>
+            </a:effectRef>
+            <a:fontRef idx="minor">
+              <a:schemeClr val="lt1"/>
+            </a:fontRef>
+          </p:style>
+          <p:txBody>
+            <a:bodyPr rtlCol="0" anchor="ctr"/>
+            <a:lstStyle/>
+            <a:p>
+              <a:pPr algn="ctr"/>
+              <a:endParaRPr lang="en-US"/>
+            </a:p>
+          </p:txBody>
+        </p:sp>
+        <p:sp>
+          <p:nvSpPr>
+            <p:cNvPr id="7" name="Rectangle 6"/>
+            <p:cNvSpPr/>
+            <p:nvPr/>
+          </p:nvSpPr>
+          <p:spPr>
+            <a:xfrm rot="13178596">
+              <a:off x="3844152" y="3568676"/>
+              <a:ext cx="609012" cy="146894"/>
+            </a:xfrm>
+            <a:prstGeom prst="rect">
+              <a:avLst/>
+            </a:prstGeom>
+            <a:solidFill>
+              <a:schemeClr val="bg1">
+                <a:lumMod val="50000"/>
+              </a:schemeClr>
+            </a:solidFill>
+            <a:ln>
+              <a:noFill/>
+            </a:ln>
+            <a:effectLst/>
+          </p:spPr>
+          <p:style>
+            <a:lnRef idx="1">
+              <a:schemeClr val="accent1"/>
+            </a:lnRef>
+            <a:fillRef idx="3">
+              <a:schemeClr val="accent1"/>
+            </a:fillRef>
+            <a:effectRef idx="2">
+              <a:schemeClr val="accent1"/>
+            </a:effectRef>
+            <a:fontRef idx="minor">
+              <a:schemeClr val="lt1"/>
+            </a:fontRef>
+          </p:style>
+          <p:txBody>
+            <a:bodyPr rtlCol="0" anchor="ctr"/>
+            <a:lstStyle/>
+            <a:p>
+              <a:pPr algn="ctr"/>
+              <a:endParaRPr lang="en-US"/>
+            </a:p>
+          </p:txBody>
+        </p:sp>
+        <p:sp>
+          <p:nvSpPr>
+            <p:cNvPr id="8" name="Rounded Rectangle 7"/>
+            <p:cNvSpPr/>
+            <p:nvPr/>
+          </p:nvSpPr>
+          <p:spPr>
+            <a:xfrm rot="13178596">
+              <a:off x="3937512" y="3390996"/>
+              <a:ext cx="609012" cy="275430"/>
+            </a:xfrm>
+            <a:prstGeom prst="roundRect">
+              <a:avLst/>
+            </a:prstGeom>
+            <a:solidFill>
+              <a:srgbClr val="E88E9D"/>
+            </a:solidFill>
+            <a:ln>
+              <a:noFill/>
+            </a:ln>
+            <a:effectLst/>
+          </p:spPr>
+          <p:style>
+            <a:lnRef idx="1">
+              <a:schemeClr val="accent1"/>
+            </a:lnRef>
+            <a:fillRef idx="3">
+              <a:schemeClr val="accent1"/>
+            </a:fillRef>
+            <a:effectRef idx="2">
+              <a:schemeClr val="accent1"/>
+            </a:effectRef>
+            <a:fontRef idx="minor">
+              <a:schemeClr val="lt1"/>
+            </a:fontRef>
+          </p:style>
+          <p:txBody>
+            <a:bodyPr rtlCol="0" anchor="ctr"/>
+            <a:lstStyle/>
+            <a:p>
+              <a:pPr algn="ctr"/>
+              <a:endParaRPr lang="en-US"/>
+            </a:p>
+          </p:txBody>
+        </p:sp>
+        <p:sp>
+          <p:nvSpPr>
+            <p:cNvPr id="9" name="Isosceles Triangle 8"/>
+            <p:cNvSpPr/>
+            <p:nvPr/>
+          </p:nvSpPr>
+          <p:spPr>
+            <a:xfrm rot="13178596">
+              <a:off x="2840601" y="4599910"/>
+              <a:ext cx="609012" cy="508565"/>
+            </a:xfrm>
+            <a:prstGeom prst="triangle">
+              <a:avLst/>
+            </a:prstGeom>
+            <a:solidFill>
+              <a:schemeClr val="bg2">
+                <a:lumMod val="90000"/>
+              </a:schemeClr>
+            </a:solidFill>
+            <a:ln>
+              <a:noFill/>
+            </a:ln>
+            <a:effectLst/>
+          </p:spPr>
+          <p:style>
+            <a:lnRef idx="1">
+              <a:schemeClr val="accent1"/>
+            </a:lnRef>
+            <a:fillRef idx="3">
+              <a:schemeClr val="accent1"/>
+            </a:fillRef>
+            <a:effectRef idx="2">
+              <a:schemeClr val="accent1"/>
+            </a:effectRef>
+            <a:fontRef idx="minor">
+              <a:schemeClr val="lt1"/>
+            </a:fontRef>
+          </p:style>
+          <p:txBody>
+            <a:bodyPr rtlCol="0" anchor="ctr"/>
+            <a:lstStyle/>
+            <a:p>
+              <a:pPr algn="ctr"/>
+              <a:endParaRPr lang="en-US"/>
+            </a:p>
+          </p:txBody>
+        </p:sp>
+        <p:sp>
+          <p:nvSpPr>
+            <p:cNvPr id="10" name="Isosceles Triangle 9"/>
+            <p:cNvSpPr/>
+            <p:nvPr/>
+          </p:nvSpPr>
+          <p:spPr>
+            <a:xfrm rot="13178596">
+              <a:off x="2916063" y="4876232"/>
+              <a:ext cx="239155" cy="215887"/>
+            </a:xfrm>
+            <a:prstGeom prst="triangle">
+              <a:avLst/>
+            </a:prstGeom>
+            <a:solidFill>
+              <a:schemeClr val="tx1"/>
+            </a:solidFill>
+            <a:ln>
+              <a:noFill/>
+            </a:ln>
+            <a:effectLst/>
+          </p:spPr>
+          <p:style>
+            <a:lnRef idx="1">
+              <a:schemeClr val="accent1"/>
+            </a:lnRef>
+            <a:fillRef idx="3">
+              <a:schemeClr val="accent1"/>
+            </a:fillRef>
+            <a:effectRef idx="2">
+              <a:schemeClr val="accent1"/>
+            </a:effectRef>
+            <a:fontRef idx="minor">
+              <a:schemeClr val="lt1"/>
+            </a:fontRef>
+          </p:style>
+          <p:txBody>
+            <a:bodyPr rtlCol="0" anchor="ctr"/>
+            <a:lstStyle/>
+            <a:p>
+              <a:pPr algn="ctr"/>
+              <a:endParaRPr lang="en-US"/>
+            </a:p>
+          </p:txBody>
+        </p:sp>
+        <p:sp>
+          <p:nvSpPr>
+            <p:cNvPr id="11" name="Rectangle 10"/>
+            <p:cNvSpPr/>
+            <p:nvPr/>
+          </p:nvSpPr>
+          <p:spPr>
+            <a:xfrm rot="13178596">
+              <a:off x="3900839" y="3485290"/>
+              <a:ext cx="609012" cy="175483"/>
+            </a:xfrm>
+            <a:prstGeom prst="rect">
+              <a:avLst/>
+            </a:prstGeom>
+            <a:solidFill>
+              <a:srgbClr val="E88E9D"/>
+            </a:solidFill>
+            <a:ln>
+              <a:noFill/>
+            </a:ln>
+            <a:effectLst/>
+          </p:spPr>
+          <p:style>
+            <a:lnRef idx="1">
+              <a:schemeClr val="accent1"/>
+            </a:lnRef>
+            <a:fillRef idx="3">
+              <a:schemeClr val="accent1"/>
+            </a:fillRef>
+            <a:effectRef idx="2">
+              <a:schemeClr val="accent1"/>
+            </a:effectRef>
+            <a:fontRef idx="minor">
+              <a:schemeClr val="lt1"/>
+            </a:fontRef>
+          </p:style>
+          <p:txBody>
+            <a:bodyPr rtlCol="0" anchor="ctr"/>
+            <a:lstStyle/>
+            <a:p>
+              <a:pPr algn="ctr"/>
+              <a:endParaRPr lang="en-US"/>
+            </a:p>
+          </p:txBody>
+        </p:sp>
+      </p:grpSp>
+      <p:sp>
+        <p:nvSpPr>
+          <p:cNvPr id="34" name="Oval 33"/>
+          <p:cNvSpPr/>
+          <p:nvPr/>
+        </p:nvSpPr>
+        <p:spPr>
+          <a:xfrm>
+            <a:off x="6031669" y="210736"/>
+            <a:ext cx="2740276" cy="2740693"/>
+          </a:xfrm>
+          <a:prstGeom prst="ellipse">
+            <a:avLst/>
+          </a:prstGeom>
+          <a:gradFill>
+            <a:gsLst>
+              <a:gs pos="0">
+                <a:schemeClr val="tx2"/>
+              </a:gs>
+              <a:gs pos="100000">
+                <a:schemeClr val="tx2">
+                  <a:lumMod val="40000"/>
+                  <a:lumOff val="60000"/>
+                </a:schemeClr>
+              </a:gs>
+            </a:gsLst>
+          </a:gradFill>
+          <a:ln>
+            <a:noFill/>
+          </a:ln>
+          <a:effectLst/>
+        </p:spPr>
+        <p:style>
+          <a:lnRef idx="1">
+            <a:schemeClr val="accent1"/>
+          </a:lnRef>
+          <a:fillRef idx="3">
+            <a:schemeClr val="accent1"/>
+          </a:fillRef>
+          <a:effectRef idx="2">
+            <a:schemeClr val="accent1"/>
+          </a:effectRef>
+          <a:fontRef idx="minor">
+            <a:schemeClr val="lt1"/>
+          </a:fontRef>
+        </p:style>
+        <p:txBody>
+          <a:bodyPr rtlCol="0" anchor="ctr"/>
+          <a:lstStyle/>
+          <a:p>
+            <a:pPr algn="ctr"/>
+            <a:endParaRPr lang="en-US"/>
+          </a:p>
+        </p:txBody>
+      </p:sp>
+      <p:grpSp>
+        <p:nvGrpSpPr>
+          <p:cNvPr id="35" name="Group 34"/>
+          <p:cNvGrpSpPr/>
+          <p:nvPr/>
+        </p:nvGrpSpPr>
+        <p:grpSpPr>
+          <a:xfrm>
+            <a:off x="6561259" y="794358"/>
+            <a:ext cx="1705923" cy="1717479"/>
+            <a:chOff x="2840601" y="3390996"/>
+            <a:chExt cx="1705923" cy="1717479"/>
+          </a:xfrm>
+        </p:grpSpPr>
+        <p:sp>
+          <p:nvSpPr>
+            <p:cNvPr id="36" name="Rectangle 35"/>
+            <p:cNvSpPr/>
+            <p:nvPr/>
+          </p:nvSpPr>
+          <p:spPr>
+            <a:xfrm rot="13178596">
+              <a:off x="3401279" y="3554895"/>
+              <a:ext cx="609012" cy="1250446"/>
+            </a:xfrm>
+            <a:prstGeom prst="rect">
+              <a:avLst/>
+            </a:prstGeom>
+            <a:solidFill>
+              <a:srgbClr val="FFEA79"/>
+            </a:solidFill>
+            <a:ln>
+              <a:noFill/>
+            </a:ln>
+            <a:effectLst/>
+          </p:spPr>
+          <p:style>
+            <a:lnRef idx="1">
+              <a:schemeClr val="accent1"/>
+            </a:lnRef>
+            <a:fillRef idx="3">
+              <a:schemeClr val="accent1"/>
+            </a:fillRef>
+            <a:effectRef idx="2">
+              <a:schemeClr val="accent1"/>
+            </a:effectRef>
+            <a:fontRef idx="minor">
+              <a:schemeClr val="lt1"/>
+            </a:fontRef>
+          </p:style>
+          <p:txBody>
+            <a:bodyPr rtlCol="0" anchor="ctr"/>
+            <a:lstStyle/>
+            <a:p>
+              <a:pPr algn="ctr"/>
+              <a:endParaRPr lang="en-US"/>
+            </a:p>
+          </p:txBody>
+        </p:sp>
+        <p:sp>
+          <p:nvSpPr>
+            <p:cNvPr id="37" name="Rectangle 36"/>
+            <p:cNvSpPr/>
+            <p:nvPr/>
+          </p:nvSpPr>
+          <p:spPr>
+            <a:xfrm rot="13178596">
+              <a:off x="3604829" y="3550950"/>
+              <a:ext cx="192447" cy="1250446"/>
+            </a:xfrm>
+            <a:prstGeom prst="rect">
+              <a:avLst/>
+            </a:prstGeom>
+            <a:solidFill>
+              <a:srgbClr val="EAD66F"/>
+            </a:solidFill>
+            <a:ln>
+              <a:noFill/>
+            </a:ln>
+            <a:effectLst/>
+          </p:spPr>
+          <p:style>
+            <a:lnRef idx="1">
+              <a:schemeClr val="accent1"/>
+            </a:lnRef>
+            <a:fillRef idx="3">
+              <a:schemeClr val="accent1"/>
+            </a:fillRef>
+            <a:effectRef idx="2">
+              <a:schemeClr val="accent1"/>
+            </a:effectRef>
+            <a:fontRef idx="minor">
+              <a:schemeClr val="lt1"/>
+            </a:fontRef>
+          </p:style>
+          <p:txBody>
+            <a:bodyPr rtlCol="0" anchor="ctr"/>
+            <a:lstStyle/>
+            <a:p>
+              <a:pPr algn="ctr"/>
+              <a:endParaRPr lang="en-US"/>
+            </a:p>
+          </p:txBody>
+        </p:sp>
+        <p:sp>
+          <p:nvSpPr>
+            <p:cNvPr id="38" name="Rectangle 37"/>
+            <p:cNvSpPr/>
+            <p:nvPr/>
+          </p:nvSpPr>
+          <p:spPr>
+            <a:xfrm rot="13178596">
+              <a:off x="3844152" y="3568676"/>
+              <a:ext cx="609012" cy="146894"/>
+            </a:xfrm>
+            <a:prstGeom prst="rect">
+              <a:avLst/>
+            </a:prstGeom>
+            <a:solidFill>
+              <a:schemeClr val="bg1">
+                <a:lumMod val="50000"/>
+              </a:schemeClr>
+            </a:solidFill>
+            <a:ln>
+              <a:noFill/>
+            </a:ln>
+            <a:effectLst/>
+          </p:spPr>
+          <p:style>
+            <a:lnRef idx="1">
+              <a:schemeClr val="accent1"/>
+            </a:lnRef>
+            <a:fillRef idx="3">
+              <a:schemeClr val="accent1"/>
+            </a:fillRef>
+            <a:effectRef idx="2">
+              <a:schemeClr val="accent1"/>
+            </a:effectRef>
+            <a:fontRef idx="minor">
+              <a:schemeClr val="lt1"/>
+            </a:fontRef>
+          </p:style>
+          <p:txBody>
+            <a:bodyPr rtlCol="0" anchor="ctr"/>
+            <a:lstStyle/>
+            <a:p>
+              <a:pPr algn="ctr"/>
+              <a:endParaRPr lang="en-US"/>
+            </a:p>
+          </p:txBody>
+        </p:sp>
+        <p:sp>
+          <p:nvSpPr>
+            <p:cNvPr id="39" name="Rounded Rectangle 38"/>
+            <p:cNvSpPr/>
+            <p:nvPr/>
+          </p:nvSpPr>
+          <p:spPr>
+            <a:xfrm rot="13178596">
+              <a:off x="3937512" y="3390996"/>
+              <a:ext cx="609012" cy="275430"/>
+            </a:xfrm>
+            <a:prstGeom prst="roundRect">
+              <a:avLst/>
+            </a:prstGeom>
+            <a:solidFill>
+              <a:srgbClr val="E88E9D"/>
+            </a:solidFill>
+            <a:ln>
+              <a:noFill/>
+            </a:ln>
+            <a:effectLst/>
+          </p:spPr>
+          <p:style>
+            <a:lnRef idx="1">
+              <a:schemeClr val="accent1"/>
+            </a:lnRef>
+            <a:fillRef idx="3">
+              <a:schemeClr val="accent1"/>
+            </a:fillRef>
+            <a:effectRef idx="2">
+              <a:schemeClr val="accent1"/>
+            </a:effectRef>
+            <a:fontRef idx="minor">
+              <a:schemeClr val="lt1"/>
+            </a:fontRef>
+          </p:style>
+          <p:txBody>
+            <a:bodyPr rtlCol="0" anchor="ctr"/>
+            <a:lstStyle/>
+            <a:p>
+              <a:pPr algn="ctr"/>
+              <a:endParaRPr lang="en-US"/>
+            </a:p>
+          </p:txBody>
+        </p:sp>
+        <p:sp>
+          <p:nvSpPr>
+            <p:cNvPr id="40" name="Isosceles Triangle 39"/>
+            <p:cNvSpPr/>
+            <p:nvPr/>
+          </p:nvSpPr>
+          <p:spPr>
+            <a:xfrm rot="13178596">
+              <a:off x="2840601" y="4599910"/>
+              <a:ext cx="609012" cy="508565"/>
+            </a:xfrm>
+            <a:prstGeom prst="triangle">
+              <a:avLst/>
+            </a:prstGeom>
+            <a:solidFill>
+              <a:schemeClr val="bg2">
+                <a:lumMod val="90000"/>
+              </a:schemeClr>
+            </a:solidFill>
+            <a:ln>
+              <a:noFill/>
+            </a:ln>
+            <a:effectLst/>
+          </p:spPr>
+          <p:style>
+            <a:lnRef idx="1">
+              <a:schemeClr val="accent1"/>
+            </a:lnRef>
+            <a:fillRef idx="3">
+              <a:schemeClr val="accent1"/>
+            </a:fillRef>
+            <a:effectRef idx="2">
+              <a:schemeClr val="accent1"/>
+            </a:effectRef>
+            <a:fontRef idx="minor">
+              <a:schemeClr val="lt1"/>
+            </a:fontRef>
+          </p:style>
+          <p:txBody>
+            <a:bodyPr rtlCol="0" anchor="ctr"/>
+            <a:lstStyle/>
+            <a:p>
+              <a:pPr algn="ctr"/>
+              <a:endParaRPr lang="en-US"/>
+            </a:p>
+          </p:txBody>
+        </p:sp>
+        <p:sp>
+          <p:nvSpPr>
+            <p:cNvPr id="41" name="Isosceles Triangle 40"/>
+            <p:cNvSpPr/>
+            <p:nvPr/>
+          </p:nvSpPr>
+          <p:spPr>
+            <a:xfrm rot="13178596">
+              <a:off x="2916063" y="4876232"/>
+              <a:ext cx="239155" cy="215887"/>
+            </a:xfrm>
+            <a:prstGeom prst="triangle">
+              <a:avLst/>
+            </a:prstGeom>
+            <a:solidFill>
+              <a:schemeClr val="tx1"/>
+            </a:solidFill>
+            <a:ln>
+              <a:noFill/>
+            </a:ln>
+            <a:effectLst/>
+          </p:spPr>
+          <p:style>
+            <a:lnRef idx="1">
+              <a:schemeClr val="accent1"/>
+            </a:lnRef>
+            <a:fillRef idx="3">
+              <a:schemeClr val="accent1"/>
+            </a:fillRef>
+            <a:effectRef idx="2">
+              <a:schemeClr val="accent1"/>
+            </a:effectRef>
+            <a:fontRef idx="minor">
+              <a:schemeClr val="lt1"/>
+            </a:fontRef>
+          </p:style>
+          <p:txBody>
+            <a:bodyPr rtlCol="0" anchor="ctr"/>
+            <a:lstStyle/>
+            <a:p>
+              <a:pPr algn="ctr"/>
+              <a:endParaRPr lang="en-US"/>
+            </a:p>
+          </p:txBody>
+        </p:sp>
+        <p:sp>
+          <p:nvSpPr>
+            <p:cNvPr id="42" name="Rectangle 41"/>
+            <p:cNvSpPr/>
+            <p:nvPr/>
+          </p:nvSpPr>
+          <p:spPr>
+            <a:xfrm rot="13178596">
+              <a:off x="3900839" y="3485290"/>
+              <a:ext cx="609012" cy="175483"/>
+            </a:xfrm>
+            <a:prstGeom prst="rect">
+              <a:avLst/>
+            </a:prstGeom>
+            <a:solidFill>
+              <a:srgbClr val="E88E9D"/>
+            </a:solidFill>
+            <a:ln>
+              <a:noFill/>
+            </a:ln>
+            <a:effectLst/>
+          </p:spPr>
+          <p:style>
+            <a:lnRef idx="1">
+              <a:schemeClr val="accent1"/>
+            </a:lnRef>
+            <a:fillRef idx="3">
+              <a:schemeClr val="accent1"/>
+            </a:fillRef>
+            <a:effectRef idx="2">
+              <a:schemeClr val="accent1"/>
+            </a:effectRef>
+            <a:fontRef idx="minor">
+              <a:schemeClr val="lt1"/>
+            </a:fontRef>
+          </p:style>
+          <p:txBody>
+            <a:bodyPr rtlCol="0" anchor="ctr"/>
+            <a:lstStyle/>
+            <a:p>
+              <a:pPr algn="ctr"/>
+              <a:endParaRPr lang="en-US"/>
+            </a:p>
+          </p:txBody>
+        </p:sp>
+      </p:grpSp>
+      <p:sp>
+        <p:nvSpPr>
+          <p:cNvPr id="43" name="Oval 42"/>
+          <p:cNvSpPr/>
+          <p:nvPr/>
+        </p:nvSpPr>
+        <p:spPr>
+          <a:xfrm>
+            <a:off x="423880" y="245848"/>
+            <a:ext cx="2740276" cy="2740693"/>
+          </a:xfrm>
+          <a:prstGeom prst="ellipse">
+            <a:avLst/>
+          </a:prstGeom>
+          <a:solidFill>
+            <a:schemeClr val="tx2"/>
+          </a:solidFill>
+          <a:ln>
+            <a:noFill/>
+          </a:ln>
+          <a:effectLst/>
+        </p:spPr>
+        <p:style>
+          <a:lnRef idx="1">
+            <a:schemeClr val="accent1"/>
+          </a:lnRef>
+          <a:fillRef idx="3">
+            <a:schemeClr val="accent1"/>
+          </a:fillRef>
+          <a:effectRef idx="2">
+            <a:schemeClr val="accent1"/>
+          </a:effectRef>
+          <a:fontRef idx="minor">
+            <a:schemeClr val="lt1"/>
+          </a:fontRef>
+        </p:style>
+        <p:txBody>
+          <a:bodyPr rtlCol="0" anchor="ctr"/>
+          <a:lstStyle/>
+          <a:p>
+            <a:pPr algn="ctr"/>
+            <a:endParaRPr lang="en-US"/>
+          </a:p>
+        </p:txBody>
+      </p:sp>
+      <p:grpSp>
+        <p:nvGrpSpPr>
+          <p:cNvPr id="44" name="Group 43"/>
+          <p:cNvGrpSpPr/>
+          <p:nvPr/>
+        </p:nvGrpSpPr>
+        <p:grpSpPr>
+          <a:xfrm>
+            <a:off x="953470" y="829470"/>
+            <a:ext cx="1705923" cy="1717479"/>
+            <a:chOff x="2840601" y="3390996"/>
+            <a:chExt cx="1705923" cy="1717479"/>
+          </a:xfrm>
+        </p:grpSpPr>
+        <p:sp>
+          <p:nvSpPr>
+            <p:cNvPr id="45" name="Rectangle 44"/>
+            <p:cNvSpPr/>
+            <p:nvPr/>
+          </p:nvSpPr>
+          <p:spPr>
+            <a:xfrm rot="13178596">
+              <a:off x="3401279" y="3554895"/>
+              <a:ext cx="609012" cy="1250446"/>
+            </a:xfrm>
+            <a:prstGeom prst="rect">
+              <a:avLst/>
+            </a:prstGeom>
+            <a:solidFill>
+              <a:srgbClr val="FFEA79"/>
+            </a:solidFill>
+            <a:ln>
+              <a:noFill/>
+            </a:ln>
+            <a:effectLst/>
+          </p:spPr>
+          <p:style>
+            <a:lnRef idx="1">
+              <a:schemeClr val="accent1"/>
+            </a:lnRef>
+            <a:fillRef idx="3">
+              <a:schemeClr val="accent1"/>
+            </a:fillRef>
+            <a:effectRef idx="2">
+              <a:schemeClr val="accent1"/>
+            </a:effectRef>
+            <a:fontRef idx="minor">
+              <a:schemeClr val="lt1"/>
+            </a:fontRef>
+          </p:style>
+          <p:txBody>
+            <a:bodyPr rtlCol="0" anchor="ctr"/>
+            <a:lstStyle/>
+            <a:p>
+              <a:pPr algn="ctr"/>
+              <a:endParaRPr lang="en-US"/>
+            </a:p>
+          </p:txBody>
+        </p:sp>
+        <p:sp>
+          <p:nvSpPr>
+            <p:cNvPr id="46" name="Rectangle 45"/>
+            <p:cNvSpPr/>
+            <p:nvPr/>
+          </p:nvSpPr>
+          <p:spPr>
+            <a:xfrm rot="13178596">
+              <a:off x="3604829" y="3550950"/>
+              <a:ext cx="192447" cy="1250446"/>
+            </a:xfrm>
+            <a:prstGeom prst="rect">
+              <a:avLst/>
+            </a:prstGeom>
+            <a:solidFill>
+              <a:srgbClr val="EAD66F"/>
+            </a:solidFill>
+            <a:ln>
+              <a:noFill/>
+            </a:ln>
+            <a:effectLst/>
+          </p:spPr>
+          <p:style>
+            <a:lnRef idx="1">
+              <a:schemeClr val="accent1"/>
+            </a:lnRef>
+            <a:fillRef idx="3">
+              <a:schemeClr val="accent1"/>
+            </a:fillRef>
+            <a:effectRef idx="2">
+              <a:schemeClr val="accent1"/>
+            </a:effectRef>
+            <a:fontRef idx="minor">
+              <a:schemeClr val="lt1"/>
+            </a:fontRef>
+          </p:style>
+          <p:txBody>
+            <a:bodyPr rtlCol="0" anchor="ctr"/>
+            <a:lstStyle/>
+            <a:p>
+              <a:pPr algn="ctr"/>
+              <a:endParaRPr lang="en-US"/>
+            </a:p>
+          </p:txBody>
+        </p:sp>
+        <p:sp>
+          <p:nvSpPr>
+            <p:cNvPr id="47" name="Rectangle 46"/>
+            <p:cNvSpPr/>
+            <p:nvPr/>
+          </p:nvSpPr>
+          <p:spPr>
+            <a:xfrm rot="13178596">
+              <a:off x="3844152" y="3568676"/>
+              <a:ext cx="609012" cy="146894"/>
+            </a:xfrm>
+            <a:prstGeom prst="rect">
+              <a:avLst/>
+            </a:prstGeom>
+            <a:solidFill>
+              <a:schemeClr val="bg1">
+                <a:lumMod val="50000"/>
+              </a:schemeClr>
+            </a:solidFill>
+            <a:ln>
+              <a:noFill/>
+            </a:ln>
+            <a:effectLst/>
+          </p:spPr>
+          <p:style>
+            <a:lnRef idx="1">
+              <a:schemeClr val="accent1"/>
+            </a:lnRef>
+            <a:fillRef idx="3">
+              <a:schemeClr val="accent1"/>
+            </a:fillRef>
+            <a:effectRef idx="2">
+              <a:schemeClr val="accent1"/>
+            </a:effectRef>
+            <a:fontRef idx="minor">
+              <a:schemeClr val="lt1"/>
+            </a:fontRef>
+          </p:style>
+          <p:txBody>
+            <a:bodyPr rtlCol="0" anchor="ctr"/>
+            <a:lstStyle/>
+            <a:p>
+              <a:pPr algn="ctr"/>
+              <a:endParaRPr lang="en-US"/>
+            </a:p>
+          </p:txBody>
+        </p:sp>
+        <p:sp>
+          <p:nvSpPr>
+            <p:cNvPr id="48" name="Rounded Rectangle 47"/>
+            <p:cNvSpPr/>
+            <p:nvPr/>
+          </p:nvSpPr>
+          <p:spPr>
+            <a:xfrm rot="13178596">
+              <a:off x="3937512" y="3390996"/>
+              <a:ext cx="609012" cy="275430"/>
+            </a:xfrm>
+            <a:prstGeom prst="roundRect">
+              <a:avLst/>
+            </a:prstGeom>
+            <a:solidFill>
+              <a:srgbClr val="E88E9D"/>
+            </a:solidFill>
+            <a:ln>
+              <a:noFill/>
+            </a:ln>
+            <a:effectLst/>
+          </p:spPr>
+          <p:style>
+            <a:lnRef idx="1">
+              <a:schemeClr val="accent1"/>
+            </a:lnRef>
+            <a:fillRef idx="3">
+              <a:schemeClr val="accent1"/>
+            </a:fillRef>
+            <a:effectRef idx="2">
+              <a:schemeClr val="accent1"/>
+            </a:effectRef>
+            <a:fontRef idx="minor">
+              <a:schemeClr val="lt1"/>
+            </a:fontRef>
+          </p:style>
+          <p:txBody>
+            <a:bodyPr rtlCol="0" anchor="ctr"/>
+            <a:lstStyle/>
+            <a:p>
+              <a:pPr algn="ctr"/>
+              <a:endParaRPr lang="en-US"/>
+            </a:p>
+          </p:txBody>
+        </p:sp>
+        <p:sp>
+          <p:nvSpPr>
+            <p:cNvPr id="49" name="Isosceles Triangle 48"/>
+            <p:cNvSpPr/>
+            <p:nvPr/>
+          </p:nvSpPr>
+          <p:spPr>
+            <a:xfrm rot="13178596">
+              <a:off x="2840601" y="4599910"/>
+              <a:ext cx="609012" cy="508565"/>
+            </a:xfrm>
+            <a:prstGeom prst="triangle">
+              <a:avLst/>
+            </a:prstGeom>
+            <a:solidFill>
+              <a:schemeClr val="bg2">
+                <a:lumMod val="90000"/>
+              </a:schemeClr>
+            </a:solidFill>
+            <a:ln>
+              <a:noFill/>
+            </a:ln>
+            <a:effectLst/>
+          </p:spPr>
+          <p:style>
+            <a:lnRef idx="1">
+              <a:schemeClr val="accent1"/>
+            </a:lnRef>
+            <a:fillRef idx="3">
+              <a:schemeClr val="accent1"/>
+            </a:fillRef>
+            <a:effectRef idx="2">
+              <a:schemeClr val="accent1"/>
+            </a:effectRef>
+            <a:fontRef idx="minor">
+              <a:schemeClr val="lt1"/>
+            </a:fontRef>
+          </p:style>
+          <p:txBody>
+            <a:bodyPr rtlCol="0" anchor="ctr"/>
+            <a:lstStyle/>
+            <a:p>
+              <a:pPr algn="ctr"/>
+              <a:endParaRPr lang="en-US"/>
+            </a:p>
+          </p:txBody>
+        </p:sp>
+        <p:sp>
+          <p:nvSpPr>
+            <p:cNvPr id="50" name="Isosceles Triangle 49"/>
+            <p:cNvSpPr/>
+            <p:nvPr/>
+          </p:nvSpPr>
+          <p:spPr>
+            <a:xfrm rot="13178596">
+              <a:off x="2916063" y="4876232"/>
+              <a:ext cx="239155" cy="215887"/>
+            </a:xfrm>
+            <a:prstGeom prst="triangle">
+              <a:avLst/>
+            </a:prstGeom>
+            <a:solidFill>
+              <a:schemeClr val="tx1"/>
+            </a:solidFill>
+            <a:ln>
+              <a:noFill/>
+            </a:ln>
+            <a:effectLst/>
+          </p:spPr>
+          <p:style>
+            <a:lnRef idx="1">
+              <a:schemeClr val="accent1"/>
+            </a:lnRef>
+            <a:fillRef idx="3">
+              <a:schemeClr val="accent1"/>
+            </a:fillRef>
+            <a:effectRef idx="2">
+              <a:schemeClr val="accent1"/>
+            </a:effectRef>
+            <a:fontRef idx="minor">
+              <a:schemeClr val="lt1"/>
+            </a:fontRef>
+          </p:style>
+          <p:txBody>
+            <a:bodyPr rtlCol="0" anchor="ctr"/>
+            <a:lstStyle/>
+            <a:p>
+              <a:pPr algn="ctr"/>
+              <a:endParaRPr lang="en-US"/>
+            </a:p>
+          </p:txBody>
+        </p:sp>
+        <p:sp>
+          <p:nvSpPr>
+            <p:cNvPr id="51" name="Rectangle 50"/>
+            <p:cNvSpPr/>
+            <p:nvPr/>
+          </p:nvSpPr>
+          <p:spPr>
+            <a:xfrm rot="13178596">
+              <a:off x="3900839" y="3485290"/>
+              <a:ext cx="609012" cy="175483"/>
+            </a:xfrm>
+            <a:prstGeom prst="rect">
+              <a:avLst/>
+            </a:prstGeom>
+            <a:solidFill>
+              <a:srgbClr val="E88E9D"/>
+            </a:solidFill>
+            <a:ln>
+              <a:noFill/>
+            </a:ln>
+            <a:effectLst/>
+          </p:spPr>
+          <p:style>
+            <a:lnRef idx="1">
+              <a:schemeClr val="accent1"/>
+            </a:lnRef>
+            <a:fillRef idx="3">
+              <a:schemeClr val="accent1"/>
+            </a:fillRef>
+            <a:effectRef idx="2">
+              <a:schemeClr val="accent1"/>
+            </a:effectRef>
+            <a:fontRef idx="minor">
+              <a:schemeClr val="lt1"/>
+            </a:fontRef>
+          </p:style>
+          <p:txBody>
+            <a:bodyPr rtlCol="0" anchor="ctr"/>
+            <a:lstStyle/>
+            <a:p>
+              <a:pPr algn="ctr"/>
+              <a:endParaRPr lang="en-US"/>
+            </a:p>
+          </p:txBody>
+        </p:sp>
+      </p:grpSp>
+      <p:sp>
+        <p:nvSpPr>
+          <p:cNvPr id="52" name="Oval 51"/>
+          <p:cNvSpPr/>
+          <p:nvPr/>
+        </p:nvSpPr>
+        <p:spPr>
+          <a:xfrm>
+            <a:off x="5377613" y="3534337"/>
+            <a:ext cx="2740276" cy="2740693"/>
+          </a:xfrm>
+          <a:prstGeom prst="ellipse">
+            <a:avLst/>
+          </a:prstGeom>
+          <a:gradFill>
+            <a:gsLst>
+              <a:gs pos="0">
+                <a:schemeClr val="tx2"/>
+              </a:gs>
+              <a:gs pos="100000">
+                <a:schemeClr val="tx2">
+                  <a:lumMod val="40000"/>
+                  <a:lumOff val="60000"/>
+                </a:schemeClr>
+              </a:gs>
+            </a:gsLst>
+            <a:lin ang="5400000" scaled="0"/>
+          </a:gradFill>
+          <a:ln>
+            <a:noFill/>
+          </a:ln>
+          <a:effectLst/>
+        </p:spPr>
+        <p:style>
+          <a:lnRef idx="1">
+            <a:schemeClr val="accent1"/>
+          </a:lnRef>
+          <a:fillRef idx="3">
+            <a:schemeClr val="accent1"/>
+          </a:fillRef>
+          <a:effectRef idx="2">
+            <a:schemeClr val="accent1"/>
+          </a:effectRef>
+          <a:fontRef idx="minor">
+            <a:schemeClr val="lt1"/>
+          </a:fontRef>
+        </p:style>
+        <p:txBody>
+          <a:bodyPr rtlCol="0" anchor="ctr"/>
+          <a:lstStyle/>
+          <a:p>
+            <a:pPr algn="ctr"/>
+            <a:endParaRPr lang="en-US"/>
+          </a:p>
+        </p:txBody>
+      </p:sp>
+      <p:grpSp>
+        <p:nvGrpSpPr>
+          <p:cNvPr id="53" name="Group 52"/>
+          <p:cNvGrpSpPr/>
+          <p:nvPr/>
+        </p:nvGrpSpPr>
+        <p:grpSpPr>
+          <a:xfrm>
+            <a:off x="5907203" y="4117959"/>
+            <a:ext cx="1705923" cy="1717479"/>
+            <a:chOff x="2840601" y="3390996"/>
+            <a:chExt cx="1705923" cy="1717479"/>
+          </a:xfrm>
+        </p:grpSpPr>
+        <p:sp>
+          <p:nvSpPr>
+            <p:cNvPr id="54" name="Rectangle 53"/>
+            <p:cNvSpPr/>
+            <p:nvPr/>
+          </p:nvSpPr>
+          <p:spPr>
+            <a:xfrm rot="13178596">
+              <a:off x="3401279" y="3554895"/>
+              <a:ext cx="609012" cy="1250446"/>
+            </a:xfrm>
+            <a:prstGeom prst="rect">
+              <a:avLst/>
+            </a:prstGeom>
+            <a:solidFill>
+              <a:srgbClr val="FFEA79"/>
+            </a:solidFill>
+            <a:ln>
+              <a:noFill/>
+            </a:ln>
+            <a:effectLst/>
+          </p:spPr>
+          <p:style>
+            <a:lnRef idx="1">
+              <a:schemeClr val="accent1"/>
+            </a:lnRef>
+            <a:fillRef idx="3">
+              <a:schemeClr val="accent1"/>
+            </a:fillRef>
+            <a:effectRef idx="2">
+              <a:schemeClr val="accent1"/>
+            </a:effectRef>
+            <a:fontRef idx="minor">
+              <a:schemeClr val="lt1"/>
+            </a:fontRef>
+          </p:style>
+          <p:txBody>
+            <a:bodyPr rtlCol="0" anchor="ctr"/>
+            <a:lstStyle/>
+            <a:p>
+              <a:pPr algn="ctr"/>
+              <a:endParaRPr lang="en-US"/>
+            </a:p>
+          </p:txBody>
+        </p:sp>
+        <p:sp>
+          <p:nvSpPr>
+            <p:cNvPr id="55" name="Rectangle 54"/>
+            <p:cNvSpPr/>
+            <p:nvPr/>
+          </p:nvSpPr>
+          <p:spPr>
+            <a:xfrm rot="13178596">
+              <a:off x="3604829" y="3550950"/>
+              <a:ext cx="192447" cy="1250446"/>
+            </a:xfrm>
+            <a:prstGeom prst="rect">
+              <a:avLst/>
+            </a:prstGeom>
+            <a:solidFill>
+              <a:srgbClr val="EAD66F"/>
+            </a:solidFill>
+            <a:ln>
+              <a:noFill/>
+            </a:ln>
+            <a:effectLst/>
+          </p:spPr>
+          <p:style>
+            <a:lnRef idx="1">
+              <a:schemeClr val="accent1"/>
+            </a:lnRef>
+            <a:fillRef idx="3">
+              <a:schemeClr val="accent1"/>
+            </a:fillRef>
+            <a:effectRef idx="2">
+              <a:schemeClr val="accent1"/>
+            </a:effectRef>
+            <a:fontRef idx="minor">
+              <a:schemeClr val="lt1"/>
+            </a:fontRef>
+          </p:style>
+          <p:txBody>
+            <a:bodyPr rtlCol="0" anchor="ctr"/>
+            <a:lstStyle/>
+            <a:p>
+              <a:pPr algn="ctr"/>
+              <a:endParaRPr lang="en-US"/>
+            </a:p>
+          </p:txBody>
+        </p:sp>
+        <p:sp>
+          <p:nvSpPr>
+            <p:cNvPr id="56" name="Rectangle 55"/>
+            <p:cNvSpPr/>
+            <p:nvPr/>
+          </p:nvSpPr>
+          <p:spPr>
+            <a:xfrm rot="13178596">
+              <a:off x="3844152" y="3568676"/>
+              <a:ext cx="609012" cy="146894"/>
+            </a:xfrm>
+            <a:prstGeom prst="rect">
+              <a:avLst/>
+            </a:prstGeom>
+            <a:solidFill>
+              <a:schemeClr val="bg1">
+                <a:lumMod val="50000"/>
+              </a:schemeClr>
+            </a:solidFill>
+            <a:ln>
+              <a:noFill/>
+            </a:ln>
+            <a:effectLst/>
+          </p:spPr>
+          <p:style>
+            <a:lnRef idx="1">
+              <a:schemeClr val="accent1"/>
+            </a:lnRef>
+            <a:fillRef idx="3">
+              <a:schemeClr val="accent1"/>
+            </a:fillRef>
+            <a:effectRef idx="2">
+              <a:schemeClr val="accent1"/>
+            </a:effectRef>
+            <a:fontRef idx="minor">
+              <a:schemeClr val="lt1"/>
+            </a:fontRef>
+          </p:style>
+          <p:txBody>
+            <a:bodyPr rtlCol="0" anchor="ctr"/>
+            <a:lstStyle/>
+            <a:p>
+              <a:pPr algn="ctr"/>
+              <a:endParaRPr lang="en-US"/>
+            </a:p>
+          </p:txBody>
+        </p:sp>
+        <p:sp>
+          <p:nvSpPr>
+            <p:cNvPr id="57" name="Rounded Rectangle 56"/>
+            <p:cNvSpPr/>
+            <p:nvPr/>
+          </p:nvSpPr>
+          <p:spPr>
+            <a:xfrm rot="13178596">
+              <a:off x="3937512" y="3390996"/>
+              <a:ext cx="609012" cy="275430"/>
+            </a:xfrm>
+            <a:prstGeom prst="roundRect">
+              <a:avLst/>
+            </a:prstGeom>
+            <a:solidFill>
+              <a:srgbClr val="E88E9D"/>
+            </a:solidFill>
+            <a:ln>
+              <a:noFill/>
+            </a:ln>
+            <a:effectLst/>
+          </p:spPr>
+          <p:style>
+            <a:lnRef idx="1">
+              <a:schemeClr val="accent1"/>
+            </a:lnRef>
+            <a:fillRef idx="3">
+              <a:schemeClr val="accent1"/>
+            </a:fillRef>
+            <a:effectRef idx="2">
+              <a:schemeClr val="accent1"/>
+            </a:effectRef>
+            <a:fontRef idx="minor">
+              <a:schemeClr val="lt1"/>
+            </a:fontRef>
+          </p:style>
+          <p:txBody>
+            <a:bodyPr rtlCol="0" anchor="ctr"/>
+            <a:lstStyle/>
+            <a:p>
+              <a:pPr algn="ctr"/>
+              <a:endParaRPr lang="en-US"/>
+            </a:p>
+          </p:txBody>
+        </p:sp>
+        <p:sp>
+          <p:nvSpPr>
+            <p:cNvPr id="58" name="Isosceles Triangle 57"/>
+            <p:cNvSpPr/>
+            <p:nvPr/>
+          </p:nvSpPr>
+          <p:spPr>
+            <a:xfrm rot="13178596">
+              <a:off x="2840601" y="4599910"/>
+              <a:ext cx="609012" cy="508565"/>
+            </a:xfrm>
+            <a:prstGeom prst="triangle">
+              <a:avLst/>
+            </a:prstGeom>
+            <a:solidFill>
+              <a:schemeClr val="bg2">
+                <a:lumMod val="90000"/>
+              </a:schemeClr>
+            </a:solidFill>
+            <a:ln>
+              <a:noFill/>
+            </a:ln>
+            <a:effectLst/>
+          </p:spPr>
+          <p:style>
+            <a:lnRef idx="1">
+              <a:schemeClr val="accent1"/>
+            </a:lnRef>
+            <a:fillRef idx="3">
+              <a:schemeClr val="accent1"/>
+            </a:fillRef>
+            <a:effectRef idx="2">
+              <a:schemeClr val="accent1"/>
+            </a:effectRef>
+            <a:fontRef idx="minor">
+              <a:schemeClr val="lt1"/>
+            </a:fontRef>
+          </p:style>
+          <p:txBody>
+            <a:bodyPr rtlCol="0" anchor="ctr"/>
+            <a:lstStyle/>
+            <a:p>
+              <a:pPr algn="ctr"/>
+              <a:endParaRPr lang="en-US"/>
+            </a:p>
+          </p:txBody>
+        </p:sp>
+        <p:sp>
+          <p:nvSpPr>
+            <p:cNvPr id="59" name="Isosceles Triangle 58"/>
+            <p:cNvSpPr/>
+            <p:nvPr/>
+          </p:nvSpPr>
+          <p:spPr>
+            <a:xfrm rot="13178596">
+              <a:off x="2916063" y="4876232"/>
+              <a:ext cx="239155" cy="215887"/>
+            </a:xfrm>
+            <a:prstGeom prst="triangle">
+              <a:avLst/>
+            </a:prstGeom>
+            <a:solidFill>
+              <a:schemeClr val="tx1"/>
+            </a:solidFill>
+            <a:ln>
+              <a:noFill/>
+            </a:ln>
+            <a:effectLst/>
+          </p:spPr>
+          <p:style>
+            <a:lnRef idx="1">
+              <a:schemeClr val="accent1"/>
+            </a:lnRef>
+            <a:fillRef idx="3">
+              <a:schemeClr val="accent1"/>
+            </a:fillRef>
+            <a:effectRef idx="2">
+              <a:schemeClr val="accent1"/>
+            </a:effectRef>
+            <a:fontRef idx="minor">
+              <a:schemeClr val="lt1"/>
+            </a:fontRef>
+          </p:style>
+          <p:txBody>
+            <a:bodyPr rtlCol="0" anchor="ctr"/>
+            <a:lstStyle/>
+            <a:p>
+              <a:pPr algn="ctr"/>
+              <a:endParaRPr lang="en-US"/>
+            </a:p>
+          </p:txBody>
+        </p:sp>
+        <p:sp>
+          <p:nvSpPr>
+            <p:cNvPr id="60" name="Rectangle 59"/>
+            <p:cNvSpPr/>
+            <p:nvPr/>
+          </p:nvSpPr>
+          <p:spPr>
+            <a:xfrm rot="13178596">
+              <a:off x="3900839" y="3485290"/>
+              <a:ext cx="609012" cy="175483"/>
+            </a:xfrm>
+            <a:prstGeom prst="rect">
+              <a:avLst/>
+            </a:prstGeom>
+            <a:solidFill>
+              <a:srgbClr val="E88E9D"/>
+            </a:solidFill>
+            <a:ln>
+              <a:noFill/>
+            </a:ln>
+            <a:effectLst/>
+          </p:spPr>
+          <p:style>
+            <a:lnRef idx="1">
+              <a:schemeClr val="accent1"/>
+            </a:lnRef>
+            <a:fillRef idx="3">
+              <a:schemeClr val="accent1"/>
+            </a:fillRef>
+            <a:effectRef idx="2">
+              <a:schemeClr val="accent1"/>
+            </a:effectRef>
+            <a:fontRef idx="minor">
+              <a:schemeClr val="lt1"/>
+            </a:fontRef>
+          </p:style>
+          <p:txBody>
+            <a:bodyPr rtlCol="0" anchor="ctr"/>
+            <a:lstStyle/>
+            <a:p>
+              <a:pPr algn="ctr"/>
+              <a:endParaRPr lang="en-US"/>
+            </a:p>
+          </p:txBody>
+        </p:sp>
+      </p:grpSp>
+    </p:spTree>
+    <p:extLst>
+      <p:ext uri="{BB962C8B-B14F-4D97-AF65-F5344CB8AC3E}">
+        <p14:creationId xmlns:p14="http://schemas.microsoft.com/office/powerpoint/2010/main" val="216985877"/>
+      </p:ext>
+    </p:extLst>
+  </p:cSld>
+  <p:clrMapOvr>
+    <a:masterClrMapping/>
+  </p:clrMapOvr>
+</p:sld>
+</file>
+
+<file path=ppt/slides/slide49.xml><?xml version="1.0" encoding="utf-8"?>
+<p:sld xmlns:a="http://schemas.openxmlformats.org/drawingml/2006/main" xmlns:r="http://schemas.openxmlformats.org/officeDocument/2006/relationships" xmlns:p="http://schemas.openxmlformats.org/presentationml/2006/main">
+  <p:cSld>
+    <p:spTree>
+      <p:nvGrpSpPr>
+        <p:cNvPr id="1" name=""/>
+        <p:cNvGrpSpPr/>
+        <p:nvPr/>
+      </p:nvGrpSpPr>
+      <p:grpSpPr>
+        <a:xfrm>
+          <a:off x="0" y="0"/>
+          <a:ext cx="0" cy="0"/>
+          <a:chOff x="0" y="0"/>
+          <a:chExt cx="0" cy="0"/>
+        </a:xfrm>
+      </p:grpSpPr>
+      <p:sp>
+        <p:nvSpPr>
+          <p:cNvPr id="2" name="Rectangle 1"/>
+          <p:cNvSpPr/>
+          <p:nvPr/>
+        </p:nvSpPr>
+        <p:spPr>
+          <a:xfrm>
+            <a:off x="469418" y="4431813"/>
+            <a:ext cx="2350735" cy="1286449"/>
+          </a:xfrm>
+          <a:prstGeom prst="rect">
+            <a:avLst/>
+          </a:prstGeom>
+          <a:gradFill flip="none" rotWithShape="1">
+            <a:gsLst>
+              <a:gs pos="0">
+                <a:schemeClr val="tx2"/>
+              </a:gs>
+              <a:gs pos="100000">
+                <a:schemeClr val="tx2">
+                  <a:lumMod val="60000"/>
+                  <a:lumOff val="40000"/>
+                </a:schemeClr>
+              </a:gs>
+            </a:gsLst>
+            <a:lin ang="5400000" scaled="0"/>
+            <a:tileRect/>
+          </a:gradFill>
+          <a:ln>
+            <a:noFill/>
+          </a:ln>
+          <a:effectLst/>
+        </p:spPr>
+        <p:style>
+          <a:lnRef idx="1">
+            <a:schemeClr val="accent1"/>
+          </a:lnRef>
+          <a:fillRef idx="3">
+            <a:schemeClr val="accent1"/>
+          </a:fillRef>
+          <a:effectRef idx="2">
+            <a:schemeClr val="accent1"/>
+          </a:effectRef>
+          <a:fontRef idx="minor">
+            <a:schemeClr val="lt1"/>
+          </a:fontRef>
+        </p:style>
+        <p:txBody>
+          <a:bodyPr rtlCol="0" anchor="ctr"/>
+          <a:lstStyle/>
+          <a:p>
+            <a:pPr algn="ctr"/>
+            <a:endParaRPr lang="en-US"/>
+          </a:p>
+        </p:txBody>
+      </p:sp>
+      <p:sp>
+        <p:nvSpPr>
+          <p:cNvPr id="69" name="Oval 68"/>
+          <p:cNvSpPr/>
+          <p:nvPr/>
+        </p:nvSpPr>
+        <p:spPr>
+          <a:xfrm>
+            <a:off x="6148165" y="549728"/>
+            <a:ext cx="2383148" cy="2381051"/>
+          </a:xfrm>
+          <a:prstGeom prst="ellipse">
+            <a:avLst/>
+          </a:prstGeom>
+          <a:solidFill>
+            <a:schemeClr val="tx2"/>
+          </a:solidFill>
+          <a:ln>
+            <a:noFill/>
+          </a:ln>
+          <a:effectLst/>
+        </p:spPr>
+        <p:style>
+          <a:lnRef idx="1">
+            <a:schemeClr val="accent1"/>
+          </a:lnRef>
+          <a:fillRef idx="3">
+            <a:schemeClr val="accent1"/>
+          </a:fillRef>
+          <a:effectRef idx="2">
+            <a:schemeClr val="accent1"/>
+          </a:effectRef>
+          <a:fontRef idx="minor">
+            <a:schemeClr val="lt1"/>
+          </a:fontRef>
+        </p:style>
+        <p:txBody>
+          <a:bodyPr rtlCol="0" anchor="ctr"/>
+          <a:lstStyle/>
+          <a:p>
+            <a:pPr algn="ctr"/>
+            <a:endParaRPr lang="en-US"/>
+          </a:p>
+        </p:txBody>
+      </p:sp>
+      <p:sp>
+        <p:nvSpPr>
+          <p:cNvPr id="78" name="Oval 77"/>
+          <p:cNvSpPr/>
+          <p:nvPr/>
+        </p:nvSpPr>
+        <p:spPr>
+          <a:xfrm>
+            <a:off x="6421066" y="820372"/>
+            <a:ext cx="1837346" cy="1839762"/>
+          </a:xfrm>
+          <a:prstGeom prst="ellipse">
+            <a:avLst/>
+          </a:prstGeom>
+          <a:solidFill>
+            <a:schemeClr val="bg1"/>
+          </a:solidFill>
+          <a:ln>
+            <a:noFill/>
+          </a:ln>
+          <a:effectLst/>
+        </p:spPr>
+        <p:style>
+          <a:lnRef idx="1">
+            <a:schemeClr val="accent1"/>
+          </a:lnRef>
+          <a:fillRef idx="3">
+            <a:schemeClr val="accent1"/>
+          </a:fillRef>
+          <a:effectRef idx="2">
+            <a:schemeClr val="accent1"/>
+          </a:effectRef>
+          <a:fontRef idx="minor">
+            <a:schemeClr val="lt1"/>
+          </a:fontRef>
+        </p:style>
+        <p:txBody>
+          <a:bodyPr rtlCol="0" anchor="ctr"/>
+          <a:lstStyle/>
+          <a:p>
+            <a:pPr algn="ctr"/>
+            <a:endParaRPr lang="en-US"/>
+          </a:p>
+        </p:txBody>
+      </p:sp>
+      <p:sp>
+        <p:nvSpPr>
+          <p:cNvPr id="43" name="Oval 42"/>
+          <p:cNvSpPr/>
+          <p:nvPr/>
+        </p:nvSpPr>
+        <p:spPr>
+          <a:xfrm>
+            <a:off x="562038" y="474108"/>
+            <a:ext cx="2383148" cy="2381051"/>
+          </a:xfrm>
+          <a:prstGeom prst="ellipse">
+            <a:avLst/>
+          </a:prstGeom>
+          <a:solidFill>
+            <a:schemeClr val="tx2"/>
+          </a:solidFill>
+          <a:ln>
+            <a:noFill/>
+          </a:ln>
+          <a:effectLst/>
+        </p:spPr>
+        <p:style>
+          <a:lnRef idx="1">
+            <a:schemeClr val="accent1"/>
+          </a:lnRef>
+          <a:fillRef idx="3">
+            <a:schemeClr val="accent1"/>
+          </a:fillRef>
+          <a:effectRef idx="2">
+            <a:schemeClr val="accent1"/>
+          </a:effectRef>
+          <a:fontRef idx="minor">
+            <a:schemeClr val="lt1"/>
+          </a:fontRef>
+        </p:style>
+        <p:txBody>
+          <a:bodyPr rtlCol="0" anchor="ctr"/>
+          <a:lstStyle/>
+          <a:p>
+            <a:pPr algn="ctr"/>
+            <a:endParaRPr lang="en-US"/>
+          </a:p>
+        </p:txBody>
+      </p:sp>
+      <p:grpSp>
+        <p:nvGrpSpPr>
+          <p:cNvPr id="44" name="Group 43"/>
+          <p:cNvGrpSpPr/>
+          <p:nvPr/>
+        </p:nvGrpSpPr>
+        <p:grpSpPr>
+          <a:xfrm>
+            <a:off x="1121966" y="1101695"/>
+            <a:ext cx="1271700" cy="1279442"/>
+            <a:chOff x="2840601" y="3390996"/>
+            <a:chExt cx="1705923" cy="1717479"/>
+          </a:xfrm>
+        </p:grpSpPr>
+        <p:sp>
+          <p:nvSpPr>
+            <p:cNvPr id="45" name="Rectangle 44"/>
+            <p:cNvSpPr/>
+            <p:nvPr/>
+          </p:nvSpPr>
+          <p:spPr>
+            <a:xfrm rot="13178596">
+              <a:off x="3401279" y="3554895"/>
+              <a:ext cx="609012" cy="1250446"/>
+            </a:xfrm>
+            <a:prstGeom prst="rect">
+              <a:avLst/>
+            </a:prstGeom>
+            <a:solidFill>
+              <a:srgbClr val="FFEA79"/>
+            </a:solidFill>
+            <a:ln>
+              <a:noFill/>
+            </a:ln>
+            <a:effectLst/>
+          </p:spPr>
+          <p:style>
+            <a:lnRef idx="1">
+              <a:schemeClr val="accent1"/>
+            </a:lnRef>
+            <a:fillRef idx="3">
+              <a:schemeClr val="accent1"/>
+            </a:fillRef>
+            <a:effectRef idx="2">
+              <a:schemeClr val="accent1"/>
+            </a:effectRef>
+            <a:fontRef idx="minor">
+              <a:schemeClr val="lt1"/>
+            </a:fontRef>
+          </p:style>
+          <p:txBody>
+            <a:bodyPr rtlCol="0" anchor="ctr"/>
+            <a:lstStyle/>
+            <a:p>
+              <a:pPr algn="ctr"/>
+              <a:endParaRPr lang="en-US"/>
+            </a:p>
+          </p:txBody>
+        </p:sp>
+        <p:sp>
+          <p:nvSpPr>
+            <p:cNvPr id="46" name="Rectangle 45"/>
+            <p:cNvSpPr/>
+            <p:nvPr/>
+          </p:nvSpPr>
+          <p:spPr>
+            <a:xfrm rot="13178596">
+              <a:off x="3604829" y="3550950"/>
+              <a:ext cx="192447" cy="1250446"/>
+            </a:xfrm>
+            <a:prstGeom prst="rect">
+              <a:avLst/>
+            </a:prstGeom>
+            <a:solidFill>
+              <a:srgbClr val="EAD66F"/>
+            </a:solidFill>
+            <a:ln>
+              <a:noFill/>
+            </a:ln>
+            <a:effectLst/>
+          </p:spPr>
+          <p:style>
+            <a:lnRef idx="1">
+              <a:schemeClr val="accent1"/>
+            </a:lnRef>
+            <a:fillRef idx="3">
+              <a:schemeClr val="accent1"/>
+            </a:fillRef>
+            <a:effectRef idx="2">
+              <a:schemeClr val="accent1"/>
+            </a:effectRef>
+            <a:fontRef idx="minor">
+              <a:schemeClr val="lt1"/>
+            </a:fontRef>
+          </p:style>
+          <p:txBody>
+            <a:bodyPr rtlCol="0" anchor="ctr"/>
+            <a:lstStyle/>
+            <a:p>
+              <a:pPr algn="ctr"/>
+              <a:endParaRPr lang="en-US"/>
+            </a:p>
+          </p:txBody>
+        </p:sp>
+        <p:sp>
+          <p:nvSpPr>
+            <p:cNvPr id="47" name="Rectangle 46"/>
+            <p:cNvSpPr/>
+            <p:nvPr/>
+          </p:nvSpPr>
+          <p:spPr>
+            <a:xfrm rot="13178596">
+              <a:off x="3844152" y="3568676"/>
+              <a:ext cx="609012" cy="146894"/>
+            </a:xfrm>
+            <a:prstGeom prst="rect">
+              <a:avLst/>
+            </a:prstGeom>
+            <a:solidFill>
+              <a:schemeClr val="bg1">
+                <a:lumMod val="50000"/>
+              </a:schemeClr>
+            </a:solidFill>
+            <a:ln>
+              <a:noFill/>
+            </a:ln>
+            <a:effectLst/>
+          </p:spPr>
+          <p:style>
+            <a:lnRef idx="1">
+              <a:schemeClr val="accent1"/>
+            </a:lnRef>
+            <a:fillRef idx="3">
+              <a:schemeClr val="accent1"/>
+            </a:fillRef>
+            <a:effectRef idx="2">
+              <a:schemeClr val="accent1"/>
+            </a:effectRef>
+            <a:fontRef idx="minor">
+              <a:schemeClr val="lt1"/>
+            </a:fontRef>
+          </p:style>
+          <p:txBody>
+            <a:bodyPr rtlCol="0" anchor="ctr"/>
+            <a:lstStyle/>
+            <a:p>
+              <a:pPr algn="ctr"/>
+              <a:endParaRPr lang="en-US"/>
+            </a:p>
+          </p:txBody>
+        </p:sp>
+        <p:sp>
+          <p:nvSpPr>
+            <p:cNvPr id="48" name="Rounded Rectangle 47"/>
+            <p:cNvSpPr/>
+            <p:nvPr/>
+          </p:nvSpPr>
+          <p:spPr>
+            <a:xfrm rot="13178596">
+              <a:off x="3937512" y="3390996"/>
+              <a:ext cx="609012" cy="275430"/>
+            </a:xfrm>
+            <a:prstGeom prst="roundRect">
+              <a:avLst/>
+            </a:prstGeom>
+            <a:solidFill>
+              <a:srgbClr val="E88E9D"/>
+            </a:solidFill>
+            <a:ln>
+              <a:noFill/>
+            </a:ln>
+            <a:effectLst/>
+          </p:spPr>
+          <p:style>
+            <a:lnRef idx="1">
+              <a:schemeClr val="accent1"/>
+            </a:lnRef>
+            <a:fillRef idx="3">
+              <a:schemeClr val="accent1"/>
+            </a:fillRef>
+            <a:effectRef idx="2">
+              <a:schemeClr val="accent1"/>
+            </a:effectRef>
+            <a:fontRef idx="minor">
+              <a:schemeClr val="lt1"/>
+            </a:fontRef>
+          </p:style>
+          <p:txBody>
+            <a:bodyPr rtlCol="0" anchor="ctr"/>
+            <a:lstStyle/>
+            <a:p>
+              <a:pPr algn="ctr"/>
+              <a:endParaRPr lang="en-US"/>
+            </a:p>
+          </p:txBody>
+        </p:sp>
+        <p:sp>
+          <p:nvSpPr>
+            <p:cNvPr id="49" name="Isosceles Triangle 48"/>
+            <p:cNvSpPr/>
+            <p:nvPr/>
+          </p:nvSpPr>
+          <p:spPr>
+            <a:xfrm rot="13178596">
+              <a:off x="2840601" y="4599910"/>
+              <a:ext cx="609012" cy="508565"/>
+            </a:xfrm>
+            <a:prstGeom prst="triangle">
+              <a:avLst/>
+            </a:prstGeom>
+            <a:solidFill>
+              <a:schemeClr val="bg2">
+                <a:lumMod val="90000"/>
+              </a:schemeClr>
+            </a:solidFill>
+            <a:ln>
+              <a:noFill/>
+            </a:ln>
+            <a:effectLst/>
+          </p:spPr>
+          <p:style>
+            <a:lnRef idx="1">
+              <a:schemeClr val="accent1"/>
+            </a:lnRef>
+            <a:fillRef idx="3">
+              <a:schemeClr val="accent1"/>
+            </a:fillRef>
+            <a:effectRef idx="2">
+              <a:schemeClr val="accent1"/>
+            </a:effectRef>
+            <a:fontRef idx="minor">
+              <a:schemeClr val="lt1"/>
+            </a:fontRef>
+          </p:style>
+          <p:txBody>
+            <a:bodyPr rtlCol="0" anchor="ctr"/>
+            <a:lstStyle/>
+            <a:p>
+              <a:pPr algn="ctr"/>
+              <a:endParaRPr lang="en-US"/>
+            </a:p>
+          </p:txBody>
+        </p:sp>
+        <p:sp>
+          <p:nvSpPr>
+            <p:cNvPr id="50" name="Isosceles Triangle 49"/>
+            <p:cNvSpPr/>
+            <p:nvPr/>
+          </p:nvSpPr>
+          <p:spPr>
+            <a:xfrm rot="13178596">
+              <a:off x="2916063" y="4876232"/>
+              <a:ext cx="239155" cy="215887"/>
+            </a:xfrm>
+            <a:prstGeom prst="triangle">
+              <a:avLst/>
+            </a:prstGeom>
+            <a:solidFill>
+              <a:schemeClr val="tx1"/>
+            </a:solidFill>
+            <a:ln>
+              <a:noFill/>
+            </a:ln>
+            <a:effectLst/>
+          </p:spPr>
+          <p:style>
+            <a:lnRef idx="1">
+              <a:schemeClr val="accent1"/>
+            </a:lnRef>
+            <a:fillRef idx="3">
+              <a:schemeClr val="accent1"/>
+            </a:fillRef>
+            <a:effectRef idx="2">
+              <a:schemeClr val="accent1"/>
+            </a:effectRef>
+            <a:fontRef idx="minor">
+              <a:schemeClr val="lt1"/>
+            </a:fontRef>
+          </p:style>
+          <p:txBody>
+            <a:bodyPr rtlCol="0" anchor="ctr"/>
+            <a:lstStyle/>
+            <a:p>
+              <a:pPr algn="ctr"/>
+              <a:endParaRPr lang="en-US"/>
+            </a:p>
+          </p:txBody>
+        </p:sp>
+        <p:sp>
+          <p:nvSpPr>
+            <p:cNvPr id="51" name="Rectangle 50"/>
+            <p:cNvSpPr/>
+            <p:nvPr/>
+          </p:nvSpPr>
+          <p:spPr>
+            <a:xfrm rot="13178596">
+              <a:off x="3900839" y="3485290"/>
+              <a:ext cx="609012" cy="175483"/>
+            </a:xfrm>
+            <a:prstGeom prst="rect">
+              <a:avLst/>
+            </a:prstGeom>
+            <a:solidFill>
+              <a:srgbClr val="E88E9D"/>
+            </a:solidFill>
+            <a:ln>
+              <a:noFill/>
+            </a:ln>
+            <a:effectLst/>
+          </p:spPr>
+          <p:style>
+            <a:lnRef idx="1">
+              <a:schemeClr val="accent1"/>
+            </a:lnRef>
+            <a:fillRef idx="3">
+              <a:schemeClr val="accent1"/>
+            </a:fillRef>
+            <a:effectRef idx="2">
+              <a:schemeClr val="accent1"/>
+            </a:effectRef>
+            <a:fontRef idx="minor">
+              <a:schemeClr val="lt1"/>
+            </a:fontRef>
+          </p:style>
+          <p:txBody>
+            <a:bodyPr rtlCol="0" anchor="ctr"/>
+            <a:lstStyle/>
+            <a:p>
+              <a:pPr algn="ctr"/>
+              <a:endParaRPr lang="en-US"/>
+            </a:p>
+          </p:txBody>
+        </p:sp>
+      </p:grpSp>
+      <p:grpSp>
+        <p:nvGrpSpPr>
+          <p:cNvPr id="70" name="Group 69"/>
+          <p:cNvGrpSpPr/>
+          <p:nvPr/>
+        </p:nvGrpSpPr>
+        <p:grpSpPr>
+          <a:xfrm>
+            <a:off x="6733751" y="1126003"/>
+            <a:ext cx="1271700" cy="1279442"/>
+            <a:chOff x="2840601" y="3390996"/>
+            <a:chExt cx="1705923" cy="1717479"/>
+          </a:xfrm>
+        </p:grpSpPr>
+        <p:sp>
+          <p:nvSpPr>
+            <p:cNvPr id="71" name="Rectangle 70"/>
+            <p:cNvSpPr/>
+            <p:nvPr/>
+          </p:nvSpPr>
+          <p:spPr>
+            <a:xfrm rot="13178596">
+              <a:off x="3401279" y="3554895"/>
+              <a:ext cx="609012" cy="1250446"/>
+            </a:xfrm>
+            <a:prstGeom prst="rect">
+              <a:avLst/>
+            </a:prstGeom>
+            <a:solidFill>
+              <a:srgbClr val="FFEA79"/>
+            </a:solidFill>
+            <a:ln>
+              <a:noFill/>
+            </a:ln>
+            <a:effectLst/>
+          </p:spPr>
+          <p:style>
+            <a:lnRef idx="1">
+              <a:schemeClr val="accent1"/>
+            </a:lnRef>
+            <a:fillRef idx="3">
+              <a:schemeClr val="accent1"/>
+            </a:fillRef>
+            <a:effectRef idx="2">
+              <a:schemeClr val="accent1"/>
+            </a:effectRef>
+            <a:fontRef idx="minor">
+              <a:schemeClr val="lt1"/>
+            </a:fontRef>
+          </p:style>
+          <p:txBody>
+            <a:bodyPr rtlCol="0" anchor="ctr"/>
+            <a:lstStyle/>
+            <a:p>
+              <a:pPr algn="ctr"/>
+              <a:endParaRPr lang="en-US"/>
+            </a:p>
+          </p:txBody>
+        </p:sp>
+        <p:sp>
+          <p:nvSpPr>
+            <p:cNvPr id="72" name="Rectangle 71"/>
+            <p:cNvSpPr/>
+            <p:nvPr/>
+          </p:nvSpPr>
+          <p:spPr>
+            <a:xfrm rot="13178596">
+              <a:off x="3604829" y="3550950"/>
+              <a:ext cx="192447" cy="1250446"/>
+            </a:xfrm>
+            <a:prstGeom prst="rect">
+              <a:avLst/>
+            </a:prstGeom>
+            <a:solidFill>
+              <a:srgbClr val="EAD66F"/>
+            </a:solidFill>
+            <a:ln>
+              <a:noFill/>
+            </a:ln>
+            <a:effectLst/>
+          </p:spPr>
+          <p:style>
+            <a:lnRef idx="1">
+              <a:schemeClr val="accent1"/>
+            </a:lnRef>
+            <a:fillRef idx="3">
+              <a:schemeClr val="accent1"/>
+            </a:fillRef>
+            <a:effectRef idx="2">
+              <a:schemeClr val="accent1"/>
+            </a:effectRef>
+            <a:fontRef idx="minor">
+              <a:schemeClr val="lt1"/>
+            </a:fontRef>
+          </p:style>
+          <p:txBody>
+            <a:bodyPr rtlCol="0" anchor="ctr"/>
+            <a:lstStyle/>
+            <a:p>
+              <a:pPr algn="ctr"/>
+              <a:endParaRPr lang="en-US"/>
+            </a:p>
+          </p:txBody>
+        </p:sp>
+        <p:sp>
+          <p:nvSpPr>
+            <p:cNvPr id="73" name="Rectangle 72"/>
+            <p:cNvSpPr/>
+            <p:nvPr/>
+          </p:nvSpPr>
+          <p:spPr>
+            <a:xfrm rot="13178596">
+              <a:off x="3844152" y="3568676"/>
+              <a:ext cx="609012" cy="146894"/>
+            </a:xfrm>
+            <a:prstGeom prst="rect">
+              <a:avLst/>
+            </a:prstGeom>
+            <a:solidFill>
+              <a:schemeClr val="bg1">
+                <a:lumMod val="50000"/>
+              </a:schemeClr>
+            </a:solidFill>
+            <a:ln>
+              <a:noFill/>
+            </a:ln>
+            <a:effectLst/>
+          </p:spPr>
+          <p:style>
+            <a:lnRef idx="1">
+              <a:schemeClr val="accent1"/>
+            </a:lnRef>
+            <a:fillRef idx="3">
+              <a:schemeClr val="accent1"/>
+            </a:fillRef>
+            <a:effectRef idx="2">
+              <a:schemeClr val="accent1"/>
+            </a:effectRef>
+            <a:fontRef idx="minor">
+              <a:schemeClr val="lt1"/>
+            </a:fontRef>
+          </p:style>
+          <p:txBody>
+            <a:bodyPr rtlCol="0" anchor="ctr"/>
+            <a:lstStyle/>
+            <a:p>
+              <a:pPr algn="ctr"/>
+              <a:endParaRPr lang="en-US"/>
+            </a:p>
+          </p:txBody>
+        </p:sp>
+        <p:sp>
+          <p:nvSpPr>
+            <p:cNvPr id="74" name="Rounded Rectangle 73"/>
+            <p:cNvSpPr/>
+            <p:nvPr/>
+          </p:nvSpPr>
+          <p:spPr>
+            <a:xfrm rot="13178596">
+              <a:off x="3937512" y="3390996"/>
+              <a:ext cx="609012" cy="275430"/>
+            </a:xfrm>
+            <a:prstGeom prst="roundRect">
+              <a:avLst/>
+            </a:prstGeom>
+            <a:solidFill>
+              <a:srgbClr val="E88E9D"/>
+            </a:solidFill>
+            <a:ln>
+              <a:noFill/>
+            </a:ln>
+            <a:effectLst/>
+          </p:spPr>
+          <p:style>
+            <a:lnRef idx="1">
+              <a:schemeClr val="accent1"/>
+            </a:lnRef>
+            <a:fillRef idx="3">
+              <a:schemeClr val="accent1"/>
+            </a:fillRef>
+            <a:effectRef idx="2">
+              <a:schemeClr val="accent1"/>
+            </a:effectRef>
+            <a:fontRef idx="minor">
+              <a:schemeClr val="lt1"/>
+            </a:fontRef>
+          </p:style>
+          <p:txBody>
+            <a:bodyPr rtlCol="0" anchor="ctr"/>
+            <a:lstStyle/>
+            <a:p>
+              <a:pPr algn="ctr"/>
+              <a:endParaRPr lang="en-US"/>
+            </a:p>
+          </p:txBody>
+        </p:sp>
+        <p:sp>
+          <p:nvSpPr>
+            <p:cNvPr id="75" name="Isosceles Triangle 74"/>
+            <p:cNvSpPr/>
+            <p:nvPr/>
+          </p:nvSpPr>
+          <p:spPr>
+            <a:xfrm rot="13178596">
+              <a:off x="2840601" y="4599910"/>
+              <a:ext cx="609012" cy="508565"/>
+            </a:xfrm>
+            <a:prstGeom prst="triangle">
+              <a:avLst/>
+            </a:prstGeom>
+            <a:solidFill>
+              <a:schemeClr val="bg2">
+                <a:lumMod val="90000"/>
+              </a:schemeClr>
+            </a:solidFill>
+            <a:ln>
+              <a:noFill/>
+            </a:ln>
+            <a:effectLst/>
+          </p:spPr>
+          <p:style>
+            <a:lnRef idx="1">
+              <a:schemeClr val="accent1"/>
+            </a:lnRef>
+            <a:fillRef idx="3">
+              <a:schemeClr val="accent1"/>
+            </a:fillRef>
+            <a:effectRef idx="2">
+              <a:schemeClr val="accent1"/>
+            </a:effectRef>
+            <a:fontRef idx="minor">
+              <a:schemeClr val="lt1"/>
+            </a:fontRef>
+          </p:style>
+          <p:txBody>
+            <a:bodyPr rtlCol="0" anchor="ctr"/>
+            <a:lstStyle/>
+            <a:p>
+              <a:pPr algn="ctr"/>
+              <a:endParaRPr lang="en-US"/>
+            </a:p>
+          </p:txBody>
+        </p:sp>
+        <p:sp>
+          <p:nvSpPr>
+            <p:cNvPr id="76" name="Isosceles Triangle 75"/>
+            <p:cNvSpPr/>
+            <p:nvPr/>
+          </p:nvSpPr>
+          <p:spPr>
+            <a:xfrm rot="13178596">
+              <a:off x="2916063" y="4876232"/>
+              <a:ext cx="239155" cy="215887"/>
+            </a:xfrm>
+            <a:prstGeom prst="triangle">
+              <a:avLst/>
+            </a:prstGeom>
+            <a:solidFill>
+              <a:schemeClr val="tx1"/>
+            </a:solidFill>
+            <a:ln>
+              <a:noFill/>
+            </a:ln>
+            <a:effectLst/>
+          </p:spPr>
+          <p:style>
+            <a:lnRef idx="1">
+              <a:schemeClr val="accent1"/>
+            </a:lnRef>
+            <a:fillRef idx="3">
+              <a:schemeClr val="accent1"/>
+            </a:fillRef>
+            <a:effectRef idx="2">
+              <a:schemeClr val="accent1"/>
+            </a:effectRef>
+            <a:fontRef idx="minor">
+              <a:schemeClr val="lt1"/>
+            </a:fontRef>
+          </p:style>
+          <p:txBody>
+            <a:bodyPr rtlCol="0" anchor="ctr"/>
+            <a:lstStyle/>
+            <a:p>
+              <a:pPr algn="ctr"/>
+              <a:endParaRPr lang="en-US"/>
+            </a:p>
+          </p:txBody>
+        </p:sp>
+        <p:sp>
+          <p:nvSpPr>
+            <p:cNvPr id="77" name="Rectangle 76"/>
+            <p:cNvSpPr/>
+            <p:nvPr/>
+          </p:nvSpPr>
+          <p:spPr>
+            <a:xfrm rot="13178596">
+              <a:off x="3900839" y="3485290"/>
+              <a:ext cx="609012" cy="175483"/>
+            </a:xfrm>
+            <a:prstGeom prst="rect">
+              <a:avLst/>
+            </a:prstGeom>
+            <a:solidFill>
+              <a:srgbClr val="E88E9D"/>
+            </a:solidFill>
+            <a:ln>
+              <a:noFill/>
+            </a:ln>
+            <a:effectLst/>
+          </p:spPr>
+          <p:style>
+            <a:lnRef idx="1">
+              <a:schemeClr val="accent1"/>
+            </a:lnRef>
+            <a:fillRef idx="3">
+              <a:schemeClr val="accent1"/>
+            </a:fillRef>
+            <a:effectRef idx="2">
+              <a:schemeClr val="accent1"/>
+            </a:effectRef>
+            <a:fontRef idx="minor">
+              <a:schemeClr val="lt1"/>
+            </a:fontRef>
+          </p:style>
+          <p:txBody>
+            <a:bodyPr rtlCol="0" anchor="ctr"/>
+            <a:lstStyle/>
+            <a:p>
+              <a:pPr algn="ctr"/>
+              <a:endParaRPr lang="en-US"/>
+            </a:p>
+          </p:txBody>
+        </p:sp>
+      </p:grpSp>
+      <p:sp>
+        <p:nvSpPr>
+          <p:cNvPr id="79" name="Oval 78"/>
+          <p:cNvSpPr/>
+          <p:nvPr/>
+        </p:nvSpPr>
+        <p:spPr>
+          <a:xfrm>
+            <a:off x="4235540" y="3530590"/>
+            <a:ext cx="2383148" cy="2381051"/>
+          </a:xfrm>
+          <a:prstGeom prst="ellipse">
+            <a:avLst/>
+          </a:prstGeom>
+          <a:gradFill flip="none" rotWithShape="1">
+            <a:gsLst>
+              <a:gs pos="0">
+                <a:schemeClr val="tx2"/>
+              </a:gs>
+              <a:gs pos="100000">
+                <a:schemeClr val="tx2">
+                  <a:lumMod val="60000"/>
+                  <a:lumOff val="40000"/>
+                </a:schemeClr>
+              </a:gs>
+            </a:gsLst>
+            <a:lin ang="5400000" scaled="0"/>
+            <a:tileRect/>
+          </a:gradFill>
+          <a:ln>
+            <a:noFill/>
+          </a:ln>
+          <a:effectLst/>
+        </p:spPr>
+        <p:style>
+          <a:lnRef idx="1">
+            <a:schemeClr val="accent1"/>
+          </a:lnRef>
+          <a:fillRef idx="3">
+            <a:schemeClr val="accent1"/>
+          </a:fillRef>
+          <a:effectRef idx="2">
+            <a:schemeClr val="accent1"/>
+          </a:effectRef>
+          <a:fontRef idx="minor">
+            <a:schemeClr val="lt1"/>
+          </a:fontRef>
+        </p:style>
+        <p:txBody>
+          <a:bodyPr rtlCol="0" anchor="ctr"/>
+          <a:lstStyle/>
+          <a:p>
+            <a:pPr algn="ctr"/>
+            <a:endParaRPr lang="en-US"/>
+          </a:p>
+        </p:txBody>
+      </p:sp>
+      <p:sp>
+        <p:nvSpPr>
+          <p:cNvPr id="80" name="Oval 79"/>
+          <p:cNvSpPr/>
+          <p:nvPr/>
+        </p:nvSpPr>
+        <p:spPr>
+          <a:xfrm>
+            <a:off x="4512714" y="3806715"/>
+            <a:ext cx="1828800" cy="1828800"/>
+          </a:xfrm>
+          <a:prstGeom prst="ellipse">
+            <a:avLst/>
+          </a:prstGeom>
+          <a:solidFill>
+            <a:schemeClr val="bg1"/>
+          </a:solidFill>
+          <a:ln>
+            <a:noFill/>
+          </a:ln>
+          <a:effectLst/>
+        </p:spPr>
+        <p:style>
+          <a:lnRef idx="1">
+            <a:schemeClr val="accent1"/>
+          </a:lnRef>
+          <a:fillRef idx="3">
+            <a:schemeClr val="accent1"/>
+          </a:fillRef>
+          <a:effectRef idx="2">
+            <a:schemeClr val="accent1"/>
+          </a:effectRef>
+          <a:fontRef idx="minor">
+            <a:schemeClr val="lt1"/>
+          </a:fontRef>
+        </p:style>
+        <p:txBody>
+          <a:bodyPr rtlCol="0" anchor="ctr"/>
+          <a:lstStyle/>
+          <a:p>
+            <a:pPr algn="ctr"/>
+            <a:endParaRPr lang="en-US"/>
+          </a:p>
+        </p:txBody>
+      </p:sp>
+      <p:grpSp>
+        <p:nvGrpSpPr>
+          <p:cNvPr id="81" name="Group 80"/>
+          <p:cNvGrpSpPr/>
+          <p:nvPr/>
+        </p:nvGrpSpPr>
+        <p:grpSpPr>
+          <a:xfrm>
+            <a:off x="4821126" y="4106865"/>
+            <a:ext cx="1271700" cy="1279442"/>
+            <a:chOff x="2840601" y="3390996"/>
+            <a:chExt cx="1705923" cy="1717479"/>
+          </a:xfrm>
+        </p:grpSpPr>
+        <p:sp>
+          <p:nvSpPr>
+            <p:cNvPr id="82" name="Rectangle 81"/>
+            <p:cNvSpPr/>
+            <p:nvPr/>
+          </p:nvSpPr>
+          <p:spPr>
+            <a:xfrm rot="13178596">
+              <a:off x="3401279" y="3554895"/>
+              <a:ext cx="609012" cy="1250446"/>
+            </a:xfrm>
+            <a:prstGeom prst="rect">
+              <a:avLst/>
+            </a:prstGeom>
+            <a:solidFill>
+              <a:srgbClr val="FFEA79"/>
+            </a:solidFill>
+            <a:ln>
+              <a:noFill/>
+            </a:ln>
+            <a:effectLst/>
+          </p:spPr>
+          <p:style>
+            <a:lnRef idx="1">
+              <a:schemeClr val="accent1"/>
+            </a:lnRef>
+            <a:fillRef idx="3">
+              <a:schemeClr val="accent1"/>
+            </a:fillRef>
+            <a:effectRef idx="2">
+              <a:schemeClr val="accent1"/>
+            </a:effectRef>
+            <a:fontRef idx="minor">
+              <a:schemeClr val="lt1"/>
+            </a:fontRef>
+          </p:style>
+          <p:txBody>
+            <a:bodyPr rtlCol="0" anchor="ctr"/>
+            <a:lstStyle/>
+            <a:p>
+              <a:pPr algn="ctr"/>
+              <a:endParaRPr lang="en-US"/>
+            </a:p>
+          </p:txBody>
+        </p:sp>
+        <p:sp>
+          <p:nvSpPr>
+            <p:cNvPr id="83" name="Rectangle 82"/>
+            <p:cNvSpPr/>
+            <p:nvPr/>
+          </p:nvSpPr>
+          <p:spPr>
+            <a:xfrm rot="13178596">
+              <a:off x="3604829" y="3550950"/>
+              <a:ext cx="192447" cy="1250446"/>
+            </a:xfrm>
+            <a:prstGeom prst="rect">
+              <a:avLst/>
+            </a:prstGeom>
+            <a:solidFill>
+              <a:srgbClr val="EAD66F"/>
+            </a:solidFill>
+            <a:ln>
+              <a:noFill/>
+            </a:ln>
+            <a:effectLst/>
+          </p:spPr>
+          <p:style>
+            <a:lnRef idx="1">
+              <a:schemeClr val="accent1"/>
+            </a:lnRef>
+            <a:fillRef idx="3">
+              <a:schemeClr val="accent1"/>
+            </a:fillRef>
+            <a:effectRef idx="2">
+              <a:schemeClr val="accent1"/>
+            </a:effectRef>
+            <a:fontRef idx="minor">
+              <a:schemeClr val="lt1"/>
+            </a:fontRef>
+          </p:style>
+          <p:txBody>
+            <a:bodyPr rtlCol="0" anchor="ctr"/>
+            <a:lstStyle/>
+            <a:p>
+              <a:pPr algn="ctr"/>
+              <a:endParaRPr lang="en-US"/>
+            </a:p>
+          </p:txBody>
+        </p:sp>
+        <p:sp>
+          <p:nvSpPr>
+            <p:cNvPr id="84" name="Rectangle 83"/>
+            <p:cNvSpPr/>
+            <p:nvPr/>
+          </p:nvSpPr>
+          <p:spPr>
+            <a:xfrm rot="13178596">
+              <a:off x="3844152" y="3568676"/>
+              <a:ext cx="609012" cy="146894"/>
+            </a:xfrm>
+            <a:prstGeom prst="rect">
+              <a:avLst/>
+            </a:prstGeom>
+            <a:solidFill>
+              <a:schemeClr val="bg1">
+                <a:lumMod val="50000"/>
+              </a:schemeClr>
+            </a:solidFill>
+            <a:ln>
+              <a:noFill/>
+            </a:ln>
+            <a:effectLst/>
+          </p:spPr>
+          <p:style>
+            <a:lnRef idx="1">
+              <a:schemeClr val="accent1"/>
+            </a:lnRef>
+            <a:fillRef idx="3">
+              <a:schemeClr val="accent1"/>
+            </a:fillRef>
+            <a:effectRef idx="2">
+              <a:schemeClr val="accent1"/>
+            </a:effectRef>
+            <a:fontRef idx="minor">
+              <a:schemeClr val="lt1"/>
+            </a:fontRef>
+          </p:style>
+          <p:txBody>
+            <a:bodyPr rtlCol="0" anchor="ctr"/>
+            <a:lstStyle/>
+            <a:p>
+              <a:pPr algn="ctr"/>
+              <a:endParaRPr lang="en-US"/>
+            </a:p>
+          </p:txBody>
+        </p:sp>
+        <p:sp>
+          <p:nvSpPr>
+            <p:cNvPr id="85" name="Rounded Rectangle 84"/>
+            <p:cNvSpPr/>
+            <p:nvPr/>
+          </p:nvSpPr>
+          <p:spPr>
+            <a:xfrm rot="13178596">
+              <a:off x="3937512" y="3390996"/>
+              <a:ext cx="609012" cy="275430"/>
+            </a:xfrm>
+            <a:prstGeom prst="roundRect">
+              <a:avLst/>
+            </a:prstGeom>
+            <a:solidFill>
+              <a:srgbClr val="E88E9D"/>
+            </a:solidFill>
+            <a:ln>
+              <a:noFill/>
+            </a:ln>
+            <a:effectLst/>
+          </p:spPr>
+          <p:style>
+            <a:lnRef idx="1">
+              <a:schemeClr val="accent1"/>
+            </a:lnRef>
+            <a:fillRef idx="3">
+              <a:schemeClr val="accent1"/>
+            </a:fillRef>
+            <a:effectRef idx="2">
+              <a:schemeClr val="accent1"/>
+            </a:effectRef>
+            <a:fontRef idx="minor">
+              <a:schemeClr val="lt1"/>
+            </a:fontRef>
+          </p:style>
+          <p:txBody>
+            <a:bodyPr rtlCol="0" anchor="ctr"/>
+            <a:lstStyle/>
+            <a:p>
+              <a:pPr algn="ctr"/>
+              <a:endParaRPr lang="en-US"/>
+            </a:p>
+          </p:txBody>
+        </p:sp>
+        <p:sp>
+          <p:nvSpPr>
+            <p:cNvPr id="86" name="Isosceles Triangle 85"/>
+            <p:cNvSpPr/>
+            <p:nvPr/>
+          </p:nvSpPr>
+          <p:spPr>
+            <a:xfrm rot="13178596">
+              <a:off x="2840601" y="4599910"/>
+              <a:ext cx="609012" cy="508565"/>
+            </a:xfrm>
+            <a:prstGeom prst="triangle">
+              <a:avLst/>
+            </a:prstGeom>
+            <a:solidFill>
+              <a:schemeClr val="bg2">
+                <a:lumMod val="90000"/>
+              </a:schemeClr>
+            </a:solidFill>
+            <a:ln>
+              <a:noFill/>
+            </a:ln>
+            <a:effectLst/>
+          </p:spPr>
+          <p:style>
+            <a:lnRef idx="1">
+              <a:schemeClr val="accent1"/>
+            </a:lnRef>
+            <a:fillRef idx="3">
+              <a:schemeClr val="accent1"/>
+            </a:fillRef>
+            <a:effectRef idx="2">
+              <a:schemeClr val="accent1"/>
+            </a:effectRef>
+            <a:fontRef idx="minor">
+              <a:schemeClr val="lt1"/>
+            </a:fontRef>
+          </p:style>
+          <p:txBody>
+            <a:bodyPr rtlCol="0" anchor="ctr"/>
+            <a:lstStyle/>
+            <a:p>
+              <a:pPr algn="ctr"/>
+              <a:endParaRPr lang="en-US"/>
+            </a:p>
+          </p:txBody>
+        </p:sp>
+        <p:sp>
+          <p:nvSpPr>
+            <p:cNvPr id="87" name="Isosceles Triangle 86"/>
+            <p:cNvSpPr/>
+            <p:nvPr/>
+          </p:nvSpPr>
+          <p:spPr>
+            <a:xfrm rot="13178596">
+              <a:off x="2916063" y="4876232"/>
+              <a:ext cx="239155" cy="215887"/>
+            </a:xfrm>
+            <a:prstGeom prst="triangle">
+              <a:avLst/>
+            </a:prstGeom>
+            <a:solidFill>
+              <a:schemeClr val="tx1"/>
+            </a:solidFill>
+            <a:ln>
+              <a:noFill/>
+            </a:ln>
+            <a:effectLst/>
+          </p:spPr>
+          <p:style>
+            <a:lnRef idx="1">
+              <a:schemeClr val="accent1"/>
+            </a:lnRef>
+            <a:fillRef idx="3">
+              <a:schemeClr val="accent1"/>
+            </a:fillRef>
+            <a:effectRef idx="2">
+              <a:schemeClr val="accent1"/>
+            </a:effectRef>
+            <a:fontRef idx="minor">
+              <a:schemeClr val="lt1"/>
+            </a:fontRef>
+          </p:style>
+          <p:txBody>
+            <a:bodyPr rtlCol="0" anchor="ctr"/>
+            <a:lstStyle/>
+            <a:p>
+              <a:pPr algn="ctr"/>
+              <a:endParaRPr lang="en-US"/>
+            </a:p>
+          </p:txBody>
+        </p:sp>
+        <p:sp>
+          <p:nvSpPr>
+            <p:cNvPr id="88" name="Rectangle 87"/>
+            <p:cNvSpPr/>
+            <p:nvPr/>
+          </p:nvSpPr>
+          <p:spPr>
+            <a:xfrm rot="13178596">
+              <a:off x="3900839" y="3485290"/>
+              <a:ext cx="609012" cy="175483"/>
+            </a:xfrm>
+            <a:prstGeom prst="rect">
+              <a:avLst/>
+            </a:prstGeom>
+            <a:solidFill>
+              <a:srgbClr val="E88E9D"/>
+            </a:solidFill>
+            <a:ln>
+              <a:noFill/>
+            </a:ln>
+            <a:effectLst/>
+          </p:spPr>
+          <p:style>
+            <a:lnRef idx="1">
+              <a:schemeClr val="accent1"/>
+            </a:lnRef>
+            <a:fillRef idx="3">
+              <a:schemeClr val="accent1"/>
+            </a:fillRef>
+            <a:effectRef idx="2">
+              <a:schemeClr val="accent1"/>
+            </a:effectRef>
+            <a:fontRef idx="minor">
+              <a:schemeClr val="lt1"/>
+            </a:fontRef>
+          </p:style>
+          <p:txBody>
+            <a:bodyPr rtlCol="0" anchor="ctr"/>
+            <a:lstStyle/>
+            <a:p>
+              <a:pPr algn="ctr"/>
+              <a:endParaRPr lang="en-US"/>
+            </a:p>
+          </p:txBody>
+        </p:sp>
+      </p:grpSp>
+      <p:sp>
+        <p:nvSpPr>
+          <p:cNvPr id="89" name="Oval 88"/>
+          <p:cNvSpPr/>
+          <p:nvPr/>
+        </p:nvSpPr>
+        <p:spPr>
+          <a:xfrm>
+            <a:off x="453041" y="3330797"/>
+            <a:ext cx="2383148" cy="2381051"/>
+          </a:xfrm>
+          <a:prstGeom prst="ellipse">
+            <a:avLst/>
+          </a:prstGeom>
+          <a:gradFill flip="none" rotWithShape="1">
+            <a:gsLst>
+              <a:gs pos="0">
+                <a:schemeClr val="tx2"/>
+              </a:gs>
+              <a:gs pos="100000">
+                <a:schemeClr val="tx2">
+                  <a:lumMod val="60000"/>
+                  <a:lumOff val="40000"/>
+                </a:schemeClr>
+              </a:gs>
+            </a:gsLst>
+            <a:lin ang="5400000" scaled="0"/>
+            <a:tileRect/>
+          </a:gradFill>
+          <a:ln>
+            <a:noFill/>
+          </a:ln>
+          <a:effectLst/>
+        </p:spPr>
+        <p:style>
+          <a:lnRef idx="1">
+            <a:schemeClr val="accent1"/>
+          </a:lnRef>
+          <a:fillRef idx="3">
+            <a:schemeClr val="accent1"/>
+          </a:fillRef>
+          <a:effectRef idx="2">
+            <a:schemeClr val="accent1"/>
+          </a:effectRef>
+          <a:fontRef idx="minor">
+            <a:schemeClr val="lt1"/>
+          </a:fontRef>
+        </p:style>
+        <p:txBody>
+          <a:bodyPr rtlCol="0" anchor="ctr"/>
+          <a:lstStyle/>
+          <a:p>
+            <a:pPr algn="ctr"/>
+            <a:endParaRPr lang="en-US"/>
+          </a:p>
+        </p:txBody>
+      </p:sp>
+      <p:sp>
+        <p:nvSpPr>
+          <p:cNvPr id="90" name="Oval 89"/>
+          <p:cNvSpPr/>
+          <p:nvPr/>
+        </p:nvSpPr>
+        <p:spPr>
+          <a:xfrm>
+            <a:off x="822984" y="3702147"/>
+            <a:ext cx="1643263" cy="1638351"/>
+          </a:xfrm>
+          <a:prstGeom prst="ellipse">
+            <a:avLst/>
+          </a:prstGeom>
+          <a:solidFill>
+            <a:schemeClr val="bg1"/>
+          </a:solidFill>
+          <a:ln>
+            <a:noFill/>
+          </a:ln>
+          <a:effectLst/>
+        </p:spPr>
+        <p:style>
+          <a:lnRef idx="1">
+            <a:schemeClr val="accent1"/>
+          </a:lnRef>
+          <a:fillRef idx="3">
+            <a:schemeClr val="accent1"/>
+          </a:fillRef>
+          <a:effectRef idx="2">
+            <a:schemeClr val="accent1"/>
+          </a:effectRef>
+          <a:fontRef idx="minor">
+            <a:schemeClr val="lt1"/>
+          </a:fontRef>
+        </p:style>
+        <p:txBody>
+          <a:bodyPr rtlCol="0" anchor="ctr"/>
+          <a:lstStyle/>
+          <a:p>
+            <a:pPr algn="ctr"/>
+            <a:endParaRPr lang="en-US"/>
+          </a:p>
+        </p:txBody>
+      </p:sp>
+      <p:grpSp>
+        <p:nvGrpSpPr>
+          <p:cNvPr id="91" name="Group 90"/>
+          <p:cNvGrpSpPr/>
+          <p:nvPr/>
+        </p:nvGrpSpPr>
+        <p:grpSpPr>
+          <a:xfrm>
+            <a:off x="1038627" y="3907072"/>
+            <a:ext cx="1271700" cy="1279442"/>
+            <a:chOff x="2840601" y="3390996"/>
+            <a:chExt cx="1705923" cy="1717479"/>
+          </a:xfrm>
+        </p:grpSpPr>
+        <p:sp>
+          <p:nvSpPr>
+            <p:cNvPr id="92" name="Rectangle 91"/>
+            <p:cNvSpPr/>
+            <p:nvPr/>
+          </p:nvSpPr>
+          <p:spPr>
+            <a:xfrm rot="13178596">
+              <a:off x="3401279" y="3554895"/>
+              <a:ext cx="609012" cy="1250446"/>
+            </a:xfrm>
+            <a:prstGeom prst="rect">
+              <a:avLst/>
+            </a:prstGeom>
+            <a:solidFill>
+              <a:srgbClr val="FFEA79"/>
+            </a:solidFill>
+            <a:ln>
+              <a:noFill/>
+            </a:ln>
+            <a:effectLst/>
+          </p:spPr>
+          <p:style>
+            <a:lnRef idx="1">
+              <a:schemeClr val="accent1"/>
+            </a:lnRef>
+            <a:fillRef idx="3">
+              <a:schemeClr val="accent1"/>
+            </a:fillRef>
+            <a:effectRef idx="2">
+              <a:schemeClr val="accent1"/>
+            </a:effectRef>
+            <a:fontRef idx="minor">
+              <a:schemeClr val="lt1"/>
+            </a:fontRef>
+          </p:style>
+          <p:txBody>
+            <a:bodyPr rtlCol="0" anchor="ctr"/>
+            <a:lstStyle/>
+            <a:p>
+              <a:pPr algn="ctr"/>
+              <a:endParaRPr lang="en-US"/>
+            </a:p>
+          </p:txBody>
+        </p:sp>
+        <p:sp>
+          <p:nvSpPr>
+            <p:cNvPr id="93" name="Rectangle 92"/>
+            <p:cNvSpPr/>
+            <p:nvPr/>
+          </p:nvSpPr>
+          <p:spPr>
+            <a:xfrm rot="13178596">
+              <a:off x="3604829" y="3550950"/>
+              <a:ext cx="192447" cy="1250446"/>
+            </a:xfrm>
+            <a:prstGeom prst="rect">
+              <a:avLst/>
+            </a:prstGeom>
+            <a:solidFill>
+              <a:srgbClr val="EAD66F"/>
+            </a:solidFill>
+            <a:ln>
+              <a:noFill/>
+            </a:ln>
+            <a:effectLst/>
+          </p:spPr>
+          <p:style>
+            <a:lnRef idx="1">
+              <a:schemeClr val="accent1"/>
+            </a:lnRef>
+            <a:fillRef idx="3">
+              <a:schemeClr val="accent1"/>
+            </a:fillRef>
+            <a:effectRef idx="2">
+              <a:schemeClr val="accent1"/>
+            </a:effectRef>
+            <a:fontRef idx="minor">
+              <a:schemeClr val="lt1"/>
+            </a:fontRef>
+          </p:style>
+          <p:txBody>
+            <a:bodyPr rtlCol="0" anchor="ctr"/>
+            <a:lstStyle/>
+            <a:p>
+              <a:pPr algn="ctr"/>
+              <a:endParaRPr lang="en-US"/>
+            </a:p>
+          </p:txBody>
+        </p:sp>
+        <p:sp>
+          <p:nvSpPr>
+            <p:cNvPr id="94" name="Rectangle 93"/>
+            <p:cNvSpPr/>
+            <p:nvPr/>
+          </p:nvSpPr>
+          <p:spPr>
+            <a:xfrm rot="13178596">
+              <a:off x="3844152" y="3568676"/>
+              <a:ext cx="609012" cy="146894"/>
+            </a:xfrm>
+            <a:prstGeom prst="rect">
+              <a:avLst/>
+            </a:prstGeom>
+            <a:solidFill>
+              <a:schemeClr val="bg1">
+                <a:lumMod val="50000"/>
+              </a:schemeClr>
+            </a:solidFill>
+            <a:ln>
+              <a:noFill/>
+            </a:ln>
+            <a:effectLst/>
+          </p:spPr>
+          <p:style>
+            <a:lnRef idx="1">
+              <a:schemeClr val="accent1"/>
+            </a:lnRef>
+            <a:fillRef idx="3">
+              <a:schemeClr val="accent1"/>
+            </a:fillRef>
+            <a:effectRef idx="2">
+              <a:schemeClr val="accent1"/>
+            </a:effectRef>
+            <a:fontRef idx="minor">
+              <a:schemeClr val="lt1"/>
+            </a:fontRef>
+          </p:style>
+          <p:txBody>
+            <a:bodyPr rtlCol="0" anchor="ctr"/>
+            <a:lstStyle/>
+            <a:p>
+              <a:pPr algn="ctr"/>
+              <a:endParaRPr lang="en-US"/>
+            </a:p>
+          </p:txBody>
+        </p:sp>
+        <p:sp>
+          <p:nvSpPr>
+            <p:cNvPr id="95" name="Rounded Rectangle 94"/>
+            <p:cNvSpPr/>
+            <p:nvPr/>
+          </p:nvSpPr>
+          <p:spPr>
+            <a:xfrm rot="13178596">
+              <a:off x="3937512" y="3390996"/>
+              <a:ext cx="609012" cy="275430"/>
+            </a:xfrm>
+            <a:prstGeom prst="roundRect">
+              <a:avLst/>
+            </a:prstGeom>
+            <a:solidFill>
+              <a:srgbClr val="E88E9D"/>
+            </a:solidFill>
+            <a:ln>
+              <a:noFill/>
+            </a:ln>
+            <a:effectLst/>
+          </p:spPr>
+          <p:style>
+            <a:lnRef idx="1">
+              <a:schemeClr val="accent1"/>
+            </a:lnRef>
+            <a:fillRef idx="3">
+              <a:schemeClr val="accent1"/>
+            </a:fillRef>
+            <a:effectRef idx="2">
+              <a:schemeClr val="accent1"/>
+            </a:effectRef>
+            <a:fontRef idx="minor">
+              <a:schemeClr val="lt1"/>
+            </a:fontRef>
+          </p:style>
+          <p:txBody>
+            <a:bodyPr rtlCol="0" anchor="ctr"/>
+            <a:lstStyle/>
+            <a:p>
+              <a:pPr algn="ctr"/>
+              <a:endParaRPr lang="en-US"/>
+            </a:p>
+          </p:txBody>
+        </p:sp>
+        <p:sp>
+          <p:nvSpPr>
+            <p:cNvPr id="96" name="Isosceles Triangle 95"/>
+            <p:cNvSpPr/>
+            <p:nvPr/>
+          </p:nvSpPr>
+          <p:spPr>
+            <a:xfrm rot="13178596">
+              <a:off x="2840601" y="4599910"/>
+              <a:ext cx="609012" cy="508565"/>
+            </a:xfrm>
+            <a:prstGeom prst="triangle">
+              <a:avLst/>
+            </a:prstGeom>
+            <a:solidFill>
+              <a:schemeClr val="bg2">
+                <a:lumMod val="90000"/>
+              </a:schemeClr>
+            </a:solidFill>
+            <a:ln>
+              <a:noFill/>
+            </a:ln>
+            <a:effectLst/>
+          </p:spPr>
+          <p:style>
+            <a:lnRef idx="1">
+              <a:schemeClr val="accent1"/>
+            </a:lnRef>
+            <a:fillRef idx="3">
+              <a:schemeClr val="accent1"/>
+            </a:fillRef>
+            <a:effectRef idx="2">
+              <a:schemeClr val="accent1"/>
+            </a:effectRef>
+            <a:fontRef idx="minor">
+              <a:schemeClr val="lt1"/>
+            </a:fontRef>
+          </p:style>
+          <p:txBody>
+            <a:bodyPr rtlCol="0" anchor="ctr"/>
+            <a:lstStyle/>
+            <a:p>
+              <a:pPr algn="ctr"/>
+              <a:endParaRPr lang="en-US"/>
+            </a:p>
+          </p:txBody>
+        </p:sp>
+        <p:sp>
+          <p:nvSpPr>
+            <p:cNvPr id="97" name="Isosceles Triangle 96"/>
+            <p:cNvSpPr/>
+            <p:nvPr/>
+          </p:nvSpPr>
+          <p:spPr>
+            <a:xfrm rot="13178596">
+              <a:off x="2916063" y="4876232"/>
+              <a:ext cx="239155" cy="215887"/>
+            </a:xfrm>
+            <a:prstGeom prst="triangle">
+              <a:avLst/>
+            </a:prstGeom>
+            <a:solidFill>
+              <a:schemeClr val="tx1"/>
+            </a:solidFill>
+            <a:ln>
+              <a:noFill/>
+            </a:ln>
+            <a:effectLst/>
+          </p:spPr>
+          <p:style>
+            <a:lnRef idx="1">
+              <a:schemeClr val="accent1"/>
+            </a:lnRef>
+            <a:fillRef idx="3">
+              <a:schemeClr val="accent1"/>
+            </a:fillRef>
+            <a:effectRef idx="2">
+              <a:schemeClr val="accent1"/>
+            </a:effectRef>
+            <a:fontRef idx="minor">
+              <a:schemeClr val="lt1"/>
+            </a:fontRef>
+          </p:style>
+          <p:txBody>
+            <a:bodyPr rtlCol="0" anchor="ctr"/>
+            <a:lstStyle/>
+            <a:p>
+              <a:pPr algn="ctr"/>
+              <a:endParaRPr lang="en-US"/>
+            </a:p>
+          </p:txBody>
+        </p:sp>
+        <p:sp>
+          <p:nvSpPr>
+            <p:cNvPr id="98" name="Rectangle 97"/>
+            <p:cNvSpPr/>
+            <p:nvPr/>
+          </p:nvSpPr>
+          <p:spPr>
+            <a:xfrm rot="13178596">
+              <a:off x="3900839" y="3485290"/>
+              <a:ext cx="609012" cy="175483"/>
+            </a:xfrm>
+            <a:prstGeom prst="rect">
+              <a:avLst/>
+            </a:prstGeom>
+            <a:solidFill>
+              <a:srgbClr val="E88E9D"/>
+            </a:solidFill>
+            <a:ln>
+              <a:noFill/>
+            </a:ln>
+            <a:effectLst/>
+          </p:spPr>
+          <p:style>
+            <a:lnRef idx="1">
+              <a:schemeClr val="accent1"/>
+            </a:lnRef>
+            <a:fillRef idx="3">
+              <a:schemeClr val="accent1"/>
+            </a:fillRef>
+            <a:effectRef idx="2">
+              <a:schemeClr val="accent1"/>
+            </a:effectRef>
+            <a:fontRef idx="minor">
+              <a:schemeClr val="lt1"/>
+            </a:fontRef>
+          </p:style>
+          <p:txBody>
+            <a:bodyPr rtlCol="0" anchor="ctr"/>
+            <a:lstStyle/>
+            <a:p>
+              <a:pPr algn="ctr"/>
+              <a:endParaRPr lang="en-US"/>
+            </a:p>
+          </p:txBody>
+        </p:sp>
+      </p:grpSp>
+    </p:spTree>
+    <p:extLst>
+      <p:ext uri="{BB962C8B-B14F-4D97-AF65-F5344CB8AC3E}">
+        <p14:creationId xmlns:p14="http://schemas.microsoft.com/office/powerpoint/2010/main" val="300919926"/>
       </p:ext>
     </p:extLst>
   </p:cSld>

--- a/drawings/drawings.pptx
+++ b/drawings/drawings.pptx
@@ -54,6 +54,7 @@
     <p:sldId id="297" r:id="rId48"/>
     <p:sldId id="305" r:id="rId49"/>
     <p:sldId id="306" r:id="rId50"/>
+    <p:sldId id="307" r:id="rId51"/>
   </p:sldIdLst>
   <p:sldSz cx="9144000" cy="6858000" type="screen4x3"/>
   <p:notesSz cx="6858000" cy="9144000"/>
@@ -336,7 +337,7 @@
           <a:p>
             <a:fld id="{0020FEAD-68D7-EE4B-A194-60FBEF693A60}" type="datetimeFigureOut">
               <a:rPr lang="en-US" smtClean="0"/>
-              <a:t>9/13/15</a:t>
+              <a:t>9/15/15</a:t>
             </a:fld>
             <a:endParaRPr lang="en-US"/>
           </a:p>
@@ -506,7 +507,7 @@
           <a:p>
             <a:fld id="{0020FEAD-68D7-EE4B-A194-60FBEF693A60}" type="datetimeFigureOut">
               <a:rPr lang="en-US" smtClean="0"/>
-              <a:t>9/13/15</a:t>
+              <a:t>9/15/15</a:t>
             </a:fld>
             <a:endParaRPr lang="en-US"/>
           </a:p>
@@ -686,7 +687,7 @@
           <a:p>
             <a:fld id="{0020FEAD-68D7-EE4B-A194-60FBEF693A60}" type="datetimeFigureOut">
               <a:rPr lang="en-US" smtClean="0"/>
-              <a:t>9/13/15</a:t>
+              <a:t>9/15/15</a:t>
             </a:fld>
             <a:endParaRPr lang="en-US"/>
           </a:p>
@@ -856,7 +857,7 @@
           <a:p>
             <a:fld id="{0020FEAD-68D7-EE4B-A194-60FBEF693A60}" type="datetimeFigureOut">
               <a:rPr lang="en-US" smtClean="0"/>
-              <a:t>9/13/15</a:t>
+              <a:t>9/15/15</a:t>
             </a:fld>
             <a:endParaRPr lang="en-US"/>
           </a:p>
@@ -1102,7 +1103,7 @@
           <a:p>
             <a:fld id="{0020FEAD-68D7-EE4B-A194-60FBEF693A60}" type="datetimeFigureOut">
               <a:rPr lang="en-US" smtClean="0"/>
-              <a:t>9/13/15</a:t>
+              <a:t>9/15/15</a:t>
             </a:fld>
             <a:endParaRPr lang="en-US"/>
           </a:p>
@@ -1390,7 +1391,7 @@
           <a:p>
             <a:fld id="{0020FEAD-68D7-EE4B-A194-60FBEF693A60}" type="datetimeFigureOut">
               <a:rPr lang="en-US" smtClean="0"/>
-              <a:t>9/13/15</a:t>
+              <a:t>9/15/15</a:t>
             </a:fld>
             <a:endParaRPr lang="en-US"/>
           </a:p>
@@ -1812,7 +1813,7 @@
           <a:p>
             <a:fld id="{0020FEAD-68D7-EE4B-A194-60FBEF693A60}" type="datetimeFigureOut">
               <a:rPr lang="en-US" smtClean="0"/>
-              <a:t>9/13/15</a:t>
+              <a:t>9/15/15</a:t>
             </a:fld>
             <a:endParaRPr lang="en-US"/>
           </a:p>
@@ -1930,7 +1931,7 @@
           <a:p>
             <a:fld id="{0020FEAD-68D7-EE4B-A194-60FBEF693A60}" type="datetimeFigureOut">
               <a:rPr lang="en-US" smtClean="0"/>
-              <a:t>9/13/15</a:t>
+              <a:t>9/15/15</a:t>
             </a:fld>
             <a:endParaRPr lang="en-US"/>
           </a:p>
@@ -2025,7 +2026,7 @@
           <a:p>
             <a:fld id="{0020FEAD-68D7-EE4B-A194-60FBEF693A60}" type="datetimeFigureOut">
               <a:rPr lang="en-US" smtClean="0"/>
-              <a:t>9/13/15</a:t>
+              <a:t>9/15/15</a:t>
             </a:fld>
             <a:endParaRPr lang="en-US"/>
           </a:p>
@@ -2302,7 +2303,7 @@
           <a:p>
             <a:fld id="{0020FEAD-68D7-EE4B-A194-60FBEF693A60}" type="datetimeFigureOut">
               <a:rPr lang="en-US" smtClean="0"/>
-              <a:t>9/13/15</a:t>
+              <a:t>9/15/15</a:t>
             </a:fld>
             <a:endParaRPr lang="en-US"/>
           </a:p>
@@ -2555,7 +2556,7 @@
           <a:p>
             <a:fld id="{0020FEAD-68D7-EE4B-A194-60FBEF693A60}" type="datetimeFigureOut">
               <a:rPr lang="en-US" smtClean="0"/>
-              <a:t>9/13/15</a:t>
+              <a:t>9/15/15</a:t>
             </a:fld>
             <a:endParaRPr lang="en-US"/>
           </a:p>
@@ -2768,7 +2769,7 @@
           <a:p>
             <a:fld id="{0020FEAD-68D7-EE4B-A194-60FBEF693A60}" type="datetimeFigureOut">
               <a:rPr lang="en-US" smtClean="0"/>
-              <a:t>9/13/15</a:t>
+              <a:t>9/15/15</a:t>
             </a:fld>
             <a:endParaRPr lang="en-US"/>
           </a:p>
@@ -49052,6 +49053,1113 @@
 </p:sld>
 </file>
 
+<file path=ppt/slides/slide50.xml><?xml version="1.0" encoding="utf-8"?>
+<p:sld xmlns:a="http://schemas.openxmlformats.org/drawingml/2006/main" xmlns:r="http://schemas.openxmlformats.org/officeDocument/2006/relationships" xmlns:p="http://schemas.openxmlformats.org/presentationml/2006/main">
+  <p:cSld>
+    <p:spTree>
+      <p:nvGrpSpPr>
+        <p:cNvPr id="1" name=""/>
+        <p:cNvGrpSpPr/>
+        <p:nvPr/>
+      </p:nvGrpSpPr>
+      <p:grpSpPr>
+        <a:xfrm>
+          <a:off x="0" y="0"/>
+          <a:ext cx="0" cy="0"/>
+          <a:chOff x="0" y="0"/>
+          <a:chExt cx="0" cy="0"/>
+        </a:xfrm>
+      </p:grpSpPr>
+      <p:grpSp>
+        <p:nvGrpSpPr>
+          <p:cNvPr id="9" name="Group 8"/>
+          <p:cNvGrpSpPr/>
+          <p:nvPr/>
+        </p:nvGrpSpPr>
+        <p:grpSpPr>
+          <a:xfrm>
+            <a:off x="241826" y="175964"/>
+            <a:ext cx="2383148" cy="2381051"/>
+            <a:chOff x="241826" y="175964"/>
+            <a:chExt cx="2383148" cy="2381051"/>
+          </a:xfrm>
+        </p:grpSpPr>
+        <p:sp>
+          <p:nvSpPr>
+            <p:cNvPr id="79" name="Oval 78"/>
+            <p:cNvSpPr/>
+            <p:nvPr/>
+          </p:nvSpPr>
+          <p:spPr>
+            <a:xfrm>
+              <a:off x="241826" y="175964"/>
+              <a:ext cx="2383148" cy="2381051"/>
+            </a:xfrm>
+            <a:prstGeom prst="ellipse">
+              <a:avLst/>
+            </a:prstGeom>
+            <a:gradFill flip="none" rotWithShape="1">
+              <a:gsLst>
+                <a:gs pos="0">
+                  <a:schemeClr val="tx2"/>
+                </a:gs>
+                <a:gs pos="100000">
+                  <a:schemeClr val="tx2">
+                    <a:lumMod val="60000"/>
+                    <a:lumOff val="40000"/>
+                  </a:schemeClr>
+                </a:gs>
+              </a:gsLst>
+              <a:lin ang="5400000" scaled="0"/>
+              <a:tileRect/>
+            </a:gradFill>
+            <a:ln>
+              <a:noFill/>
+            </a:ln>
+            <a:effectLst/>
+          </p:spPr>
+          <p:style>
+            <a:lnRef idx="1">
+              <a:schemeClr val="accent1"/>
+            </a:lnRef>
+            <a:fillRef idx="3">
+              <a:schemeClr val="accent1"/>
+            </a:fillRef>
+            <a:effectRef idx="2">
+              <a:schemeClr val="accent1"/>
+            </a:effectRef>
+            <a:fontRef idx="minor">
+              <a:schemeClr val="lt1"/>
+            </a:fontRef>
+          </p:style>
+          <p:txBody>
+            <a:bodyPr rtlCol="0" anchor="ctr"/>
+            <a:lstStyle/>
+            <a:p>
+              <a:pPr algn="ctr"/>
+              <a:endParaRPr lang="en-US"/>
+            </a:p>
+          </p:txBody>
+        </p:sp>
+        <p:sp>
+          <p:nvSpPr>
+            <p:cNvPr id="80" name="Oval 79"/>
+            <p:cNvSpPr/>
+            <p:nvPr/>
+          </p:nvSpPr>
+          <p:spPr>
+            <a:xfrm>
+              <a:off x="519000" y="452089"/>
+              <a:ext cx="1828800" cy="1828800"/>
+            </a:xfrm>
+            <a:prstGeom prst="ellipse">
+              <a:avLst/>
+            </a:prstGeom>
+            <a:solidFill>
+              <a:schemeClr val="bg1"/>
+            </a:solidFill>
+            <a:ln>
+              <a:noFill/>
+            </a:ln>
+            <a:effectLst/>
+          </p:spPr>
+          <p:style>
+            <a:lnRef idx="1">
+              <a:schemeClr val="accent1"/>
+            </a:lnRef>
+            <a:fillRef idx="3">
+              <a:schemeClr val="accent1"/>
+            </a:fillRef>
+            <a:effectRef idx="2">
+              <a:schemeClr val="accent1"/>
+            </a:effectRef>
+            <a:fontRef idx="minor">
+              <a:schemeClr val="lt1"/>
+            </a:fontRef>
+          </p:style>
+          <p:txBody>
+            <a:bodyPr rtlCol="0" anchor="ctr"/>
+            <a:lstStyle/>
+            <a:p>
+              <a:pPr algn="ctr"/>
+              <a:endParaRPr lang="en-US"/>
+            </a:p>
+          </p:txBody>
+        </p:sp>
+        <p:grpSp>
+          <p:nvGrpSpPr>
+            <p:cNvPr id="81" name="Group 80"/>
+            <p:cNvGrpSpPr/>
+            <p:nvPr/>
+          </p:nvGrpSpPr>
+          <p:grpSpPr>
+            <a:xfrm>
+              <a:off x="827412" y="752239"/>
+              <a:ext cx="1271700" cy="1279442"/>
+              <a:chOff x="2840601" y="3390996"/>
+              <a:chExt cx="1705923" cy="1717479"/>
+            </a:xfrm>
+          </p:grpSpPr>
+          <p:sp>
+            <p:nvSpPr>
+              <p:cNvPr id="82" name="Rectangle 81"/>
+              <p:cNvSpPr/>
+              <p:nvPr/>
+            </p:nvSpPr>
+            <p:spPr>
+              <a:xfrm rot="13178596">
+                <a:off x="3401279" y="3554895"/>
+                <a:ext cx="609012" cy="1250446"/>
+              </a:xfrm>
+              <a:prstGeom prst="rect">
+                <a:avLst/>
+              </a:prstGeom>
+              <a:solidFill>
+                <a:srgbClr val="FFEA79"/>
+              </a:solidFill>
+              <a:ln>
+                <a:noFill/>
+              </a:ln>
+              <a:effectLst/>
+            </p:spPr>
+            <p:style>
+              <a:lnRef idx="1">
+                <a:schemeClr val="accent1"/>
+              </a:lnRef>
+              <a:fillRef idx="3">
+                <a:schemeClr val="accent1"/>
+              </a:fillRef>
+              <a:effectRef idx="2">
+                <a:schemeClr val="accent1"/>
+              </a:effectRef>
+              <a:fontRef idx="minor">
+                <a:schemeClr val="lt1"/>
+              </a:fontRef>
+            </p:style>
+            <p:txBody>
+              <a:bodyPr rtlCol="0" anchor="ctr"/>
+              <a:lstStyle/>
+              <a:p>
+                <a:pPr algn="ctr"/>
+                <a:endParaRPr lang="en-US"/>
+              </a:p>
+            </p:txBody>
+          </p:sp>
+          <p:sp>
+            <p:nvSpPr>
+              <p:cNvPr id="83" name="Rectangle 82"/>
+              <p:cNvSpPr/>
+              <p:nvPr/>
+            </p:nvSpPr>
+            <p:spPr>
+              <a:xfrm rot="13178596">
+                <a:off x="3604829" y="3550950"/>
+                <a:ext cx="192447" cy="1250446"/>
+              </a:xfrm>
+              <a:prstGeom prst="rect">
+                <a:avLst/>
+              </a:prstGeom>
+              <a:solidFill>
+                <a:srgbClr val="EAD66F"/>
+              </a:solidFill>
+              <a:ln>
+                <a:noFill/>
+              </a:ln>
+              <a:effectLst/>
+            </p:spPr>
+            <p:style>
+              <a:lnRef idx="1">
+                <a:schemeClr val="accent1"/>
+              </a:lnRef>
+              <a:fillRef idx="3">
+                <a:schemeClr val="accent1"/>
+              </a:fillRef>
+              <a:effectRef idx="2">
+                <a:schemeClr val="accent1"/>
+              </a:effectRef>
+              <a:fontRef idx="minor">
+                <a:schemeClr val="lt1"/>
+              </a:fontRef>
+            </p:style>
+            <p:txBody>
+              <a:bodyPr rtlCol="0" anchor="ctr"/>
+              <a:lstStyle/>
+              <a:p>
+                <a:pPr algn="ctr"/>
+                <a:endParaRPr lang="en-US"/>
+              </a:p>
+            </p:txBody>
+          </p:sp>
+          <p:sp>
+            <p:nvSpPr>
+              <p:cNvPr id="84" name="Rectangle 83"/>
+              <p:cNvSpPr/>
+              <p:nvPr/>
+            </p:nvSpPr>
+            <p:spPr>
+              <a:xfrm rot="13178596">
+                <a:off x="3844152" y="3568676"/>
+                <a:ext cx="609012" cy="146894"/>
+              </a:xfrm>
+              <a:prstGeom prst="rect">
+                <a:avLst/>
+              </a:prstGeom>
+              <a:solidFill>
+                <a:schemeClr val="bg1">
+                  <a:lumMod val="50000"/>
+                </a:schemeClr>
+              </a:solidFill>
+              <a:ln>
+                <a:noFill/>
+              </a:ln>
+              <a:effectLst/>
+            </p:spPr>
+            <p:style>
+              <a:lnRef idx="1">
+                <a:schemeClr val="accent1"/>
+              </a:lnRef>
+              <a:fillRef idx="3">
+                <a:schemeClr val="accent1"/>
+              </a:fillRef>
+              <a:effectRef idx="2">
+                <a:schemeClr val="accent1"/>
+              </a:effectRef>
+              <a:fontRef idx="minor">
+                <a:schemeClr val="lt1"/>
+              </a:fontRef>
+            </p:style>
+            <p:txBody>
+              <a:bodyPr rtlCol="0" anchor="ctr"/>
+              <a:lstStyle/>
+              <a:p>
+                <a:pPr algn="ctr"/>
+                <a:endParaRPr lang="en-US"/>
+              </a:p>
+            </p:txBody>
+          </p:sp>
+          <p:sp>
+            <p:nvSpPr>
+              <p:cNvPr id="85" name="Rounded Rectangle 84"/>
+              <p:cNvSpPr/>
+              <p:nvPr/>
+            </p:nvSpPr>
+            <p:spPr>
+              <a:xfrm rot="13178596">
+                <a:off x="3937512" y="3390996"/>
+                <a:ext cx="609012" cy="275430"/>
+              </a:xfrm>
+              <a:prstGeom prst="roundRect">
+                <a:avLst/>
+              </a:prstGeom>
+              <a:solidFill>
+                <a:srgbClr val="E88E9D"/>
+              </a:solidFill>
+              <a:ln>
+                <a:noFill/>
+              </a:ln>
+              <a:effectLst/>
+            </p:spPr>
+            <p:style>
+              <a:lnRef idx="1">
+                <a:schemeClr val="accent1"/>
+              </a:lnRef>
+              <a:fillRef idx="3">
+                <a:schemeClr val="accent1"/>
+              </a:fillRef>
+              <a:effectRef idx="2">
+                <a:schemeClr val="accent1"/>
+              </a:effectRef>
+              <a:fontRef idx="minor">
+                <a:schemeClr val="lt1"/>
+              </a:fontRef>
+            </p:style>
+            <p:txBody>
+              <a:bodyPr rtlCol="0" anchor="ctr"/>
+              <a:lstStyle/>
+              <a:p>
+                <a:pPr algn="ctr"/>
+                <a:endParaRPr lang="en-US"/>
+              </a:p>
+            </p:txBody>
+          </p:sp>
+          <p:sp>
+            <p:nvSpPr>
+              <p:cNvPr id="86" name="Isosceles Triangle 85"/>
+              <p:cNvSpPr/>
+              <p:nvPr/>
+            </p:nvSpPr>
+            <p:spPr>
+              <a:xfrm rot="13178596">
+                <a:off x="2840601" y="4599910"/>
+                <a:ext cx="609012" cy="508565"/>
+              </a:xfrm>
+              <a:prstGeom prst="triangle">
+                <a:avLst/>
+              </a:prstGeom>
+              <a:solidFill>
+                <a:schemeClr val="bg2">
+                  <a:lumMod val="90000"/>
+                </a:schemeClr>
+              </a:solidFill>
+              <a:ln>
+                <a:noFill/>
+              </a:ln>
+              <a:effectLst/>
+            </p:spPr>
+            <p:style>
+              <a:lnRef idx="1">
+                <a:schemeClr val="accent1"/>
+              </a:lnRef>
+              <a:fillRef idx="3">
+                <a:schemeClr val="accent1"/>
+              </a:fillRef>
+              <a:effectRef idx="2">
+                <a:schemeClr val="accent1"/>
+              </a:effectRef>
+              <a:fontRef idx="minor">
+                <a:schemeClr val="lt1"/>
+              </a:fontRef>
+            </p:style>
+            <p:txBody>
+              <a:bodyPr rtlCol="0" anchor="ctr"/>
+              <a:lstStyle/>
+              <a:p>
+                <a:pPr algn="ctr"/>
+                <a:endParaRPr lang="en-US"/>
+              </a:p>
+            </p:txBody>
+          </p:sp>
+          <p:sp>
+            <p:nvSpPr>
+              <p:cNvPr id="87" name="Isosceles Triangle 86"/>
+              <p:cNvSpPr/>
+              <p:nvPr/>
+            </p:nvSpPr>
+            <p:spPr>
+              <a:xfrm rot="13178596">
+                <a:off x="2916063" y="4876232"/>
+                <a:ext cx="239155" cy="215887"/>
+              </a:xfrm>
+              <a:prstGeom prst="triangle">
+                <a:avLst/>
+              </a:prstGeom>
+              <a:solidFill>
+                <a:schemeClr val="tx1"/>
+              </a:solidFill>
+              <a:ln>
+                <a:noFill/>
+              </a:ln>
+              <a:effectLst/>
+            </p:spPr>
+            <p:style>
+              <a:lnRef idx="1">
+                <a:schemeClr val="accent1"/>
+              </a:lnRef>
+              <a:fillRef idx="3">
+                <a:schemeClr val="accent1"/>
+              </a:fillRef>
+              <a:effectRef idx="2">
+                <a:schemeClr val="accent1"/>
+              </a:effectRef>
+              <a:fontRef idx="minor">
+                <a:schemeClr val="lt1"/>
+              </a:fontRef>
+            </p:style>
+            <p:txBody>
+              <a:bodyPr rtlCol="0" anchor="ctr"/>
+              <a:lstStyle/>
+              <a:p>
+                <a:pPr algn="ctr"/>
+                <a:endParaRPr lang="en-US"/>
+              </a:p>
+            </p:txBody>
+          </p:sp>
+          <p:sp>
+            <p:nvSpPr>
+              <p:cNvPr id="88" name="Rectangle 87"/>
+              <p:cNvSpPr/>
+              <p:nvPr/>
+            </p:nvSpPr>
+            <p:spPr>
+              <a:xfrm rot="13178596">
+                <a:off x="3900839" y="3485290"/>
+                <a:ext cx="609012" cy="175483"/>
+              </a:xfrm>
+              <a:prstGeom prst="rect">
+                <a:avLst/>
+              </a:prstGeom>
+              <a:solidFill>
+                <a:srgbClr val="E88E9D"/>
+              </a:solidFill>
+              <a:ln>
+                <a:noFill/>
+              </a:ln>
+              <a:effectLst/>
+            </p:spPr>
+            <p:style>
+              <a:lnRef idx="1">
+                <a:schemeClr val="accent1"/>
+              </a:lnRef>
+              <a:fillRef idx="3">
+                <a:schemeClr val="accent1"/>
+              </a:fillRef>
+              <a:effectRef idx="2">
+                <a:schemeClr val="accent1"/>
+              </a:effectRef>
+              <a:fontRef idx="minor">
+                <a:schemeClr val="lt1"/>
+              </a:fontRef>
+            </p:style>
+            <p:txBody>
+              <a:bodyPr rtlCol="0" anchor="ctr"/>
+              <a:lstStyle/>
+              <a:p>
+                <a:pPr algn="ctr"/>
+                <a:endParaRPr lang="en-US"/>
+              </a:p>
+            </p:txBody>
+          </p:sp>
+        </p:grpSp>
+      </p:grpSp>
+      <p:sp>
+        <p:nvSpPr>
+          <p:cNvPr id="42" name="Oval 41"/>
+          <p:cNvSpPr/>
+          <p:nvPr/>
+        </p:nvSpPr>
+        <p:spPr>
+          <a:xfrm>
+            <a:off x="3350155" y="180420"/>
+            <a:ext cx="2383148" cy="2381051"/>
+          </a:xfrm>
+          <a:prstGeom prst="ellipse">
+            <a:avLst/>
+          </a:prstGeom>
+          <a:solidFill>
+            <a:schemeClr val="tx1"/>
+          </a:solidFill>
+          <a:ln>
+            <a:noFill/>
+          </a:ln>
+          <a:effectLst/>
+        </p:spPr>
+        <p:style>
+          <a:lnRef idx="1">
+            <a:schemeClr val="accent1"/>
+          </a:lnRef>
+          <a:fillRef idx="3">
+            <a:schemeClr val="accent1"/>
+          </a:fillRef>
+          <a:effectRef idx="2">
+            <a:schemeClr val="accent1"/>
+          </a:effectRef>
+          <a:fontRef idx="minor">
+            <a:schemeClr val="lt1"/>
+          </a:fontRef>
+        </p:style>
+        <p:txBody>
+          <a:bodyPr rtlCol="0" anchor="ctr"/>
+          <a:lstStyle/>
+          <a:p>
+            <a:pPr algn="ctr"/>
+            <a:endParaRPr lang="en-US"/>
+          </a:p>
+        </p:txBody>
+      </p:sp>
+      <p:sp>
+        <p:nvSpPr>
+          <p:cNvPr id="52" name="Oval 51"/>
+          <p:cNvSpPr/>
+          <p:nvPr/>
+        </p:nvSpPr>
+        <p:spPr>
+          <a:xfrm>
+            <a:off x="3636458" y="450170"/>
+            <a:ext cx="1828800" cy="1828800"/>
+          </a:xfrm>
+          <a:prstGeom prst="ellipse">
+            <a:avLst/>
+          </a:prstGeom>
+          <a:solidFill>
+            <a:schemeClr val="bg1"/>
+          </a:solidFill>
+          <a:ln>
+            <a:noFill/>
+          </a:ln>
+          <a:effectLst/>
+        </p:spPr>
+        <p:style>
+          <a:lnRef idx="1">
+            <a:schemeClr val="accent1"/>
+          </a:lnRef>
+          <a:fillRef idx="3">
+            <a:schemeClr val="accent1"/>
+          </a:fillRef>
+          <a:effectRef idx="2">
+            <a:schemeClr val="accent1"/>
+          </a:effectRef>
+          <a:fontRef idx="minor">
+            <a:schemeClr val="lt1"/>
+          </a:fontRef>
+        </p:style>
+        <p:txBody>
+          <a:bodyPr rtlCol="0" anchor="ctr"/>
+          <a:lstStyle/>
+          <a:p>
+            <a:pPr algn="ctr"/>
+            <a:endParaRPr lang="en-US"/>
+          </a:p>
+        </p:txBody>
+      </p:sp>
+      <p:sp>
+        <p:nvSpPr>
+          <p:cNvPr id="7" name="Cross 6"/>
+          <p:cNvSpPr/>
+          <p:nvPr/>
+        </p:nvSpPr>
+        <p:spPr>
+          <a:xfrm rot="2703753">
+            <a:off x="3744035" y="565218"/>
+            <a:ext cx="1613647" cy="1598705"/>
+          </a:xfrm>
+          <a:prstGeom prst="plus">
+            <a:avLst>
+              <a:gd name="adj" fmla="val 44905"/>
+            </a:avLst>
+          </a:prstGeom>
+          <a:solidFill>
+            <a:srgbClr val="000000"/>
+          </a:solidFill>
+          <a:ln>
+            <a:noFill/>
+          </a:ln>
+          <a:effectLst/>
+        </p:spPr>
+        <p:style>
+          <a:lnRef idx="1">
+            <a:schemeClr val="accent1"/>
+          </a:lnRef>
+          <a:fillRef idx="3">
+            <a:schemeClr val="accent1"/>
+          </a:fillRef>
+          <a:effectRef idx="2">
+            <a:schemeClr val="accent1"/>
+          </a:effectRef>
+          <a:fontRef idx="minor">
+            <a:schemeClr val="lt1"/>
+          </a:fontRef>
+        </p:style>
+        <p:txBody>
+          <a:bodyPr rtlCol="0" anchor="ctr"/>
+          <a:lstStyle/>
+          <a:p>
+            <a:pPr algn="ctr"/>
+            <a:endParaRPr lang="en-US"/>
+          </a:p>
+        </p:txBody>
+      </p:sp>
+      <p:grpSp>
+        <p:nvGrpSpPr>
+          <p:cNvPr id="8" name="Group 7"/>
+          <p:cNvGrpSpPr/>
+          <p:nvPr/>
+        </p:nvGrpSpPr>
+        <p:grpSpPr>
+          <a:xfrm>
+            <a:off x="3788582" y="3126659"/>
+            <a:ext cx="2383148" cy="2381051"/>
+            <a:chOff x="1403538" y="2697008"/>
+            <a:chExt cx="2383148" cy="2381051"/>
+          </a:xfrm>
+        </p:grpSpPr>
+        <p:sp>
+          <p:nvSpPr>
+            <p:cNvPr id="62" name="Oval 61"/>
+            <p:cNvSpPr/>
+            <p:nvPr/>
+          </p:nvSpPr>
+          <p:spPr>
+            <a:xfrm>
+              <a:off x="1403538" y="2697008"/>
+              <a:ext cx="2383148" cy="2381051"/>
+            </a:xfrm>
+            <a:prstGeom prst="ellipse">
+              <a:avLst/>
+            </a:prstGeom>
+            <a:gradFill flip="none" rotWithShape="1">
+              <a:gsLst>
+                <a:gs pos="0">
+                  <a:schemeClr val="tx2"/>
+                </a:gs>
+                <a:gs pos="100000">
+                  <a:schemeClr val="tx2">
+                    <a:lumMod val="60000"/>
+                    <a:lumOff val="40000"/>
+                  </a:schemeClr>
+                </a:gs>
+              </a:gsLst>
+              <a:lin ang="5400000" scaled="0"/>
+              <a:tileRect/>
+            </a:gradFill>
+            <a:ln>
+              <a:noFill/>
+            </a:ln>
+            <a:effectLst/>
+          </p:spPr>
+          <p:style>
+            <a:lnRef idx="1">
+              <a:schemeClr val="accent1"/>
+            </a:lnRef>
+            <a:fillRef idx="3">
+              <a:schemeClr val="accent1"/>
+            </a:fillRef>
+            <a:effectRef idx="2">
+              <a:schemeClr val="accent1"/>
+            </a:effectRef>
+            <a:fontRef idx="minor">
+              <a:schemeClr val="lt1"/>
+            </a:fontRef>
+          </p:style>
+          <p:txBody>
+            <a:bodyPr rtlCol="0" anchor="ctr"/>
+            <a:lstStyle/>
+            <a:p>
+              <a:pPr algn="ctr"/>
+              <a:endParaRPr lang="en-US"/>
+            </a:p>
+          </p:txBody>
+        </p:sp>
+        <p:sp>
+          <p:nvSpPr>
+            <p:cNvPr id="63" name="Oval 62"/>
+            <p:cNvSpPr/>
+            <p:nvPr/>
+          </p:nvSpPr>
+          <p:spPr>
+            <a:xfrm>
+              <a:off x="1680712" y="2973133"/>
+              <a:ext cx="1828800" cy="1828800"/>
+            </a:xfrm>
+            <a:prstGeom prst="ellipse">
+              <a:avLst/>
+            </a:prstGeom>
+            <a:solidFill>
+              <a:schemeClr val="bg1"/>
+            </a:solidFill>
+            <a:ln>
+              <a:noFill/>
+            </a:ln>
+            <a:effectLst/>
+          </p:spPr>
+          <p:style>
+            <a:lnRef idx="1">
+              <a:schemeClr val="accent1"/>
+            </a:lnRef>
+            <a:fillRef idx="3">
+              <a:schemeClr val="accent1"/>
+            </a:fillRef>
+            <a:effectRef idx="2">
+              <a:schemeClr val="accent1"/>
+            </a:effectRef>
+            <a:fontRef idx="minor">
+              <a:schemeClr val="lt1"/>
+            </a:fontRef>
+          </p:style>
+          <p:txBody>
+            <a:bodyPr rtlCol="0" anchor="ctr"/>
+            <a:lstStyle/>
+            <a:p>
+              <a:pPr algn="ctr"/>
+              <a:endParaRPr lang="en-US"/>
+            </a:p>
+          </p:txBody>
+        </p:sp>
+        <p:grpSp>
+          <p:nvGrpSpPr>
+            <p:cNvPr id="64" name="Group 63"/>
+            <p:cNvGrpSpPr/>
+            <p:nvPr/>
+          </p:nvGrpSpPr>
+          <p:grpSpPr>
+            <a:xfrm rot="10800000">
+              <a:off x="1966444" y="3227923"/>
+              <a:ext cx="1271700" cy="1279442"/>
+              <a:chOff x="2840601" y="3390996"/>
+              <a:chExt cx="1705923" cy="1717479"/>
+            </a:xfrm>
+          </p:grpSpPr>
+          <p:sp>
+            <p:nvSpPr>
+              <p:cNvPr id="65" name="Rectangle 64"/>
+              <p:cNvSpPr/>
+              <p:nvPr/>
+            </p:nvSpPr>
+            <p:spPr>
+              <a:xfrm rot="13178596">
+                <a:off x="3401279" y="3554895"/>
+                <a:ext cx="609012" cy="1250446"/>
+              </a:xfrm>
+              <a:prstGeom prst="rect">
+                <a:avLst/>
+              </a:prstGeom>
+              <a:solidFill>
+                <a:srgbClr val="FFEA79"/>
+              </a:solidFill>
+              <a:ln>
+                <a:noFill/>
+              </a:ln>
+              <a:effectLst/>
+            </p:spPr>
+            <p:style>
+              <a:lnRef idx="1">
+                <a:schemeClr val="accent1"/>
+              </a:lnRef>
+              <a:fillRef idx="3">
+                <a:schemeClr val="accent1"/>
+              </a:fillRef>
+              <a:effectRef idx="2">
+                <a:schemeClr val="accent1"/>
+              </a:effectRef>
+              <a:fontRef idx="minor">
+                <a:schemeClr val="lt1"/>
+              </a:fontRef>
+            </p:style>
+            <p:txBody>
+              <a:bodyPr rtlCol="0" anchor="ctr"/>
+              <a:lstStyle/>
+              <a:p>
+                <a:pPr algn="ctr"/>
+                <a:endParaRPr lang="en-US"/>
+              </a:p>
+            </p:txBody>
+          </p:sp>
+          <p:sp>
+            <p:nvSpPr>
+              <p:cNvPr id="66" name="Rectangle 65"/>
+              <p:cNvSpPr/>
+              <p:nvPr/>
+            </p:nvSpPr>
+            <p:spPr>
+              <a:xfrm rot="13178596">
+                <a:off x="3604829" y="3550950"/>
+                <a:ext cx="192447" cy="1250446"/>
+              </a:xfrm>
+              <a:prstGeom prst="rect">
+                <a:avLst/>
+              </a:prstGeom>
+              <a:solidFill>
+                <a:srgbClr val="EAD66F"/>
+              </a:solidFill>
+              <a:ln>
+                <a:noFill/>
+              </a:ln>
+              <a:effectLst/>
+            </p:spPr>
+            <p:style>
+              <a:lnRef idx="1">
+                <a:schemeClr val="accent1"/>
+              </a:lnRef>
+              <a:fillRef idx="3">
+                <a:schemeClr val="accent1"/>
+              </a:fillRef>
+              <a:effectRef idx="2">
+                <a:schemeClr val="accent1"/>
+              </a:effectRef>
+              <a:fontRef idx="minor">
+                <a:schemeClr val="lt1"/>
+              </a:fontRef>
+            </p:style>
+            <p:txBody>
+              <a:bodyPr rtlCol="0" anchor="ctr"/>
+              <a:lstStyle/>
+              <a:p>
+                <a:pPr algn="ctr"/>
+                <a:endParaRPr lang="en-US"/>
+              </a:p>
+            </p:txBody>
+          </p:sp>
+          <p:sp>
+            <p:nvSpPr>
+              <p:cNvPr id="67" name="Rectangle 66"/>
+              <p:cNvSpPr/>
+              <p:nvPr/>
+            </p:nvSpPr>
+            <p:spPr>
+              <a:xfrm rot="13178596">
+                <a:off x="3844152" y="3568676"/>
+                <a:ext cx="609012" cy="146894"/>
+              </a:xfrm>
+              <a:prstGeom prst="rect">
+                <a:avLst/>
+              </a:prstGeom>
+              <a:solidFill>
+                <a:schemeClr val="bg1">
+                  <a:lumMod val="50000"/>
+                </a:schemeClr>
+              </a:solidFill>
+              <a:ln>
+                <a:noFill/>
+              </a:ln>
+              <a:effectLst/>
+            </p:spPr>
+            <p:style>
+              <a:lnRef idx="1">
+                <a:schemeClr val="accent1"/>
+              </a:lnRef>
+              <a:fillRef idx="3">
+                <a:schemeClr val="accent1"/>
+              </a:fillRef>
+              <a:effectRef idx="2">
+                <a:schemeClr val="accent1"/>
+              </a:effectRef>
+              <a:fontRef idx="minor">
+                <a:schemeClr val="lt1"/>
+              </a:fontRef>
+            </p:style>
+            <p:txBody>
+              <a:bodyPr rtlCol="0" anchor="ctr"/>
+              <a:lstStyle/>
+              <a:p>
+                <a:pPr algn="ctr"/>
+                <a:endParaRPr lang="en-US"/>
+              </a:p>
+            </p:txBody>
+          </p:sp>
+          <p:sp>
+            <p:nvSpPr>
+              <p:cNvPr id="68" name="Rounded Rectangle 67"/>
+              <p:cNvSpPr/>
+              <p:nvPr/>
+            </p:nvSpPr>
+            <p:spPr>
+              <a:xfrm rot="13178596">
+                <a:off x="3937512" y="3390996"/>
+                <a:ext cx="609012" cy="275430"/>
+              </a:xfrm>
+              <a:prstGeom prst="roundRect">
+                <a:avLst/>
+              </a:prstGeom>
+              <a:solidFill>
+                <a:srgbClr val="E88E9D"/>
+              </a:solidFill>
+              <a:ln>
+                <a:noFill/>
+              </a:ln>
+              <a:effectLst/>
+            </p:spPr>
+            <p:style>
+              <a:lnRef idx="1">
+                <a:schemeClr val="accent1"/>
+              </a:lnRef>
+              <a:fillRef idx="3">
+                <a:schemeClr val="accent1"/>
+              </a:fillRef>
+              <a:effectRef idx="2">
+                <a:schemeClr val="accent1"/>
+              </a:effectRef>
+              <a:fontRef idx="minor">
+                <a:schemeClr val="lt1"/>
+              </a:fontRef>
+            </p:style>
+            <p:txBody>
+              <a:bodyPr rtlCol="0" anchor="ctr"/>
+              <a:lstStyle/>
+              <a:p>
+                <a:pPr algn="ctr"/>
+                <a:endParaRPr lang="en-US"/>
+              </a:p>
+            </p:txBody>
+          </p:sp>
+          <p:sp>
+            <p:nvSpPr>
+              <p:cNvPr id="99" name="Isosceles Triangle 98"/>
+              <p:cNvSpPr/>
+              <p:nvPr/>
+            </p:nvSpPr>
+            <p:spPr>
+              <a:xfrm rot="13178596">
+                <a:off x="2840601" y="4599910"/>
+                <a:ext cx="609012" cy="508565"/>
+              </a:xfrm>
+              <a:prstGeom prst="triangle">
+                <a:avLst/>
+              </a:prstGeom>
+              <a:solidFill>
+                <a:schemeClr val="bg2">
+                  <a:lumMod val="90000"/>
+                </a:schemeClr>
+              </a:solidFill>
+              <a:ln>
+                <a:noFill/>
+              </a:ln>
+              <a:effectLst/>
+            </p:spPr>
+            <p:style>
+              <a:lnRef idx="1">
+                <a:schemeClr val="accent1"/>
+              </a:lnRef>
+              <a:fillRef idx="3">
+                <a:schemeClr val="accent1"/>
+              </a:fillRef>
+              <a:effectRef idx="2">
+                <a:schemeClr val="accent1"/>
+              </a:effectRef>
+              <a:fontRef idx="minor">
+                <a:schemeClr val="lt1"/>
+              </a:fontRef>
+            </p:style>
+            <p:txBody>
+              <a:bodyPr rtlCol="0" anchor="ctr"/>
+              <a:lstStyle/>
+              <a:p>
+                <a:pPr algn="ctr"/>
+                <a:endParaRPr lang="en-US"/>
+              </a:p>
+            </p:txBody>
+          </p:sp>
+          <p:sp>
+            <p:nvSpPr>
+              <p:cNvPr id="100" name="Isosceles Triangle 99"/>
+              <p:cNvSpPr/>
+              <p:nvPr/>
+            </p:nvSpPr>
+            <p:spPr>
+              <a:xfrm rot="13178596">
+                <a:off x="2916063" y="4876232"/>
+                <a:ext cx="239155" cy="215887"/>
+              </a:xfrm>
+              <a:prstGeom prst="triangle">
+                <a:avLst/>
+              </a:prstGeom>
+              <a:solidFill>
+                <a:schemeClr val="tx1"/>
+              </a:solidFill>
+              <a:ln>
+                <a:noFill/>
+              </a:ln>
+              <a:effectLst/>
+            </p:spPr>
+            <p:style>
+              <a:lnRef idx="1">
+                <a:schemeClr val="accent1"/>
+              </a:lnRef>
+              <a:fillRef idx="3">
+                <a:schemeClr val="accent1"/>
+              </a:fillRef>
+              <a:effectRef idx="2">
+                <a:schemeClr val="accent1"/>
+              </a:effectRef>
+              <a:fontRef idx="minor">
+                <a:schemeClr val="lt1"/>
+              </a:fontRef>
+            </p:style>
+            <p:txBody>
+              <a:bodyPr rtlCol="0" anchor="ctr"/>
+              <a:lstStyle/>
+              <a:p>
+                <a:pPr algn="ctr"/>
+                <a:endParaRPr lang="en-US"/>
+              </a:p>
+            </p:txBody>
+          </p:sp>
+          <p:sp>
+            <p:nvSpPr>
+              <p:cNvPr id="101" name="Rectangle 100"/>
+              <p:cNvSpPr/>
+              <p:nvPr/>
+            </p:nvSpPr>
+            <p:spPr>
+              <a:xfrm rot="13178596">
+                <a:off x="3900839" y="3485290"/>
+                <a:ext cx="609012" cy="175483"/>
+              </a:xfrm>
+              <a:prstGeom prst="rect">
+                <a:avLst/>
+              </a:prstGeom>
+              <a:solidFill>
+                <a:srgbClr val="E88E9D"/>
+              </a:solidFill>
+              <a:ln>
+                <a:noFill/>
+              </a:ln>
+              <a:effectLst/>
+            </p:spPr>
+            <p:style>
+              <a:lnRef idx="1">
+                <a:schemeClr val="accent1"/>
+              </a:lnRef>
+              <a:fillRef idx="3">
+                <a:schemeClr val="accent1"/>
+              </a:fillRef>
+              <a:effectRef idx="2">
+                <a:schemeClr val="accent1"/>
+              </a:effectRef>
+              <a:fontRef idx="minor">
+                <a:schemeClr val="lt1"/>
+              </a:fontRef>
+            </p:style>
+            <p:txBody>
+              <a:bodyPr rtlCol="0" anchor="ctr"/>
+              <a:lstStyle/>
+              <a:p>
+                <a:pPr algn="ctr"/>
+                <a:endParaRPr lang="en-US"/>
+              </a:p>
+            </p:txBody>
+          </p:sp>
+        </p:grpSp>
+      </p:grpSp>
+      <p:sp>
+        <p:nvSpPr>
+          <p:cNvPr id="2" name="Rectangle 1"/>
+          <p:cNvSpPr/>
+          <p:nvPr/>
+        </p:nvSpPr>
+        <p:spPr>
+          <a:xfrm rot="10800000">
+            <a:off x="289306" y="2563282"/>
+            <a:ext cx="2121511" cy="1128538"/>
+          </a:xfrm>
+          <a:prstGeom prst="rect">
+            <a:avLst/>
+          </a:prstGeom>
+        </p:spPr>
+        <p:style>
+          <a:lnRef idx="1">
+            <a:schemeClr val="accent1"/>
+          </a:lnRef>
+          <a:fillRef idx="3">
+            <a:schemeClr val="accent1"/>
+          </a:fillRef>
+          <a:effectRef idx="2">
+            <a:schemeClr val="accent1"/>
+          </a:effectRef>
+          <a:fontRef idx="minor">
+            <a:schemeClr val="lt1"/>
+          </a:fontRef>
+        </p:style>
+        <p:txBody>
+          <a:bodyPr rtlCol="0" anchor="ctr"/>
+          <a:lstStyle/>
+          <a:p>
+            <a:pPr algn="ctr"/>
+            <a:endParaRPr lang="en-US"/>
+          </a:p>
+        </p:txBody>
+      </p:sp>
+    </p:spTree>
+    <p:extLst>
+      <p:ext uri="{BB962C8B-B14F-4D97-AF65-F5344CB8AC3E}">
+        <p14:creationId xmlns:p14="http://schemas.microsoft.com/office/powerpoint/2010/main" val="1011827004"/>
+      </p:ext>
+    </p:extLst>
+  </p:cSld>
+  <p:clrMapOvr>
+    <a:masterClrMapping/>
+  </p:clrMapOvr>
+</p:sld>
+</file>
+
 <file path=ppt/slides/slide6.xml><?xml version="1.0" encoding="utf-8"?>
 <p:sld xmlns:a="http://schemas.openxmlformats.org/drawingml/2006/main" xmlns:r="http://schemas.openxmlformats.org/officeDocument/2006/relationships" xmlns:p="http://schemas.openxmlformats.org/presentationml/2006/main">
   <p:cSld>

--- a/drawings/drawings.pptx
+++ b/drawings/drawings.pptx
@@ -247,7 +247,7 @@
           <a:p>
             <a:fld id="{7683D8CA-F43E-124B-AB4D-62223CDC2FAF}" type="datetimeFigureOut">
               <a:rPr lang="en-US" smtClean="0"/>
-              <a:t>9/23/15</a:t>
+              <a:t>11/11/15</a:t>
             </a:fld>
             <a:endParaRPr lang="en-US"/>
           </a:p>
@@ -1324,7 +1324,7 @@
           <a:p>
             <a:fld id="{0020FEAD-68D7-EE4B-A194-60FBEF693A60}" type="datetimeFigureOut">
               <a:rPr lang="en-US" smtClean="0"/>
-              <a:t>9/23/15</a:t>
+              <a:t>11/11/15</a:t>
             </a:fld>
             <a:endParaRPr lang="en-US"/>
           </a:p>
@@ -1494,7 +1494,7 @@
           <a:p>
             <a:fld id="{0020FEAD-68D7-EE4B-A194-60FBEF693A60}" type="datetimeFigureOut">
               <a:rPr lang="en-US" smtClean="0"/>
-              <a:t>9/23/15</a:t>
+              <a:t>11/11/15</a:t>
             </a:fld>
             <a:endParaRPr lang="en-US"/>
           </a:p>
@@ -1674,7 +1674,7 @@
           <a:p>
             <a:fld id="{0020FEAD-68D7-EE4B-A194-60FBEF693A60}" type="datetimeFigureOut">
               <a:rPr lang="en-US" smtClean="0"/>
-              <a:t>9/23/15</a:t>
+              <a:t>11/11/15</a:t>
             </a:fld>
             <a:endParaRPr lang="en-US"/>
           </a:p>
@@ -1844,7 +1844,7 @@
           <a:p>
             <a:fld id="{0020FEAD-68D7-EE4B-A194-60FBEF693A60}" type="datetimeFigureOut">
               <a:rPr lang="en-US" smtClean="0"/>
-              <a:t>9/23/15</a:t>
+              <a:t>11/11/15</a:t>
             </a:fld>
             <a:endParaRPr lang="en-US"/>
           </a:p>
@@ -2090,7 +2090,7 @@
           <a:p>
             <a:fld id="{0020FEAD-68D7-EE4B-A194-60FBEF693A60}" type="datetimeFigureOut">
               <a:rPr lang="en-US" smtClean="0"/>
-              <a:t>9/23/15</a:t>
+              <a:t>11/11/15</a:t>
             </a:fld>
             <a:endParaRPr lang="en-US"/>
           </a:p>
@@ -2378,7 +2378,7 @@
           <a:p>
             <a:fld id="{0020FEAD-68D7-EE4B-A194-60FBEF693A60}" type="datetimeFigureOut">
               <a:rPr lang="en-US" smtClean="0"/>
-              <a:t>9/23/15</a:t>
+              <a:t>11/11/15</a:t>
             </a:fld>
             <a:endParaRPr lang="en-US"/>
           </a:p>
@@ -2800,7 +2800,7 @@
           <a:p>
             <a:fld id="{0020FEAD-68D7-EE4B-A194-60FBEF693A60}" type="datetimeFigureOut">
               <a:rPr lang="en-US" smtClean="0"/>
-              <a:t>9/23/15</a:t>
+              <a:t>11/11/15</a:t>
             </a:fld>
             <a:endParaRPr lang="en-US"/>
           </a:p>
@@ -2918,7 +2918,7 @@
           <a:p>
             <a:fld id="{0020FEAD-68D7-EE4B-A194-60FBEF693A60}" type="datetimeFigureOut">
               <a:rPr lang="en-US" smtClean="0"/>
-              <a:t>9/23/15</a:t>
+              <a:t>11/11/15</a:t>
             </a:fld>
             <a:endParaRPr lang="en-US"/>
           </a:p>
@@ -3013,7 +3013,7 @@
           <a:p>
             <a:fld id="{0020FEAD-68D7-EE4B-A194-60FBEF693A60}" type="datetimeFigureOut">
               <a:rPr lang="en-US" smtClean="0"/>
-              <a:t>9/23/15</a:t>
+              <a:t>11/11/15</a:t>
             </a:fld>
             <a:endParaRPr lang="en-US"/>
           </a:p>
@@ -3290,7 +3290,7 @@
           <a:p>
             <a:fld id="{0020FEAD-68D7-EE4B-A194-60FBEF693A60}" type="datetimeFigureOut">
               <a:rPr lang="en-US" smtClean="0"/>
-              <a:t>9/23/15</a:t>
+              <a:t>11/11/15</a:t>
             </a:fld>
             <a:endParaRPr lang="en-US"/>
           </a:p>
@@ -3543,7 +3543,7 @@
           <a:p>
             <a:fld id="{0020FEAD-68D7-EE4B-A194-60FBEF693A60}" type="datetimeFigureOut">
               <a:rPr lang="en-US" smtClean="0"/>
-              <a:t>9/23/15</a:t>
+              <a:t>11/11/15</a:t>
             </a:fld>
             <a:endParaRPr lang="en-US"/>
           </a:p>
@@ -3756,7 +3756,7 @@
           <a:p>
             <a:fld id="{0020FEAD-68D7-EE4B-A194-60FBEF693A60}" type="datetimeFigureOut">
               <a:rPr lang="en-US" smtClean="0"/>
-              <a:t>9/23/15</a:t>
+              <a:t>11/11/15</a:t>
             </a:fld>
             <a:endParaRPr lang="en-US"/>
           </a:p>
@@ -32107,494 +32107,47 @@
           <a:chExt cx="0" cy="0"/>
         </a:xfrm>
       </p:grpSpPr>
-      <p:sp>
-        <p:nvSpPr>
-          <p:cNvPr id="5" name="Rectangle 4"/>
-          <p:cNvSpPr/>
-          <p:nvPr/>
-        </p:nvSpPr>
-        <p:spPr>
-          <a:xfrm>
-            <a:off x="986118" y="1867647"/>
-            <a:ext cx="4811058" cy="3167530"/>
-          </a:xfrm>
-          <a:prstGeom prst="rect">
-            <a:avLst/>
-          </a:prstGeom>
-          <a:gradFill>
-            <a:gsLst>
-              <a:gs pos="0">
-                <a:schemeClr val="tx2"/>
-              </a:gs>
-              <a:gs pos="100000">
-                <a:schemeClr val="tx2">
-                  <a:lumMod val="60000"/>
-                  <a:lumOff val="40000"/>
-                </a:schemeClr>
-              </a:gs>
-            </a:gsLst>
-          </a:gradFill>
-          <a:ln>
-            <a:noFill/>
-          </a:ln>
-          <a:effectLst/>
-        </p:spPr>
-        <p:style>
-          <a:lnRef idx="1">
-            <a:schemeClr val="accent1"/>
-          </a:lnRef>
-          <a:fillRef idx="3">
-            <a:schemeClr val="accent1"/>
-          </a:fillRef>
-          <a:effectRef idx="2">
-            <a:schemeClr val="accent1"/>
-          </a:effectRef>
-          <a:fontRef idx="minor">
-            <a:schemeClr val="lt1"/>
-          </a:fontRef>
-        </p:style>
-        <p:txBody>
-          <a:bodyPr rtlCol="0" anchor="ctr"/>
-          <a:lstStyle/>
-          <a:p>
-            <a:pPr algn="ctr"/>
-            <a:endParaRPr lang="en-US"/>
-          </a:p>
-        </p:txBody>
-      </p:sp>
-      <p:sp>
-        <p:nvSpPr>
-          <p:cNvPr id="4" name="Rectangle 3"/>
-          <p:cNvSpPr/>
-          <p:nvPr/>
-        </p:nvSpPr>
-        <p:spPr>
-          <a:xfrm>
-            <a:off x="2712114" y="2529154"/>
-            <a:ext cx="1073825" cy="744512"/>
-          </a:xfrm>
-          <a:prstGeom prst="rect">
-            <a:avLst/>
-          </a:prstGeom>
-          <a:solidFill>
-            <a:schemeClr val="bg1"/>
-          </a:solidFill>
-          <a:ln>
-            <a:noFill/>
-          </a:ln>
-          <a:effectLst/>
-        </p:spPr>
-        <p:style>
-          <a:lnRef idx="1">
-            <a:schemeClr val="accent1"/>
-          </a:lnRef>
-          <a:fillRef idx="3">
-            <a:schemeClr val="accent1"/>
-          </a:fillRef>
-          <a:effectRef idx="2">
-            <a:schemeClr val="accent1"/>
-          </a:effectRef>
-          <a:fontRef idx="minor">
-            <a:schemeClr val="lt1"/>
-          </a:fontRef>
-        </p:style>
-        <p:txBody>
-          <a:bodyPr rtlCol="0" anchor="ctr"/>
-          <a:lstStyle/>
-          <a:p>
-            <a:pPr algn="ctr"/>
-            <a:endParaRPr lang="en-US"/>
-          </a:p>
-        </p:txBody>
-      </p:sp>
-      <p:sp>
-        <p:nvSpPr>
-          <p:cNvPr id="12" name="Rounded Rectangle 11"/>
-          <p:cNvSpPr/>
-          <p:nvPr/>
-        </p:nvSpPr>
-        <p:spPr>
-          <a:xfrm>
-            <a:off x="3679361" y="3069949"/>
-            <a:ext cx="340188" cy="117844"/>
-          </a:xfrm>
-          <a:prstGeom prst="roundRect">
-            <a:avLst/>
-          </a:prstGeom>
-          <a:solidFill>
-            <a:srgbClr val="FFFFFF"/>
-          </a:solidFill>
-          <a:ln>
-            <a:noFill/>
-          </a:ln>
-          <a:effectLst/>
-        </p:spPr>
-        <p:style>
-          <a:lnRef idx="1">
-            <a:schemeClr val="accent1"/>
-          </a:lnRef>
-          <a:fillRef idx="3">
-            <a:schemeClr val="accent1"/>
-          </a:fillRef>
-          <a:effectRef idx="2">
-            <a:schemeClr val="accent1"/>
-          </a:effectRef>
-          <a:fontRef idx="minor">
-            <a:schemeClr val="lt1"/>
-          </a:fontRef>
-        </p:style>
-        <p:txBody>
-          <a:bodyPr rtlCol="0" anchor="ctr"/>
-          <a:lstStyle/>
-          <a:p>
-            <a:pPr algn="ctr"/>
-            <a:endParaRPr lang="en-US"/>
-          </a:p>
-        </p:txBody>
-      </p:sp>
-      <p:sp>
-        <p:nvSpPr>
-          <p:cNvPr id="2" name="Rectangle 1"/>
-          <p:cNvSpPr/>
-          <p:nvPr/>
-        </p:nvSpPr>
-        <p:spPr>
-          <a:xfrm>
-            <a:off x="2581221" y="4307148"/>
-            <a:ext cx="1335610" cy="201473"/>
-          </a:xfrm>
-          <a:prstGeom prst="rect">
-            <a:avLst/>
-          </a:prstGeom>
-          <a:solidFill>
-            <a:srgbClr val="FFFFFF"/>
-          </a:solidFill>
-          <a:ln>
-            <a:noFill/>
-          </a:ln>
-          <a:effectLst/>
-        </p:spPr>
-        <p:style>
-          <a:lnRef idx="1">
-            <a:schemeClr val="accent1"/>
-          </a:lnRef>
-          <a:fillRef idx="3">
-            <a:schemeClr val="accent1"/>
-          </a:fillRef>
-          <a:effectRef idx="2">
-            <a:schemeClr val="accent1"/>
-          </a:effectRef>
-          <a:fontRef idx="minor">
-            <a:schemeClr val="lt1"/>
-          </a:fontRef>
-        </p:style>
-        <p:txBody>
-          <a:bodyPr rtlCol="0" anchor="ctr"/>
-          <a:lstStyle/>
-          <a:p>
-            <a:pPr algn="ctr"/>
-            <a:endParaRPr lang="en-US"/>
-          </a:p>
-        </p:txBody>
-      </p:sp>
-      <p:sp>
-        <p:nvSpPr>
-          <p:cNvPr id="9" name="Rectangle 8"/>
-          <p:cNvSpPr/>
-          <p:nvPr/>
-        </p:nvSpPr>
-        <p:spPr>
-          <a:xfrm>
-            <a:off x="2899666" y="2683752"/>
-            <a:ext cx="698721" cy="470807"/>
-          </a:xfrm>
-          <a:prstGeom prst="rect">
-            <a:avLst/>
-          </a:prstGeom>
-          <a:ln>
-            <a:noFill/>
-          </a:ln>
-          <a:effectLst/>
-        </p:spPr>
-        <p:style>
-          <a:lnRef idx="1">
-            <a:schemeClr val="accent1"/>
-          </a:lnRef>
-          <a:fillRef idx="3">
-            <a:schemeClr val="accent1"/>
-          </a:fillRef>
-          <a:effectRef idx="2">
-            <a:schemeClr val="accent1"/>
-          </a:effectRef>
-          <a:fontRef idx="minor">
-            <a:schemeClr val="lt1"/>
-          </a:fontRef>
-        </p:style>
-        <p:txBody>
-          <a:bodyPr rtlCol="0" anchor="ctr"/>
-          <a:lstStyle/>
-          <a:p>
-            <a:pPr algn="ctr"/>
-            <a:endParaRPr lang="en-US"/>
-          </a:p>
-        </p:txBody>
-      </p:sp>
-      <p:sp>
-        <p:nvSpPr>
-          <p:cNvPr id="20" name="Rounded Rectangle 19"/>
-          <p:cNvSpPr/>
-          <p:nvPr/>
-        </p:nvSpPr>
-        <p:spPr>
-          <a:xfrm rot="3219055">
-            <a:off x="3907823" y="2906710"/>
-            <a:ext cx="413246" cy="88813"/>
-          </a:xfrm>
-          <a:prstGeom prst="roundRect">
-            <a:avLst/>
-          </a:prstGeom>
-          <a:solidFill>
-            <a:srgbClr val="FFFFFF"/>
-          </a:solidFill>
-          <a:ln>
-            <a:noFill/>
-          </a:ln>
-          <a:effectLst/>
-        </p:spPr>
-        <p:style>
-          <a:lnRef idx="1">
-            <a:schemeClr val="accent1"/>
-          </a:lnRef>
-          <a:fillRef idx="3">
-            <a:schemeClr val="accent1"/>
-          </a:fillRef>
-          <a:effectRef idx="2">
-            <a:schemeClr val="accent1"/>
-          </a:effectRef>
-          <a:fontRef idx="minor">
-            <a:schemeClr val="lt1"/>
-          </a:fontRef>
-        </p:style>
-        <p:txBody>
-          <a:bodyPr rtlCol="0" anchor="ctr"/>
-          <a:lstStyle/>
-          <a:p>
-            <a:pPr algn="ctr"/>
-            <a:endParaRPr lang="en-US"/>
-          </a:p>
-        </p:txBody>
-      </p:sp>
-      <p:sp>
-        <p:nvSpPr>
-          <p:cNvPr id="24" name="Rounded Rectangle 23"/>
-          <p:cNvSpPr/>
-          <p:nvPr/>
-        </p:nvSpPr>
-        <p:spPr>
-          <a:xfrm>
-            <a:off x="3953987" y="3070062"/>
-            <a:ext cx="100396" cy="1162485"/>
-          </a:xfrm>
-          <a:prstGeom prst="roundRect">
-            <a:avLst/>
-          </a:prstGeom>
-          <a:solidFill>
-            <a:schemeClr val="bg1"/>
-          </a:solidFill>
-          <a:ln>
-            <a:noFill/>
-          </a:ln>
-          <a:effectLst/>
-        </p:spPr>
-        <p:style>
-          <a:lnRef idx="1">
-            <a:schemeClr val="accent1"/>
-          </a:lnRef>
-          <a:fillRef idx="3">
-            <a:schemeClr val="accent1"/>
-          </a:fillRef>
-          <a:effectRef idx="2">
-            <a:schemeClr val="accent1"/>
-          </a:effectRef>
-          <a:fontRef idx="minor">
-            <a:schemeClr val="lt1"/>
-          </a:fontRef>
-        </p:style>
-        <p:txBody>
-          <a:bodyPr rtlCol="0" anchor="ctr"/>
-          <a:lstStyle/>
-          <a:p>
-            <a:pPr algn="ctr"/>
-            <a:endParaRPr lang="en-US"/>
-          </a:p>
-        </p:txBody>
-      </p:sp>
-      <p:sp>
-        <p:nvSpPr>
-          <p:cNvPr id="35" name="Rounded Rectangle 34"/>
-          <p:cNvSpPr/>
-          <p:nvPr/>
-        </p:nvSpPr>
-        <p:spPr>
-          <a:xfrm rot="5400000">
-            <a:off x="4069514" y="4036470"/>
-            <a:ext cx="100396" cy="291760"/>
-          </a:xfrm>
-          <a:prstGeom prst="roundRect">
-            <a:avLst/>
-          </a:prstGeom>
-          <a:solidFill>
-            <a:schemeClr val="bg1"/>
-          </a:solidFill>
-          <a:ln>
-            <a:noFill/>
-          </a:ln>
-          <a:effectLst/>
-        </p:spPr>
-        <p:style>
-          <a:lnRef idx="1">
-            <a:schemeClr val="accent1"/>
-          </a:lnRef>
-          <a:fillRef idx="3">
-            <a:schemeClr val="accent1"/>
-          </a:fillRef>
-          <a:effectRef idx="2">
-            <a:schemeClr val="accent1"/>
-          </a:effectRef>
-          <a:fontRef idx="minor">
-            <a:schemeClr val="lt1"/>
-          </a:fontRef>
-        </p:style>
-        <p:txBody>
-          <a:bodyPr rtlCol="0" anchor="ctr"/>
-          <a:lstStyle/>
-          <a:p>
-            <a:pPr algn="ctr"/>
-            <a:endParaRPr lang="en-US"/>
-          </a:p>
-        </p:txBody>
-      </p:sp>
-      <p:sp>
-        <p:nvSpPr>
-          <p:cNvPr id="36" name="Rounded Rectangle 35"/>
-          <p:cNvSpPr/>
-          <p:nvPr/>
-        </p:nvSpPr>
-        <p:spPr>
-          <a:xfrm>
-            <a:off x="4170018" y="3069949"/>
-            <a:ext cx="100396" cy="1162599"/>
-          </a:xfrm>
-          <a:prstGeom prst="roundRect">
-            <a:avLst/>
-          </a:prstGeom>
-          <a:solidFill>
-            <a:schemeClr val="bg1"/>
-          </a:solidFill>
-          <a:ln>
-            <a:noFill/>
-          </a:ln>
-          <a:effectLst/>
-        </p:spPr>
-        <p:style>
-          <a:lnRef idx="1">
-            <a:schemeClr val="accent1"/>
-          </a:lnRef>
-          <a:fillRef idx="3">
-            <a:schemeClr val="accent1"/>
-          </a:fillRef>
-          <a:effectRef idx="2">
-            <a:schemeClr val="accent1"/>
-          </a:effectRef>
-          <a:fontRef idx="minor">
-            <a:schemeClr val="lt1"/>
-          </a:fontRef>
-        </p:style>
-        <p:txBody>
-          <a:bodyPr rtlCol="0" anchor="ctr"/>
-          <a:lstStyle/>
-          <a:p>
-            <a:pPr algn="ctr"/>
-            <a:endParaRPr lang="en-US"/>
-          </a:p>
-        </p:txBody>
-      </p:sp>
-      <p:sp>
-        <p:nvSpPr>
-          <p:cNvPr id="18" name="Rectangle 17"/>
-          <p:cNvSpPr/>
-          <p:nvPr/>
-        </p:nvSpPr>
-        <p:spPr>
-          <a:xfrm>
-            <a:off x="2757134" y="3187793"/>
-            <a:ext cx="983785" cy="1186218"/>
-          </a:xfrm>
-          <a:prstGeom prst="rect">
-            <a:avLst/>
-          </a:prstGeom>
-          <a:solidFill>
-            <a:schemeClr val="bg1"/>
-          </a:solidFill>
-          <a:ln>
-            <a:noFill/>
-          </a:ln>
-          <a:effectLst/>
-        </p:spPr>
-        <p:style>
-          <a:lnRef idx="1">
-            <a:schemeClr val="accent1"/>
-          </a:lnRef>
-          <a:fillRef idx="3">
-            <a:schemeClr val="accent1"/>
-          </a:fillRef>
-          <a:effectRef idx="2">
-            <a:schemeClr val="accent1"/>
-          </a:effectRef>
-          <a:fontRef idx="minor">
-            <a:schemeClr val="lt1"/>
-          </a:fontRef>
-        </p:style>
-        <p:txBody>
-          <a:bodyPr rtlCol="0" anchor="ctr"/>
-          <a:lstStyle/>
-          <a:p>
-            <a:pPr algn="ctr"/>
-            <a:endParaRPr lang="en-US"/>
-          </a:p>
-        </p:txBody>
-      </p:sp>
       <p:grpSp>
         <p:nvGrpSpPr>
-          <p:cNvPr id="3" name="Group 2"/>
+          <p:cNvPr id="7" name="Group 6"/>
           <p:cNvGrpSpPr/>
           <p:nvPr/>
         </p:nvGrpSpPr>
         <p:grpSpPr>
           <a:xfrm>
-            <a:off x="2843776" y="3390996"/>
-            <a:ext cx="810501" cy="813729"/>
-            <a:chOff x="2858712" y="3390996"/>
-            <a:chExt cx="810501" cy="813729"/>
+            <a:off x="2448148" y="1867646"/>
+            <a:ext cx="7062741" cy="7078798"/>
+            <a:chOff x="2448148" y="1867646"/>
+            <a:chExt cx="7062741" cy="7078798"/>
           </a:xfrm>
         </p:grpSpPr>
         <p:sp>
           <p:nvSpPr>
-            <p:cNvPr id="37" name="Rectangle 36"/>
+            <p:cNvPr id="5" name="Rectangle 4"/>
             <p:cNvSpPr/>
             <p:nvPr/>
           </p:nvSpPr>
           <p:spPr>
-            <a:xfrm rot="13178596">
-              <a:off x="3124081" y="3468507"/>
-              <a:ext cx="289887" cy="591359"/>
+            <a:xfrm>
+              <a:off x="2448148" y="1867646"/>
+              <a:ext cx="7062741" cy="7078798"/>
             </a:xfrm>
             <a:prstGeom prst="rect">
               <a:avLst/>
             </a:prstGeom>
-            <a:solidFill>
-              <a:srgbClr val="FFEA79"/>
-            </a:solidFill>
+            <a:gradFill>
+              <a:gsLst>
+                <a:gs pos="0">
+                  <a:schemeClr val="tx2"/>
+                </a:gs>
+                <a:gs pos="100000">
+                  <a:schemeClr val="tx2">
+                    <a:lumMod val="60000"/>
+                    <a:lumOff val="40000"/>
+                  </a:schemeClr>
+                </a:gs>
+              </a:gsLst>
+            </a:gradFill>
             <a:ln>
               <a:noFill/>
             </a:ln>
@@ -32618,285 +32171,764 @@
             <a:bodyPr rtlCol="0" anchor="ctr"/>
             <a:lstStyle/>
             <a:p>
-              <a:pPr algn="ctr"/>
+              <a:pPr algn="just"/>
               <a:endParaRPr lang="en-US"/>
             </a:p>
           </p:txBody>
         </p:sp>
-        <p:sp>
-          <p:nvSpPr>
-            <p:cNvPr id="38" name="Rectangle 37"/>
-            <p:cNvSpPr/>
+        <p:grpSp>
+          <p:nvGrpSpPr>
+            <p:cNvPr id="6" name="Group 5"/>
+            <p:cNvGrpSpPr>
+              <a:grpSpLocks noChangeAspect="1"/>
+            </p:cNvGrpSpPr>
             <p:nvPr/>
-          </p:nvSpPr>
-          <p:spPr>
-            <a:xfrm rot="13178596">
-              <a:off x="3220970" y="3466641"/>
-              <a:ext cx="91604" cy="591359"/>
+          </p:nvGrpSpPr>
+          <p:grpSpPr>
+            <a:xfrm>
+              <a:off x="3783562" y="2833738"/>
+              <a:ext cx="4391913" cy="5146614"/>
+              <a:chOff x="2581221" y="2529154"/>
+              <a:chExt cx="1689193" cy="1979467"/>
             </a:xfrm>
-            <a:prstGeom prst="rect">
-              <a:avLst/>
-            </a:prstGeom>
-            <a:solidFill>
-              <a:srgbClr val="EAD66F"/>
-            </a:solidFill>
-            <a:ln>
-              <a:noFill/>
-            </a:ln>
-            <a:effectLst/>
-          </p:spPr>
-          <p:style>
-            <a:lnRef idx="1">
-              <a:schemeClr val="accent1"/>
-            </a:lnRef>
-            <a:fillRef idx="3">
-              <a:schemeClr val="accent1"/>
-            </a:fillRef>
-            <a:effectRef idx="2">
-              <a:schemeClr val="accent1"/>
-            </a:effectRef>
-            <a:fontRef idx="minor">
-              <a:schemeClr val="lt1"/>
-            </a:fontRef>
-          </p:style>
-          <p:txBody>
-            <a:bodyPr rtlCol="0" anchor="ctr"/>
-            <a:lstStyle/>
-            <a:p>
-              <a:pPr algn="ctr"/>
-              <a:endParaRPr lang="en-US"/>
-            </a:p>
-          </p:txBody>
-        </p:sp>
-        <p:sp>
-          <p:nvSpPr>
-            <p:cNvPr id="39" name="Rectangle 38"/>
-            <p:cNvSpPr/>
-            <p:nvPr/>
-          </p:nvSpPr>
-          <p:spPr>
-            <a:xfrm rot="13178596">
-              <a:off x="3334887" y="3475024"/>
-              <a:ext cx="289887" cy="69469"/>
-            </a:xfrm>
-            <a:prstGeom prst="rect">
-              <a:avLst/>
-            </a:prstGeom>
-            <a:solidFill>
-              <a:schemeClr val="bg1">
-                <a:lumMod val="50000"/>
-              </a:schemeClr>
-            </a:solidFill>
-            <a:ln>
-              <a:noFill/>
-            </a:ln>
-            <a:effectLst/>
-          </p:spPr>
-          <p:style>
-            <a:lnRef idx="1">
-              <a:schemeClr val="accent1"/>
-            </a:lnRef>
-            <a:fillRef idx="3">
-              <a:schemeClr val="accent1"/>
-            </a:fillRef>
-            <a:effectRef idx="2">
-              <a:schemeClr val="accent1"/>
-            </a:effectRef>
-            <a:fontRef idx="minor">
-              <a:schemeClr val="lt1"/>
-            </a:fontRef>
-          </p:style>
-          <p:txBody>
-            <a:bodyPr rtlCol="0" anchor="ctr"/>
-            <a:lstStyle/>
-            <a:p>
-              <a:pPr algn="ctr"/>
-              <a:endParaRPr lang="en-US"/>
-            </a:p>
-          </p:txBody>
-        </p:sp>
-        <p:sp>
-          <p:nvSpPr>
-            <p:cNvPr id="40" name="Rounded Rectangle 39"/>
-            <p:cNvSpPr/>
-            <p:nvPr/>
-          </p:nvSpPr>
-          <p:spPr>
-            <a:xfrm rot="13178596">
-              <a:off x="3379326" y="3390996"/>
-              <a:ext cx="289887" cy="130256"/>
-            </a:xfrm>
-            <a:prstGeom prst="roundRect">
-              <a:avLst/>
-            </a:prstGeom>
-            <a:solidFill>
-              <a:srgbClr val="E88E9D"/>
-            </a:solidFill>
-            <a:ln>
-              <a:noFill/>
-            </a:ln>
-            <a:effectLst/>
-          </p:spPr>
-          <p:style>
-            <a:lnRef idx="1">
-              <a:schemeClr val="accent1"/>
-            </a:lnRef>
-            <a:fillRef idx="3">
-              <a:schemeClr val="accent1"/>
-            </a:fillRef>
-            <a:effectRef idx="2">
-              <a:schemeClr val="accent1"/>
-            </a:effectRef>
-            <a:fontRef idx="minor">
-              <a:schemeClr val="lt1"/>
-            </a:fontRef>
-          </p:style>
-          <p:txBody>
-            <a:bodyPr rtlCol="0" anchor="ctr"/>
-            <a:lstStyle/>
-            <a:p>
-              <a:pPr algn="ctr"/>
-              <a:endParaRPr lang="en-US"/>
-            </a:p>
-          </p:txBody>
-        </p:sp>
-        <p:sp>
-          <p:nvSpPr>
-            <p:cNvPr id="41" name="Isosceles Triangle 40"/>
-            <p:cNvSpPr/>
-            <p:nvPr/>
-          </p:nvSpPr>
-          <p:spPr>
-            <a:xfrm rot="13178596">
-              <a:off x="2858712" y="3964215"/>
-              <a:ext cx="289887" cy="240510"/>
-            </a:xfrm>
-            <a:prstGeom prst="triangle">
-              <a:avLst/>
-            </a:prstGeom>
-            <a:solidFill>
-              <a:schemeClr val="bg2">
-                <a:lumMod val="90000"/>
-              </a:schemeClr>
-            </a:solidFill>
-            <a:ln>
-              <a:noFill/>
-            </a:ln>
-            <a:effectLst/>
-          </p:spPr>
-          <p:style>
-            <a:lnRef idx="1">
-              <a:schemeClr val="accent1"/>
-            </a:lnRef>
-            <a:fillRef idx="3">
-              <a:schemeClr val="accent1"/>
-            </a:fillRef>
-            <a:effectRef idx="2">
-              <a:schemeClr val="accent1"/>
-            </a:effectRef>
-            <a:fontRef idx="minor">
-              <a:schemeClr val="lt1"/>
-            </a:fontRef>
-          </p:style>
-          <p:txBody>
-            <a:bodyPr rtlCol="0" anchor="ctr"/>
-            <a:lstStyle/>
-            <a:p>
-              <a:pPr algn="ctr"/>
-              <a:endParaRPr lang="en-US"/>
-            </a:p>
-          </p:txBody>
-        </p:sp>
-        <p:sp>
-          <p:nvSpPr>
-            <p:cNvPr id="42" name="Isosceles Triangle 41"/>
-            <p:cNvSpPr/>
-            <p:nvPr/>
-          </p:nvSpPr>
-          <p:spPr>
-            <a:xfrm rot="13178596">
-              <a:off x="2896143" y="4094893"/>
-              <a:ext cx="113837" cy="102097"/>
-            </a:xfrm>
-            <a:prstGeom prst="triangle">
-              <a:avLst/>
-            </a:prstGeom>
-            <a:solidFill>
-              <a:schemeClr val="tx1"/>
-            </a:solidFill>
-            <a:ln>
-              <a:noFill/>
-            </a:ln>
-            <a:effectLst/>
-          </p:spPr>
-          <p:style>
-            <a:lnRef idx="1">
-              <a:schemeClr val="accent1"/>
-            </a:lnRef>
-            <a:fillRef idx="3">
-              <a:schemeClr val="accent1"/>
-            </a:fillRef>
-            <a:effectRef idx="2">
-              <a:schemeClr val="accent1"/>
-            </a:effectRef>
-            <a:fontRef idx="minor">
-              <a:schemeClr val="lt1"/>
-            </a:fontRef>
-          </p:style>
-          <p:txBody>
-            <a:bodyPr rtlCol="0" anchor="ctr"/>
-            <a:lstStyle/>
-            <a:p>
-              <a:pPr algn="ctr"/>
-              <a:endParaRPr lang="en-US"/>
-            </a:p>
-          </p:txBody>
-        </p:sp>
-        <p:sp>
-          <p:nvSpPr>
-            <p:cNvPr id="43" name="Rectangle 42"/>
-            <p:cNvSpPr/>
-            <p:nvPr/>
-          </p:nvSpPr>
-          <p:spPr>
-            <a:xfrm rot="13178596">
-              <a:off x="3375602" y="3397737"/>
-              <a:ext cx="289887" cy="125760"/>
-            </a:xfrm>
-            <a:prstGeom prst="rect">
-              <a:avLst/>
-            </a:prstGeom>
-            <a:solidFill>
-              <a:srgbClr val="E88E9D"/>
-            </a:solidFill>
-            <a:ln>
-              <a:noFill/>
-            </a:ln>
-            <a:effectLst/>
-          </p:spPr>
-          <p:style>
-            <a:lnRef idx="1">
-              <a:schemeClr val="accent1"/>
-            </a:lnRef>
-            <a:fillRef idx="3">
-              <a:schemeClr val="accent1"/>
-            </a:fillRef>
-            <a:effectRef idx="2">
-              <a:schemeClr val="accent1"/>
-            </a:effectRef>
-            <a:fontRef idx="minor">
-              <a:schemeClr val="lt1"/>
-            </a:fontRef>
-          </p:style>
-          <p:txBody>
-            <a:bodyPr rtlCol="0" anchor="ctr"/>
-            <a:lstStyle/>
-            <a:p>
-              <a:pPr algn="ctr"/>
-              <a:endParaRPr lang="en-US"/>
-            </a:p>
-          </p:txBody>
-        </p:sp>
+          </p:grpSpPr>
+          <p:sp>
+            <p:nvSpPr>
+              <p:cNvPr id="4" name="Rectangle 3"/>
+              <p:cNvSpPr/>
+              <p:nvPr/>
+            </p:nvSpPr>
+            <p:spPr>
+              <a:xfrm>
+                <a:off x="2712114" y="2529154"/>
+                <a:ext cx="1073825" cy="744512"/>
+              </a:xfrm>
+              <a:prstGeom prst="rect">
+                <a:avLst/>
+              </a:prstGeom>
+              <a:solidFill>
+                <a:schemeClr val="bg1"/>
+              </a:solidFill>
+              <a:ln>
+                <a:noFill/>
+              </a:ln>
+              <a:effectLst/>
+            </p:spPr>
+            <p:style>
+              <a:lnRef idx="1">
+                <a:schemeClr val="accent1"/>
+              </a:lnRef>
+              <a:fillRef idx="3">
+                <a:schemeClr val="accent1"/>
+              </a:fillRef>
+              <a:effectRef idx="2">
+                <a:schemeClr val="accent1"/>
+              </a:effectRef>
+              <a:fontRef idx="minor">
+                <a:schemeClr val="lt1"/>
+              </a:fontRef>
+            </p:style>
+            <p:txBody>
+              <a:bodyPr rtlCol="0" anchor="ctr"/>
+              <a:lstStyle/>
+              <a:p>
+                <a:pPr algn="just"/>
+                <a:endParaRPr lang="en-US"/>
+              </a:p>
+            </p:txBody>
+          </p:sp>
+          <p:sp>
+            <p:nvSpPr>
+              <p:cNvPr id="12" name="Rounded Rectangle 11"/>
+              <p:cNvSpPr/>
+              <p:nvPr/>
+            </p:nvSpPr>
+            <p:spPr>
+              <a:xfrm>
+                <a:off x="3679361" y="3069949"/>
+                <a:ext cx="340188" cy="117844"/>
+              </a:xfrm>
+              <a:prstGeom prst="roundRect">
+                <a:avLst/>
+              </a:prstGeom>
+              <a:solidFill>
+                <a:srgbClr val="FFFFFF"/>
+              </a:solidFill>
+              <a:ln>
+                <a:noFill/>
+              </a:ln>
+              <a:effectLst/>
+            </p:spPr>
+            <p:style>
+              <a:lnRef idx="1">
+                <a:schemeClr val="accent1"/>
+              </a:lnRef>
+              <a:fillRef idx="3">
+                <a:schemeClr val="accent1"/>
+              </a:fillRef>
+              <a:effectRef idx="2">
+                <a:schemeClr val="accent1"/>
+              </a:effectRef>
+              <a:fontRef idx="minor">
+                <a:schemeClr val="lt1"/>
+              </a:fontRef>
+            </p:style>
+            <p:txBody>
+              <a:bodyPr rtlCol="0" anchor="ctr"/>
+              <a:lstStyle/>
+              <a:p>
+                <a:pPr algn="just"/>
+                <a:endParaRPr lang="en-US"/>
+              </a:p>
+            </p:txBody>
+          </p:sp>
+          <p:sp>
+            <p:nvSpPr>
+              <p:cNvPr id="2" name="Rectangle 1"/>
+              <p:cNvSpPr/>
+              <p:nvPr/>
+            </p:nvSpPr>
+            <p:spPr>
+              <a:xfrm>
+                <a:off x="2581221" y="4307148"/>
+                <a:ext cx="1335610" cy="201473"/>
+              </a:xfrm>
+              <a:prstGeom prst="rect">
+                <a:avLst/>
+              </a:prstGeom>
+              <a:solidFill>
+                <a:srgbClr val="FFFFFF"/>
+              </a:solidFill>
+              <a:ln>
+                <a:noFill/>
+              </a:ln>
+              <a:effectLst/>
+            </p:spPr>
+            <p:style>
+              <a:lnRef idx="1">
+                <a:schemeClr val="accent1"/>
+              </a:lnRef>
+              <a:fillRef idx="3">
+                <a:schemeClr val="accent1"/>
+              </a:fillRef>
+              <a:effectRef idx="2">
+                <a:schemeClr val="accent1"/>
+              </a:effectRef>
+              <a:fontRef idx="minor">
+                <a:schemeClr val="lt1"/>
+              </a:fontRef>
+            </p:style>
+            <p:txBody>
+              <a:bodyPr rtlCol="0" anchor="ctr"/>
+              <a:lstStyle/>
+              <a:p>
+                <a:pPr algn="just"/>
+                <a:endParaRPr lang="en-US"/>
+              </a:p>
+            </p:txBody>
+          </p:sp>
+          <p:sp>
+            <p:nvSpPr>
+              <p:cNvPr id="9" name="Rectangle 8"/>
+              <p:cNvSpPr/>
+              <p:nvPr/>
+            </p:nvSpPr>
+            <p:spPr>
+              <a:xfrm>
+                <a:off x="2899666" y="2683752"/>
+                <a:ext cx="698721" cy="470807"/>
+              </a:xfrm>
+              <a:prstGeom prst="rect">
+                <a:avLst/>
+              </a:prstGeom>
+              <a:ln>
+                <a:noFill/>
+              </a:ln>
+              <a:effectLst/>
+            </p:spPr>
+            <p:style>
+              <a:lnRef idx="1">
+                <a:schemeClr val="accent1"/>
+              </a:lnRef>
+              <a:fillRef idx="3">
+                <a:schemeClr val="accent1"/>
+              </a:fillRef>
+              <a:effectRef idx="2">
+                <a:schemeClr val="accent1"/>
+              </a:effectRef>
+              <a:fontRef idx="minor">
+                <a:schemeClr val="lt1"/>
+              </a:fontRef>
+            </p:style>
+            <p:txBody>
+              <a:bodyPr rtlCol="0" anchor="ctr"/>
+              <a:lstStyle/>
+              <a:p>
+                <a:pPr algn="just"/>
+                <a:endParaRPr lang="en-US"/>
+              </a:p>
+            </p:txBody>
+          </p:sp>
+          <p:sp>
+            <p:nvSpPr>
+              <p:cNvPr id="20" name="Rounded Rectangle 19"/>
+              <p:cNvSpPr/>
+              <p:nvPr/>
+            </p:nvSpPr>
+            <p:spPr>
+              <a:xfrm rot="3219055">
+                <a:off x="3907823" y="2906710"/>
+                <a:ext cx="413246" cy="88813"/>
+              </a:xfrm>
+              <a:prstGeom prst="roundRect">
+                <a:avLst/>
+              </a:prstGeom>
+              <a:solidFill>
+                <a:srgbClr val="FFFFFF"/>
+              </a:solidFill>
+              <a:ln>
+                <a:noFill/>
+              </a:ln>
+              <a:effectLst/>
+            </p:spPr>
+            <p:style>
+              <a:lnRef idx="1">
+                <a:schemeClr val="accent1"/>
+              </a:lnRef>
+              <a:fillRef idx="3">
+                <a:schemeClr val="accent1"/>
+              </a:fillRef>
+              <a:effectRef idx="2">
+                <a:schemeClr val="accent1"/>
+              </a:effectRef>
+              <a:fontRef idx="minor">
+                <a:schemeClr val="lt1"/>
+              </a:fontRef>
+            </p:style>
+            <p:txBody>
+              <a:bodyPr rtlCol="0" anchor="ctr"/>
+              <a:lstStyle/>
+              <a:p>
+                <a:pPr algn="just"/>
+                <a:endParaRPr lang="en-US"/>
+              </a:p>
+            </p:txBody>
+          </p:sp>
+          <p:sp>
+            <p:nvSpPr>
+              <p:cNvPr id="24" name="Rounded Rectangle 23"/>
+              <p:cNvSpPr/>
+              <p:nvPr/>
+            </p:nvSpPr>
+            <p:spPr>
+              <a:xfrm>
+                <a:off x="3953987" y="3070062"/>
+                <a:ext cx="100396" cy="1162485"/>
+              </a:xfrm>
+              <a:prstGeom prst="roundRect">
+                <a:avLst/>
+              </a:prstGeom>
+              <a:solidFill>
+                <a:schemeClr val="bg1"/>
+              </a:solidFill>
+              <a:ln>
+                <a:noFill/>
+              </a:ln>
+              <a:effectLst/>
+            </p:spPr>
+            <p:style>
+              <a:lnRef idx="1">
+                <a:schemeClr val="accent1"/>
+              </a:lnRef>
+              <a:fillRef idx="3">
+                <a:schemeClr val="accent1"/>
+              </a:fillRef>
+              <a:effectRef idx="2">
+                <a:schemeClr val="accent1"/>
+              </a:effectRef>
+              <a:fontRef idx="minor">
+                <a:schemeClr val="lt1"/>
+              </a:fontRef>
+            </p:style>
+            <p:txBody>
+              <a:bodyPr rtlCol="0" anchor="ctr"/>
+              <a:lstStyle/>
+              <a:p>
+                <a:pPr algn="just"/>
+                <a:endParaRPr lang="en-US"/>
+              </a:p>
+            </p:txBody>
+          </p:sp>
+          <p:sp>
+            <p:nvSpPr>
+              <p:cNvPr id="35" name="Rounded Rectangle 34"/>
+              <p:cNvSpPr/>
+              <p:nvPr/>
+            </p:nvSpPr>
+            <p:spPr>
+              <a:xfrm rot="5400000">
+                <a:off x="4069514" y="4036470"/>
+                <a:ext cx="100396" cy="291760"/>
+              </a:xfrm>
+              <a:prstGeom prst="roundRect">
+                <a:avLst/>
+              </a:prstGeom>
+              <a:solidFill>
+                <a:schemeClr val="bg1"/>
+              </a:solidFill>
+              <a:ln>
+                <a:noFill/>
+              </a:ln>
+              <a:effectLst/>
+            </p:spPr>
+            <p:style>
+              <a:lnRef idx="1">
+                <a:schemeClr val="accent1"/>
+              </a:lnRef>
+              <a:fillRef idx="3">
+                <a:schemeClr val="accent1"/>
+              </a:fillRef>
+              <a:effectRef idx="2">
+                <a:schemeClr val="accent1"/>
+              </a:effectRef>
+              <a:fontRef idx="minor">
+                <a:schemeClr val="lt1"/>
+              </a:fontRef>
+            </p:style>
+            <p:txBody>
+              <a:bodyPr rtlCol="0" anchor="ctr"/>
+              <a:lstStyle/>
+              <a:p>
+                <a:pPr algn="just"/>
+                <a:endParaRPr lang="en-US"/>
+              </a:p>
+            </p:txBody>
+          </p:sp>
+          <p:sp>
+            <p:nvSpPr>
+              <p:cNvPr id="36" name="Rounded Rectangle 35"/>
+              <p:cNvSpPr/>
+              <p:nvPr/>
+            </p:nvSpPr>
+            <p:spPr>
+              <a:xfrm>
+                <a:off x="4170018" y="3069949"/>
+                <a:ext cx="100396" cy="1162599"/>
+              </a:xfrm>
+              <a:prstGeom prst="roundRect">
+                <a:avLst/>
+              </a:prstGeom>
+              <a:solidFill>
+                <a:schemeClr val="bg1"/>
+              </a:solidFill>
+              <a:ln>
+                <a:noFill/>
+              </a:ln>
+              <a:effectLst/>
+            </p:spPr>
+            <p:style>
+              <a:lnRef idx="1">
+                <a:schemeClr val="accent1"/>
+              </a:lnRef>
+              <a:fillRef idx="3">
+                <a:schemeClr val="accent1"/>
+              </a:fillRef>
+              <a:effectRef idx="2">
+                <a:schemeClr val="accent1"/>
+              </a:effectRef>
+              <a:fontRef idx="minor">
+                <a:schemeClr val="lt1"/>
+              </a:fontRef>
+            </p:style>
+            <p:txBody>
+              <a:bodyPr rtlCol="0" anchor="ctr"/>
+              <a:lstStyle/>
+              <a:p>
+                <a:pPr algn="just"/>
+                <a:endParaRPr lang="en-US"/>
+              </a:p>
+            </p:txBody>
+          </p:sp>
+          <p:sp>
+            <p:nvSpPr>
+              <p:cNvPr id="18" name="Rectangle 17"/>
+              <p:cNvSpPr/>
+              <p:nvPr/>
+            </p:nvSpPr>
+            <p:spPr>
+              <a:xfrm>
+                <a:off x="2757134" y="3187793"/>
+                <a:ext cx="983785" cy="1186218"/>
+              </a:xfrm>
+              <a:prstGeom prst="rect">
+                <a:avLst/>
+              </a:prstGeom>
+              <a:solidFill>
+                <a:schemeClr val="bg1"/>
+              </a:solidFill>
+              <a:ln>
+                <a:noFill/>
+              </a:ln>
+              <a:effectLst/>
+            </p:spPr>
+            <p:style>
+              <a:lnRef idx="1">
+                <a:schemeClr val="accent1"/>
+              </a:lnRef>
+              <a:fillRef idx="3">
+                <a:schemeClr val="accent1"/>
+              </a:fillRef>
+              <a:effectRef idx="2">
+                <a:schemeClr val="accent1"/>
+              </a:effectRef>
+              <a:fontRef idx="minor">
+                <a:schemeClr val="lt1"/>
+              </a:fontRef>
+            </p:style>
+            <p:txBody>
+              <a:bodyPr rtlCol="0" anchor="ctr"/>
+              <a:lstStyle/>
+              <a:p>
+                <a:pPr algn="just"/>
+                <a:endParaRPr lang="en-US"/>
+              </a:p>
+            </p:txBody>
+          </p:sp>
+          <p:grpSp>
+            <p:nvGrpSpPr>
+              <p:cNvPr id="3" name="Group 2"/>
+              <p:cNvGrpSpPr/>
+              <p:nvPr/>
+            </p:nvGrpSpPr>
+            <p:grpSpPr>
+              <a:xfrm>
+                <a:off x="2843776" y="3390996"/>
+                <a:ext cx="810501" cy="813729"/>
+                <a:chOff x="2858712" y="3390996"/>
+                <a:chExt cx="810501" cy="813729"/>
+              </a:xfrm>
+            </p:grpSpPr>
+            <p:sp>
+              <p:nvSpPr>
+                <p:cNvPr id="37" name="Rectangle 36"/>
+                <p:cNvSpPr/>
+                <p:nvPr/>
+              </p:nvSpPr>
+              <p:spPr>
+                <a:xfrm rot="13178596">
+                  <a:off x="3124081" y="3468507"/>
+                  <a:ext cx="289887" cy="591359"/>
+                </a:xfrm>
+                <a:prstGeom prst="rect">
+                  <a:avLst/>
+                </a:prstGeom>
+                <a:solidFill>
+                  <a:srgbClr val="FFEA79"/>
+                </a:solidFill>
+                <a:ln>
+                  <a:noFill/>
+                </a:ln>
+                <a:effectLst/>
+              </p:spPr>
+              <p:style>
+                <a:lnRef idx="1">
+                  <a:schemeClr val="accent1"/>
+                </a:lnRef>
+                <a:fillRef idx="3">
+                  <a:schemeClr val="accent1"/>
+                </a:fillRef>
+                <a:effectRef idx="2">
+                  <a:schemeClr val="accent1"/>
+                </a:effectRef>
+                <a:fontRef idx="minor">
+                  <a:schemeClr val="lt1"/>
+                </a:fontRef>
+              </p:style>
+              <p:txBody>
+                <a:bodyPr rtlCol="0" anchor="ctr"/>
+                <a:lstStyle/>
+                <a:p>
+                  <a:pPr algn="just"/>
+                  <a:endParaRPr lang="en-US"/>
+                </a:p>
+              </p:txBody>
+            </p:sp>
+            <p:sp>
+              <p:nvSpPr>
+                <p:cNvPr id="38" name="Rectangle 37"/>
+                <p:cNvSpPr/>
+                <p:nvPr/>
+              </p:nvSpPr>
+              <p:spPr>
+                <a:xfrm rot="13178596">
+                  <a:off x="3220970" y="3466641"/>
+                  <a:ext cx="91604" cy="591359"/>
+                </a:xfrm>
+                <a:prstGeom prst="rect">
+                  <a:avLst/>
+                </a:prstGeom>
+                <a:solidFill>
+                  <a:srgbClr val="EAD66F"/>
+                </a:solidFill>
+                <a:ln>
+                  <a:noFill/>
+                </a:ln>
+                <a:effectLst/>
+              </p:spPr>
+              <p:style>
+                <a:lnRef idx="1">
+                  <a:schemeClr val="accent1"/>
+                </a:lnRef>
+                <a:fillRef idx="3">
+                  <a:schemeClr val="accent1"/>
+                </a:fillRef>
+                <a:effectRef idx="2">
+                  <a:schemeClr val="accent1"/>
+                </a:effectRef>
+                <a:fontRef idx="minor">
+                  <a:schemeClr val="lt1"/>
+                </a:fontRef>
+              </p:style>
+              <p:txBody>
+                <a:bodyPr rtlCol="0" anchor="ctr"/>
+                <a:lstStyle/>
+                <a:p>
+                  <a:pPr algn="just"/>
+                  <a:endParaRPr lang="en-US"/>
+                </a:p>
+              </p:txBody>
+            </p:sp>
+            <p:sp>
+              <p:nvSpPr>
+                <p:cNvPr id="39" name="Rectangle 38"/>
+                <p:cNvSpPr/>
+                <p:nvPr/>
+              </p:nvSpPr>
+              <p:spPr>
+                <a:xfrm rot="13178596">
+                  <a:off x="3334887" y="3475024"/>
+                  <a:ext cx="289887" cy="69469"/>
+                </a:xfrm>
+                <a:prstGeom prst="rect">
+                  <a:avLst/>
+                </a:prstGeom>
+                <a:solidFill>
+                  <a:schemeClr val="bg1">
+                    <a:lumMod val="50000"/>
+                  </a:schemeClr>
+                </a:solidFill>
+                <a:ln>
+                  <a:noFill/>
+                </a:ln>
+                <a:effectLst/>
+              </p:spPr>
+              <p:style>
+                <a:lnRef idx="1">
+                  <a:schemeClr val="accent1"/>
+                </a:lnRef>
+                <a:fillRef idx="3">
+                  <a:schemeClr val="accent1"/>
+                </a:fillRef>
+                <a:effectRef idx="2">
+                  <a:schemeClr val="accent1"/>
+                </a:effectRef>
+                <a:fontRef idx="minor">
+                  <a:schemeClr val="lt1"/>
+                </a:fontRef>
+              </p:style>
+              <p:txBody>
+                <a:bodyPr rtlCol="0" anchor="ctr"/>
+                <a:lstStyle/>
+                <a:p>
+                  <a:pPr algn="just"/>
+                  <a:endParaRPr lang="en-US"/>
+                </a:p>
+              </p:txBody>
+            </p:sp>
+            <p:sp>
+              <p:nvSpPr>
+                <p:cNvPr id="40" name="Rounded Rectangle 39"/>
+                <p:cNvSpPr/>
+                <p:nvPr/>
+              </p:nvSpPr>
+              <p:spPr>
+                <a:xfrm rot="13178596">
+                  <a:off x="3379326" y="3390996"/>
+                  <a:ext cx="289887" cy="130256"/>
+                </a:xfrm>
+                <a:prstGeom prst="roundRect">
+                  <a:avLst/>
+                </a:prstGeom>
+                <a:solidFill>
+                  <a:srgbClr val="E88E9D"/>
+                </a:solidFill>
+                <a:ln>
+                  <a:noFill/>
+                </a:ln>
+                <a:effectLst/>
+              </p:spPr>
+              <p:style>
+                <a:lnRef idx="1">
+                  <a:schemeClr val="accent1"/>
+                </a:lnRef>
+                <a:fillRef idx="3">
+                  <a:schemeClr val="accent1"/>
+                </a:fillRef>
+                <a:effectRef idx="2">
+                  <a:schemeClr val="accent1"/>
+                </a:effectRef>
+                <a:fontRef idx="minor">
+                  <a:schemeClr val="lt1"/>
+                </a:fontRef>
+              </p:style>
+              <p:txBody>
+                <a:bodyPr rtlCol="0" anchor="ctr"/>
+                <a:lstStyle/>
+                <a:p>
+                  <a:pPr algn="just"/>
+                  <a:endParaRPr lang="en-US"/>
+                </a:p>
+              </p:txBody>
+            </p:sp>
+            <p:sp>
+              <p:nvSpPr>
+                <p:cNvPr id="41" name="Isosceles Triangle 40"/>
+                <p:cNvSpPr/>
+                <p:nvPr/>
+              </p:nvSpPr>
+              <p:spPr>
+                <a:xfrm rot="13178596">
+                  <a:off x="2858712" y="3964215"/>
+                  <a:ext cx="289887" cy="240510"/>
+                </a:xfrm>
+                <a:prstGeom prst="triangle">
+                  <a:avLst/>
+                </a:prstGeom>
+                <a:solidFill>
+                  <a:schemeClr val="bg2">
+                    <a:lumMod val="90000"/>
+                  </a:schemeClr>
+                </a:solidFill>
+                <a:ln>
+                  <a:noFill/>
+                </a:ln>
+                <a:effectLst/>
+              </p:spPr>
+              <p:style>
+                <a:lnRef idx="1">
+                  <a:schemeClr val="accent1"/>
+                </a:lnRef>
+                <a:fillRef idx="3">
+                  <a:schemeClr val="accent1"/>
+                </a:fillRef>
+                <a:effectRef idx="2">
+                  <a:schemeClr val="accent1"/>
+                </a:effectRef>
+                <a:fontRef idx="minor">
+                  <a:schemeClr val="lt1"/>
+                </a:fontRef>
+              </p:style>
+              <p:txBody>
+                <a:bodyPr rtlCol="0" anchor="ctr"/>
+                <a:lstStyle/>
+                <a:p>
+                  <a:pPr algn="just"/>
+                  <a:endParaRPr lang="en-US"/>
+                </a:p>
+              </p:txBody>
+            </p:sp>
+            <p:sp>
+              <p:nvSpPr>
+                <p:cNvPr id="42" name="Isosceles Triangle 41"/>
+                <p:cNvSpPr/>
+                <p:nvPr/>
+              </p:nvSpPr>
+              <p:spPr>
+                <a:xfrm rot="13178596">
+                  <a:off x="2896143" y="4094893"/>
+                  <a:ext cx="113837" cy="102097"/>
+                </a:xfrm>
+                <a:prstGeom prst="triangle">
+                  <a:avLst/>
+                </a:prstGeom>
+                <a:solidFill>
+                  <a:schemeClr val="tx1"/>
+                </a:solidFill>
+                <a:ln>
+                  <a:noFill/>
+                </a:ln>
+                <a:effectLst/>
+              </p:spPr>
+              <p:style>
+                <a:lnRef idx="1">
+                  <a:schemeClr val="accent1"/>
+                </a:lnRef>
+                <a:fillRef idx="3">
+                  <a:schemeClr val="accent1"/>
+                </a:fillRef>
+                <a:effectRef idx="2">
+                  <a:schemeClr val="accent1"/>
+                </a:effectRef>
+                <a:fontRef idx="minor">
+                  <a:schemeClr val="lt1"/>
+                </a:fontRef>
+              </p:style>
+              <p:txBody>
+                <a:bodyPr rtlCol="0" anchor="ctr"/>
+                <a:lstStyle/>
+                <a:p>
+                  <a:pPr algn="just"/>
+                  <a:endParaRPr lang="en-US"/>
+                </a:p>
+              </p:txBody>
+            </p:sp>
+            <p:sp>
+              <p:nvSpPr>
+                <p:cNvPr id="43" name="Rectangle 42"/>
+                <p:cNvSpPr/>
+                <p:nvPr/>
+              </p:nvSpPr>
+              <p:spPr>
+                <a:xfrm rot="13178596">
+                  <a:off x="3375602" y="3397737"/>
+                  <a:ext cx="289887" cy="125760"/>
+                </a:xfrm>
+                <a:prstGeom prst="rect">
+                  <a:avLst/>
+                </a:prstGeom>
+                <a:solidFill>
+                  <a:srgbClr val="E88E9D"/>
+                </a:solidFill>
+                <a:ln>
+                  <a:noFill/>
+                </a:ln>
+                <a:effectLst/>
+              </p:spPr>
+              <p:style>
+                <a:lnRef idx="1">
+                  <a:schemeClr val="accent1"/>
+                </a:lnRef>
+                <a:fillRef idx="3">
+                  <a:schemeClr val="accent1"/>
+                </a:fillRef>
+                <a:effectRef idx="2">
+                  <a:schemeClr val="accent1"/>
+                </a:effectRef>
+                <a:fontRef idx="minor">
+                  <a:schemeClr val="lt1"/>
+                </a:fontRef>
+              </p:style>
+              <p:txBody>
+                <a:bodyPr rtlCol="0" anchor="ctr"/>
+                <a:lstStyle/>
+                <a:p>
+                  <a:pPr algn="just"/>
+                  <a:endParaRPr lang="en-US"/>
+                </a:p>
+              </p:txBody>
+            </p:sp>
+          </p:grpSp>
+        </p:grpSp>
       </p:grpSp>
     </p:spTree>
     <p:extLst>
